--- a/Final demo presentation/Mistborn Ragnarok.pptx
+++ b/Final demo presentation/Mistborn Ragnarok.pptx
@@ -2,15 +2,18 @@
 <file path=ppt/presentation.xml><?xml version="1.0" encoding="utf-8"?>
 <p:presentation xmlns:a="http://schemas.openxmlformats.org/drawingml/2006/main" xmlns:r="http://schemas.openxmlformats.org/officeDocument/2006/relationships" xmlns:p="http://schemas.openxmlformats.org/presentationml/2006/main" saveSubsetFonts="1">
   <p:sldMasterIdLst>
-    <p:sldMasterId id="2147483648" r:id="rId1"/>
+    <p:sldMasterId id="2147483702" r:id="rId1"/>
   </p:sldMasterIdLst>
+  <p:notesMasterIdLst>
+    <p:notesMasterId r:id="rId8"/>
+  </p:notesMasterIdLst>
   <p:sldIdLst>
     <p:sldId id="256" r:id="rId2"/>
     <p:sldId id="257" r:id="rId3"/>
-    <p:sldId id="258" r:id="rId4"/>
-    <p:sldId id="259" r:id="rId5"/>
-    <p:sldId id="260" r:id="rId6"/>
-    <p:sldId id="261" r:id="rId7"/>
+    <p:sldId id="276" r:id="rId4"/>
+    <p:sldId id="277" r:id="rId5"/>
+    <p:sldId id="278" r:id="rId6"/>
+    <p:sldId id="274" r:id="rId7"/>
   </p:sldIdLst>
   <p:sldSz cx="12192000" cy="6858000"/>
   <p:notesSz cx="6858000" cy="9144000"/>
@@ -18,7 +21,7 @@
     <a:defPPr>
       <a:defRPr lang="en-US"/>
     </a:defPPr>
-    <a:lvl1pPr marL="0" algn="l" defTabSz="914400" rtl="0" eaLnBrk="1" latinLnBrk="0" hangingPunct="1">
+    <a:lvl1pPr marL="0" algn="l" defTabSz="457200" rtl="0" eaLnBrk="1" latinLnBrk="0" hangingPunct="1">
       <a:defRPr sz="1800" kern="1200">
         <a:solidFill>
           <a:schemeClr val="tx1"/>
@@ -28,7 +31,7 @@
         <a:cs typeface="+mn-cs"/>
       </a:defRPr>
     </a:lvl1pPr>
-    <a:lvl2pPr marL="457200" algn="l" defTabSz="914400" rtl="0" eaLnBrk="1" latinLnBrk="0" hangingPunct="1">
+    <a:lvl2pPr marL="457200" algn="l" defTabSz="457200" rtl="0" eaLnBrk="1" latinLnBrk="0" hangingPunct="1">
       <a:defRPr sz="1800" kern="1200">
         <a:solidFill>
           <a:schemeClr val="tx1"/>
@@ -38,7 +41,7 @@
         <a:cs typeface="+mn-cs"/>
       </a:defRPr>
     </a:lvl2pPr>
-    <a:lvl3pPr marL="914400" algn="l" defTabSz="914400" rtl="0" eaLnBrk="1" latinLnBrk="0" hangingPunct="1">
+    <a:lvl3pPr marL="914400" algn="l" defTabSz="457200" rtl="0" eaLnBrk="1" latinLnBrk="0" hangingPunct="1">
       <a:defRPr sz="1800" kern="1200">
         <a:solidFill>
           <a:schemeClr val="tx1"/>
@@ -48,7 +51,7 @@
         <a:cs typeface="+mn-cs"/>
       </a:defRPr>
     </a:lvl3pPr>
-    <a:lvl4pPr marL="1371600" algn="l" defTabSz="914400" rtl="0" eaLnBrk="1" latinLnBrk="0" hangingPunct="1">
+    <a:lvl4pPr marL="1371600" algn="l" defTabSz="457200" rtl="0" eaLnBrk="1" latinLnBrk="0" hangingPunct="1">
       <a:defRPr sz="1800" kern="1200">
         <a:solidFill>
           <a:schemeClr val="tx1"/>
@@ -58,7 +61,7 @@
         <a:cs typeface="+mn-cs"/>
       </a:defRPr>
     </a:lvl4pPr>
-    <a:lvl5pPr marL="1828800" algn="l" defTabSz="914400" rtl="0" eaLnBrk="1" latinLnBrk="0" hangingPunct="1">
+    <a:lvl5pPr marL="1828800" algn="l" defTabSz="457200" rtl="0" eaLnBrk="1" latinLnBrk="0" hangingPunct="1">
       <a:defRPr sz="1800" kern="1200">
         <a:solidFill>
           <a:schemeClr val="tx1"/>
@@ -68,7 +71,7 @@
         <a:cs typeface="+mn-cs"/>
       </a:defRPr>
     </a:lvl5pPr>
-    <a:lvl6pPr marL="2286000" algn="l" defTabSz="914400" rtl="0" eaLnBrk="1" latinLnBrk="0" hangingPunct="1">
+    <a:lvl6pPr marL="2286000" algn="l" defTabSz="457200" rtl="0" eaLnBrk="1" latinLnBrk="0" hangingPunct="1">
       <a:defRPr sz="1800" kern="1200">
         <a:solidFill>
           <a:schemeClr val="tx1"/>
@@ -78,7 +81,7 @@
         <a:cs typeface="+mn-cs"/>
       </a:defRPr>
     </a:lvl6pPr>
-    <a:lvl7pPr marL="2743200" algn="l" defTabSz="914400" rtl="0" eaLnBrk="1" latinLnBrk="0" hangingPunct="1">
+    <a:lvl7pPr marL="2743200" algn="l" defTabSz="457200" rtl="0" eaLnBrk="1" latinLnBrk="0" hangingPunct="1">
       <a:defRPr sz="1800" kern="1200">
         <a:solidFill>
           <a:schemeClr val="tx1"/>
@@ -88,7 +91,7 @@
         <a:cs typeface="+mn-cs"/>
       </a:defRPr>
     </a:lvl7pPr>
-    <a:lvl8pPr marL="3200400" algn="l" defTabSz="914400" rtl="0" eaLnBrk="1" latinLnBrk="0" hangingPunct="1">
+    <a:lvl8pPr marL="3200400" algn="l" defTabSz="457200" rtl="0" eaLnBrk="1" latinLnBrk="0" hangingPunct="1">
       <a:defRPr sz="1800" kern="1200">
         <a:solidFill>
           <a:schemeClr val="tx1"/>
@@ -98,7 +101,7 @@
         <a:cs typeface="+mn-cs"/>
       </a:defRPr>
     </a:lvl8pPr>
-    <a:lvl9pPr marL="3657600" algn="l" defTabSz="914400" rtl="0" eaLnBrk="1" latinLnBrk="0" hangingPunct="1">
+    <a:lvl9pPr marL="3657600" algn="l" defTabSz="457200" rtl="0" eaLnBrk="1" latinLnBrk="0" hangingPunct="1">
       <a:defRPr sz="1800" kern="1200">
         <a:solidFill>
           <a:schemeClr val="tx1"/>
@@ -109,7 +112,530 @@
       </a:defRPr>
     </a:lvl9pPr>
   </p:defaultTextStyle>
+  <p:extLst>
+    <p:ext uri="{EFAFB233-063F-42B5-8137-9DF3F51BA10A}">
+      <p15:sldGuideLst xmlns:p15="http://schemas.microsoft.com/office/powerpoint/2012/main"/>
+    </p:ext>
+  </p:extLst>
 </p:presentation>
+</file>
+
+<file path=ppt/notesMasters/notesMaster1.xml><?xml version="1.0" encoding="utf-8"?>
+<p:notesMaster xmlns:a="http://schemas.openxmlformats.org/drawingml/2006/main" xmlns:r="http://schemas.openxmlformats.org/officeDocument/2006/relationships" xmlns:p="http://schemas.openxmlformats.org/presentationml/2006/main">
+  <p:cSld>
+    <p:bg>
+      <p:bgRef idx="1001">
+        <a:schemeClr val="bg1"/>
+      </p:bgRef>
+    </p:bg>
+    <p:spTree>
+      <p:nvGrpSpPr>
+        <p:cNvPr id="1" name=""/>
+        <p:cNvGrpSpPr/>
+        <p:nvPr/>
+      </p:nvGrpSpPr>
+      <p:grpSpPr>
+        <a:xfrm>
+          <a:off x="0" y="0"/>
+          <a:ext cx="0" cy="0"/>
+          <a:chOff x="0" y="0"/>
+          <a:chExt cx="0" cy="0"/>
+        </a:xfrm>
+      </p:grpSpPr>
+      <p:sp>
+        <p:nvSpPr>
+          <p:cNvPr id="2" name="Header Placeholder 1"/>
+          <p:cNvSpPr>
+            <a:spLocks noGrp="1"/>
+          </p:cNvSpPr>
+          <p:nvPr>
+            <p:ph type="hdr" sz="quarter"/>
+          </p:nvPr>
+        </p:nvSpPr>
+        <p:spPr>
+          <a:xfrm>
+            <a:off x="0" y="0"/>
+            <a:ext cx="2971800" cy="458788"/>
+          </a:xfrm>
+          <a:prstGeom prst="rect">
+            <a:avLst/>
+          </a:prstGeom>
+        </p:spPr>
+        <p:txBody>
+          <a:bodyPr vert="horz" lIns="91440" tIns="45720" rIns="91440" bIns="45720" rtlCol="0"/>
+          <a:lstStyle>
+            <a:lvl1pPr algn="l">
+              <a:defRPr sz="1200"/>
+            </a:lvl1pPr>
+          </a:lstStyle>
+          <a:p>
+            <a:endParaRPr lang="en-CA"/>
+          </a:p>
+        </p:txBody>
+      </p:sp>
+      <p:sp>
+        <p:nvSpPr>
+          <p:cNvPr id="3" name="Date Placeholder 2"/>
+          <p:cNvSpPr>
+            <a:spLocks noGrp="1"/>
+          </p:cNvSpPr>
+          <p:nvPr>
+            <p:ph type="dt" idx="1"/>
+          </p:nvPr>
+        </p:nvSpPr>
+        <p:spPr>
+          <a:xfrm>
+            <a:off x="3884613" y="0"/>
+            <a:ext cx="2971800" cy="458788"/>
+          </a:xfrm>
+          <a:prstGeom prst="rect">
+            <a:avLst/>
+          </a:prstGeom>
+        </p:spPr>
+        <p:txBody>
+          <a:bodyPr vert="horz" lIns="91440" tIns="45720" rIns="91440" bIns="45720" rtlCol="0"/>
+          <a:lstStyle>
+            <a:lvl1pPr algn="r">
+              <a:defRPr sz="1200"/>
+            </a:lvl1pPr>
+          </a:lstStyle>
+          <a:p>
+            <a:fld id="{6576262D-8062-4BB6-9221-4589BD32A479}" type="datetimeFigureOut">
+              <a:rPr lang="en-CA" smtClean="0"/>
+              <a:t>2019-11-29</a:t>
+            </a:fld>
+            <a:endParaRPr lang="en-CA"/>
+          </a:p>
+        </p:txBody>
+      </p:sp>
+      <p:sp>
+        <p:nvSpPr>
+          <p:cNvPr id="4" name="Slide Image Placeholder 3"/>
+          <p:cNvSpPr>
+            <a:spLocks noGrp="1" noRot="1" noChangeAspect="1"/>
+          </p:cNvSpPr>
+          <p:nvPr>
+            <p:ph type="sldImg" idx="2"/>
+          </p:nvPr>
+        </p:nvSpPr>
+        <p:spPr>
+          <a:xfrm>
+            <a:off x="685800" y="1143000"/>
+            <a:ext cx="5486400" cy="3086100"/>
+          </a:xfrm>
+          <a:prstGeom prst="rect">
+            <a:avLst/>
+          </a:prstGeom>
+          <a:noFill/>
+          <a:ln w="12700">
+            <a:solidFill>
+              <a:prstClr val="black"/>
+            </a:solidFill>
+          </a:ln>
+        </p:spPr>
+        <p:txBody>
+          <a:bodyPr vert="horz" lIns="91440" tIns="45720" rIns="91440" bIns="45720" rtlCol="0" anchor="ctr"/>
+          <a:lstStyle/>
+          <a:p>
+            <a:endParaRPr lang="en-CA"/>
+          </a:p>
+        </p:txBody>
+      </p:sp>
+      <p:sp>
+        <p:nvSpPr>
+          <p:cNvPr id="5" name="Notes Placeholder 4"/>
+          <p:cNvSpPr>
+            <a:spLocks noGrp="1"/>
+          </p:cNvSpPr>
+          <p:nvPr>
+            <p:ph type="body" sz="quarter" idx="3"/>
+          </p:nvPr>
+        </p:nvSpPr>
+        <p:spPr>
+          <a:xfrm>
+            <a:off x="685800" y="4400550"/>
+            <a:ext cx="5486400" cy="3600450"/>
+          </a:xfrm>
+          <a:prstGeom prst="rect">
+            <a:avLst/>
+          </a:prstGeom>
+        </p:spPr>
+        <p:txBody>
+          <a:bodyPr vert="horz" lIns="91440" tIns="45720" rIns="91440" bIns="45720" rtlCol="0"/>
+          <a:lstStyle/>
+          <a:p>
+            <a:pPr lvl="0"/>
+            <a:r>
+              <a:rPr lang="en-US"/>
+              <a:t>Click to edit Master text styles</a:t>
+            </a:r>
+          </a:p>
+          <a:p>
+            <a:pPr lvl="1"/>
+            <a:r>
+              <a:rPr lang="en-US"/>
+              <a:t>Second level</a:t>
+            </a:r>
+          </a:p>
+          <a:p>
+            <a:pPr lvl="2"/>
+            <a:r>
+              <a:rPr lang="en-US"/>
+              <a:t>Third level</a:t>
+            </a:r>
+          </a:p>
+          <a:p>
+            <a:pPr lvl="3"/>
+            <a:r>
+              <a:rPr lang="en-US"/>
+              <a:t>Fourth level</a:t>
+            </a:r>
+          </a:p>
+          <a:p>
+            <a:pPr lvl="4"/>
+            <a:r>
+              <a:rPr lang="en-US"/>
+              <a:t>Fifth level</a:t>
+            </a:r>
+            <a:endParaRPr lang="en-CA"/>
+          </a:p>
+        </p:txBody>
+      </p:sp>
+      <p:sp>
+        <p:nvSpPr>
+          <p:cNvPr id="6" name="Footer Placeholder 5"/>
+          <p:cNvSpPr>
+            <a:spLocks noGrp="1"/>
+          </p:cNvSpPr>
+          <p:nvPr>
+            <p:ph type="ftr" sz="quarter" idx="4"/>
+          </p:nvPr>
+        </p:nvSpPr>
+        <p:spPr>
+          <a:xfrm>
+            <a:off x="0" y="8685213"/>
+            <a:ext cx="2971800" cy="458787"/>
+          </a:xfrm>
+          <a:prstGeom prst="rect">
+            <a:avLst/>
+          </a:prstGeom>
+        </p:spPr>
+        <p:txBody>
+          <a:bodyPr vert="horz" lIns="91440" tIns="45720" rIns="91440" bIns="45720" rtlCol="0" anchor="b"/>
+          <a:lstStyle>
+            <a:lvl1pPr algn="l">
+              <a:defRPr sz="1200"/>
+            </a:lvl1pPr>
+          </a:lstStyle>
+          <a:p>
+            <a:endParaRPr lang="en-CA"/>
+          </a:p>
+        </p:txBody>
+      </p:sp>
+      <p:sp>
+        <p:nvSpPr>
+          <p:cNvPr id="7" name="Slide Number Placeholder 6"/>
+          <p:cNvSpPr>
+            <a:spLocks noGrp="1"/>
+          </p:cNvSpPr>
+          <p:nvPr>
+            <p:ph type="sldNum" sz="quarter" idx="5"/>
+          </p:nvPr>
+        </p:nvSpPr>
+        <p:spPr>
+          <a:xfrm>
+            <a:off x="3884613" y="8685213"/>
+            <a:ext cx="2971800" cy="458787"/>
+          </a:xfrm>
+          <a:prstGeom prst="rect">
+            <a:avLst/>
+          </a:prstGeom>
+        </p:spPr>
+        <p:txBody>
+          <a:bodyPr vert="horz" lIns="91440" tIns="45720" rIns="91440" bIns="45720" rtlCol="0" anchor="b"/>
+          <a:lstStyle>
+            <a:lvl1pPr algn="r">
+              <a:defRPr sz="1200"/>
+            </a:lvl1pPr>
+          </a:lstStyle>
+          <a:p>
+            <a:fld id="{15D3DD9D-6CC0-41F6-8407-1F8F7C800A8C}" type="slidenum">
+              <a:rPr lang="en-CA" smtClean="0"/>
+              <a:t>‹#›</a:t>
+            </a:fld>
+            <a:endParaRPr lang="en-CA"/>
+          </a:p>
+        </p:txBody>
+      </p:sp>
+    </p:spTree>
+    <p:extLst>
+      <p:ext uri="{BB962C8B-B14F-4D97-AF65-F5344CB8AC3E}">
+        <p14:creationId xmlns:p14="http://schemas.microsoft.com/office/powerpoint/2010/main" val="2857255592"/>
+      </p:ext>
+    </p:extLst>
+  </p:cSld>
+  <p:clrMap bg1="lt1" tx1="dk1" bg2="lt2" tx2="dk2" accent1="accent1" accent2="accent2" accent3="accent3" accent4="accent4" accent5="accent5" accent6="accent6" hlink="hlink" folHlink="folHlink"/>
+  <p:notesStyle>
+    <a:lvl1pPr marL="0" algn="l" defTabSz="914400" rtl="0" eaLnBrk="1" latinLnBrk="0" hangingPunct="1">
+      <a:defRPr sz="1200" kern="1200">
+        <a:solidFill>
+          <a:schemeClr val="tx1"/>
+        </a:solidFill>
+        <a:latin typeface="+mn-lt"/>
+        <a:ea typeface="+mn-ea"/>
+        <a:cs typeface="+mn-cs"/>
+      </a:defRPr>
+    </a:lvl1pPr>
+    <a:lvl2pPr marL="457200" algn="l" defTabSz="914400" rtl="0" eaLnBrk="1" latinLnBrk="0" hangingPunct="1">
+      <a:defRPr sz="1200" kern="1200">
+        <a:solidFill>
+          <a:schemeClr val="tx1"/>
+        </a:solidFill>
+        <a:latin typeface="+mn-lt"/>
+        <a:ea typeface="+mn-ea"/>
+        <a:cs typeface="+mn-cs"/>
+      </a:defRPr>
+    </a:lvl2pPr>
+    <a:lvl3pPr marL="914400" algn="l" defTabSz="914400" rtl="0" eaLnBrk="1" latinLnBrk="0" hangingPunct="1">
+      <a:defRPr sz="1200" kern="1200">
+        <a:solidFill>
+          <a:schemeClr val="tx1"/>
+        </a:solidFill>
+        <a:latin typeface="+mn-lt"/>
+        <a:ea typeface="+mn-ea"/>
+        <a:cs typeface="+mn-cs"/>
+      </a:defRPr>
+    </a:lvl3pPr>
+    <a:lvl4pPr marL="1371600" algn="l" defTabSz="914400" rtl="0" eaLnBrk="1" latinLnBrk="0" hangingPunct="1">
+      <a:defRPr sz="1200" kern="1200">
+        <a:solidFill>
+          <a:schemeClr val="tx1"/>
+        </a:solidFill>
+        <a:latin typeface="+mn-lt"/>
+        <a:ea typeface="+mn-ea"/>
+        <a:cs typeface="+mn-cs"/>
+      </a:defRPr>
+    </a:lvl4pPr>
+    <a:lvl5pPr marL="1828800" algn="l" defTabSz="914400" rtl="0" eaLnBrk="1" latinLnBrk="0" hangingPunct="1">
+      <a:defRPr sz="1200" kern="1200">
+        <a:solidFill>
+          <a:schemeClr val="tx1"/>
+        </a:solidFill>
+        <a:latin typeface="+mn-lt"/>
+        <a:ea typeface="+mn-ea"/>
+        <a:cs typeface="+mn-cs"/>
+      </a:defRPr>
+    </a:lvl5pPr>
+    <a:lvl6pPr marL="2286000" algn="l" defTabSz="914400" rtl="0" eaLnBrk="1" latinLnBrk="0" hangingPunct="1">
+      <a:defRPr sz="1200" kern="1200">
+        <a:solidFill>
+          <a:schemeClr val="tx1"/>
+        </a:solidFill>
+        <a:latin typeface="+mn-lt"/>
+        <a:ea typeface="+mn-ea"/>
+        <a:cs typeface="+mn-cs"/>
+      </a:defRPr>
+    </a:lvl6pPr>
+    <a:lvl7pPr marL="2743200" algn="l" defTabSz="914400" rtl="0" eaLnBrk="1" latinLnBrk="0" hangingPunct="1">
+      <a:defRPr sz="1200" kern="1200">
+        <a:solidFill>
+          <a:schemeClr val="tx1"/>
+        </a:solidFill>
+        <a:latin typeface="+mn-lt"/>
+        <a:ea typeface="+mn-ea"/>
+        <a:cs typeface="+mn-cs"/>
+      </a:defRPr>
+    </a:lvl7pPr>
+    <a:lvl8pPr marL="3200400" algn="l" defTabSz="914400" rtl="0" eaLnBrk="1" latinLnBrk="0" hangingPunct="1">
+      <a:defRPr sz="1200" kern="1200">
+        <a:solidFill>
+          <a:schemeClr val="tx1"/>
+        </a:solidFill>
+        <a:latin typeface="+mn-lt"/>
+        <a:ea typeface="+mn-ea"/>
+        <a:cs typeface="+mn-cs"/>
+      </a:defRPr>
+    </a:lvl8pPr>
+    <a:lvl9pPr marL="3657600" algn="l" defTabSz="914400" rtl="0" eaLnBrk="1" latinLnBrk="0" hangingPunct="1">
+      <a:defRPr sz="1200" kern="1200">
+        <a:solidFill>
+          <a:schemeClr val="tx1"/>
+        </a:solidFill>
+        <a:latin typeface="+mn-lt"/>
+        <a:ea typeface="+mn-ea"/>
+        <a:cs typeface="+mn-cs"/>
+      </a:defRPr>
+    </a:lvl9pPr>
+  </p:notesStyle>
+</p:notesMaster>
+</file>
+
+<file path=ppt/notesSlides/notesSlide1.xml><?xml version="1.0" encoding="utf-8"?>
+<p:notes xmlns:a="http://schemas.openxmlformats.org/drawingml/2006/main" xmlns:r="http://schemas.openxmlformats.org/officeDocument/2006/relationships" xmlns:p="http://schemas.openxmlformats.org/presentationml/2006/main">
+  <p:cSld>
+    <p:spTree>
+      <p:nvGrpSpPr>
+        <p:cNvPr id="1" name=""/>
+        <p:cNvGrpSpPr/>
+        <p:nvPr/>
+      </p:nvGrpSpPr>
+      <p:grpSpPr>
+        <a:xfrm>
+          <a:off x="0" y="0"/>
+          <a:ext cx="0" cy="0"/>
+          <a:chOff x="0" y="0"/>
+          <a:chExt cx="0" cy="0"/>
+        </a:xfrm>
+      </p:grpSpPr>
+      <p:sp>
+        <p:nvSpPr>
+          <p:cNvPr id="2" name="Slide Image Placeholder 1"/>
+          <p:cNvSpPr>
+            <a:spLocks noGrp="1" noRot="1" noChangeAspect="1"/>
+          </p:cNvSpPr>
+          <p:nvPr>
+            <p:ph type="sldImg"/>
+          </p:nvPr>
+        </p:nvSpPr>
+        <p:spPr/>
+      </p:sp>
+      <p:sp>
+        <p:nvSpPr>
+          <p:cNvPr id="3" name="Notes Placeholder 2"/>
+          <p:cNvSpPr>
+            <a:spLocks noGrp="1"/>
+          </p:cNvSpPr>
+          <p:nvPr>
+            <p:ph type="body" idx="1"/>
+          </p:nvPr>
+        </p:nvSpPr>
+        <p:spPr/>
+        <p:txBody>
+          <a:bodyPr/>
+          <a:lstStyle/>
+          <a:p>
+            <a:endParaRPr lang="en-US" dirty="0"/>
+          </a:p>
+        </p:txBody>
+      </p:sp>
+      <p:sp>
+        <p:nvSpPr>
+          <p:cNvPr id="4" name="Slide Number Placeholder 3"/>
+          <p:cNvSpPr>
+            <a:spLocks noGrp="1"/>
+          </p:cNvSpPr>
+          <p:nvPr>
+            <p:ph type="sldNum" sz="quarter" idx="5"/>
+          </p:nvPr>
+        </p:nvSpPr>
+        <p:spPr/>
+        <p:txBody>
+          <a:bodyPr/>
+          <a:lstStyle/>
+          <a:p>
+            <a:fld id="{15D3DD9D-6CC0-41F6-8407-1F8F7C800A8C}" type="slidenum">
+              <a:rPr lang="en-CA" smtClean="0"/>
+              <a:t>4</a:t>
+            </a:fld>
+            <a:endParaRPr lang="en-CA"/>
+          </a:p>
+        </p:txBody>
+      </p:sp>
+    </p:spTree>
+    <p:extLst>
+      <p:ext uri="{BB962C8B-B14F-4D97-AF65-F5344CB8AC3E}">
+        <p14:creationId xmlns:p14="http://schemas.microsoft.com/office/powerpoint/2010/main" val="3331793604"/>
+      </p:ext>
+    </p:extLst>
+  </p:cSld>
+  <p:clrMapOvr>
+    <a:masterClrMapping/>
+  </p:clrMapOvr>
+</p:notes>
+</file>
+
+<file path=ppt/notesSlides/notesSlide2.xml><?xml version="1.0" encoding="utf-8"?>
+<p:notes xmlns:a="http://schemas.openxmlformats.org/drawingml/2006/main" xmlns:r="http://schemas.openxmlformats.org/officeDocument/2006/relationships" xmlns:p="http://schemas.openxmlformats.org/presentationml/2006/main">
+  <p:cSld>
+    <p:spTree>
+      <p:nvGrpSpPr>
+        <p:cNvPr id="1" name=""/>
+        <p:cNvGrpSpPr/>
+        <p:nvPr/>
+      </p:nvGrpSpPr>
+      <p:grpSpPr>
+        <a:xfrm>
+          <a:off x="0" y="0"/>
+          <a:ext cx="0" cy="0"/>
+          <a:chOff x="0" y="0"/>
+          <a:chExt cx="0" cy="0"/>
+        </a:xfrm>
+      </p:grpSpPr>
+      <p:sp>
+        <p:nvSpPr>
+          <p:cNvPr id="2" name="Slide Image Placeholder 1"/>
+          <p:cNvSpPr>
+            <a:spLocks noGrp="1" noRot="1" noChangeAspect="1"/>
+          </p:cNvSpPr>
+          <p:nvPr>
+            <p:ph type="sldImg"/>
+          </p:nvPr>
+        </p:nvSpPr>
+        <p:spPr/>
+      </p:sp>
+      <p:sp>
+        <p:nvSpPr>
+          <p:cNvPr id="3" name="Notes Placeholder 2"/>
+          <p:cNvSpPr>
+            <a:spLocks noGrp="1"/>
+          </p:cNvSpPr>
+          <p:nvPr>
+            <p:ph type="body" idx="1"/>
+          </p:nvPr>
+        </p:nvSpPr>
+        <p:spPr/>
+        <p:txBody>
+          <a:bodyPr/>
+          <a:lstStyle/>
+          <a:p>
+            <a:endParaRPr lang="en-US" dirty="0"/>
+          </a:p>
+        </p:txBody>
+      </p:sp>
+      <p:sp>
+        <p:nvSpPr>
+          <p:cNvPr id="4" name="Slide Number Placeholder 3"/>
+          <p:cNvSpPr>
+            <a:spLocks noGrp="1"/>
+          </p:cNvSpPr>
+          <p:nvPr>
+            <p:ph type="sldNum" sz="quarter" idx="5"/>
+          </p:nvPr>
+        </p:nvSpPr>
+        <p:spPr/>
+        <p:txBody>
+          <a:bodyPr/>
+          <a:lstStyle/>
+          <a:p>
+            <a:fld id="{15D3DD9D-6CC0-41F6-8407-1F8F7C800A8C}" type="slidenum">
+              <a:rPr lang="en-CA" smtClean="0"/>
+              <a:t>5</a:t>
+            </a:fld>
+            <a:endParaRPr lang="en-CA"/>
+          </a:p>
+        </p:txBody>
+      </p:sp>
+    </p:spTree>
+    <p:extLst>
+      <p:ext uri="{BB962C8B-B14F-4D97-AF65-F5344CB8AC3E}">
+        <p14:creationId xmlns:p14="http://schemas.microsoft.com/office/powerpoint/2010/main" val="2301060415"/>
+      </p:ext>
+    </p:extLst>
+  </p:cSld>
+  <p:clrMapOvr>
+    <a:masterClrMapping/>
+  </p:clrMapOvr>
+</p:notes>
 </file>
 
 <file path=ppt/slideLayouts/slideLayout1.xml><?xml version="1.0" encoding="utf-8"?>
@@ -129,15 +655,39 @@
           <a:chExt cx="0" cy="0"/>
         </a:xfrm>
       </p:grpSpPr>
-      <p:sp>
-        <p:nvSpPr>
-          <p:cNvPr id="2" name="Title 1">
+      <p:pic>
+        <p:nvPicPr>
+          <p:cNvPr id="7" name="Picture 6" descr="C0-HD-BTM.png"/>
+          <p:cNvPicPr>
+            <a:picLocks noChangeAspect="1"/>
+          </p:cNvPicPr>
+          <p:nvPr/>
+        </p:nvPicPr>
+        <p:blipFill>
+          <a:blip r:embed="rId2">
             <a:extLst>
-              <a:ext uri="{FF2B5EF4-FFF2-40B4-BE49-F238E27FC236}">
-                <a16:creationId xmlns:a16="http://schemas.microsoft.com/office/drawing/2014/main" id="{05E0C9C5-CA08-4637-83BC-641CE3F1763C}"/>
+              <a:ext uri="{28A0092B-C50C-407E-A947-70E740481C1C}">
+                <a14:useLocalDpi xmlns:a14="http://schemas.microsoft.com/office/drawing/2010/main" val="0"/>
               </a:ext>
             </a:extLst>
-          </p:cNvPr>
+          </a:blip>
+          <a:stretch>
+            <a:fillRect/>
+          </a:stretch>
+        </p:blipFill>
+        <p:spPr>
+          <a:xfrm>
+            <a:off x="0" y="4375150"/>
+            <a:ext cx="12192000" cy="2482850"/>
+          </a:xfrm>
+          <a:prstGeom prst="rect">
+            <a:avLst/>
+          </a:prstGeom>
+        </p:spPr>
+      </p:pic>
+      <p:sp>
+        <p:nvSpPr>
+          <p:cNvPr id="2" name="Title 1"/>
           <p:cNvSpPr>
             <a:spLocks noGrp="1"/>
           </p:cNvSpPr>
@@ -147,14 +697,16 @@
         </p:nvSpPr>
         <p:spPr>
           <a:xfrm>
-            <a:off x="1524000" y="1122363"/>
-            <a:ext cx="9144000" cy="2387600"/>
-          </a:xfrm>
-        </p:spPr>
-        <p:txBody>
-          <a:bodyPr anchor="b"/>
+            <a:off x="1371600" y="1803405"/>
+            <a:ext cx="9448800" cy="1825096"/>
+          </a:xfrm>
+        </p:spPr>
+        <p:txBody>
+          <a:bodyPr anchor="b">
+            <a:normAutofit/>
+          </a:bodyPr>
           <a:lstStyle>
-            <a:lvl1pPr algn="ctr">
+            <a:lvl1pPr algn="l">
               <a:defRPr sz="6000"/>
             </a:lvl1pPr>
           </a:lstStyle>
@@ -163,18 +715,13 @@
               <a:rPr lang="en-US"/>
               <a:t>Click to edit Master title style</a:t>
             </a:r>
-          </a:p>
-        </p:txBody>
-      </p:sp>
-      <p:sp>
-        <p:nvSpPr>
-          <p:cNvPr id="3" name="Subtitle 2">
-            <a:extLst>
-              <a:ext uri="{FF2B5EF4-FFF2-40B4-BE49-F238E27FC236}">
-                <a16:creationId xmlns:a16="http://schemas.microsoft.com/office/drawing/2014/main" id="{C96E5E00-7E30-4D74-BB0A-40246D405D79}"/>
-              </a:ext>
-            </a:extLst>
-          </p:cNvPr>
+            <a:endParaRPr lang="en-US" dirty="0"/>
+          </a:p>
+        </p:txBody>
+      </p:sp>
+      <p:sp>
+        <p:nvSpPr>
+          <p:cNvPr id="3" name="Subtitle 2"/>
           <p:cNvSpPr>
             <a:spLocks noGrp="1"/>
           </p:cNvSpPr>
@@ -184,16 +731,18 @@
         </p:nvSpPr>
         <p:spPr>
           <a:xfrm>
-            <a:off x="1524000" y="3602038"/>
-            <a:ext cx="9144000" cy="1655762"/>
-          </a:xfrm>
-        </p:spPr>
-        <p:txBody>
-          <a:bodyPr/>
+            <a:off x="1371600" y="3632201"/>
+            <a:ext cx="9448800" cy="685800"/>
+          </a:xfrm>
+        </p:spPr>
+        <p:txBody>
+          <a:bodyPr>
+            <a:normAutofit/>
+          </a:bodyPr>
           <a:lstStyle>
-            <a:lvl1pPr marL="0" indent="0" algn="ctr">
-              <a:buNone/>
-              <a:defRPr sz="2400"/>
+            <a:lvl1pPr marL="0" indent="0" algn="l">
+              <a:buNone/>
+              <a:defRPr sz="2000"/>
             </a:lvl1pPr>
             <a:lvl2pPr marL="457200" indent="0" algn="ctr">
               <a:buNone/>
@@ -233,18 +782,13 @@
               <a:rPr lang="en-US"/>
               <a:t>Click to edit Master subtitle style</a:t>
             </a:r>
-          </a:p>
-        </p:txBody>
-      </p:sp>
-      <p:sp>
-        <p:nvSpPr>
-          <p:cNvPr id="4" name="Date Placeholder 3">
-            <a:extLst>
-              <a:ext uri="{FF2B5EF4-FFF2-40B4-BE49-F238E27FC236}">
-                <a16:creationId xmlns:a16="http://schemas.microsoft.com/office/drawing/2014/main" id="{9E30C6DD-67F3-4772-B367-3C0EEFA9F66A}"/>
-              </a:ext>
-            </a:extLst>
-          </p:cNvPr>
+            <a:endParaRPr lang="en-US" dirty="0"/>
+          </a:p>
+        </p:txBody>
+      </p:sp>
+      <p:sp>
+        <p:nvSpPr>
+          <p:cNvPr id="4" name="Date Placeholder 3"/>
           <p:cNvSpPr>
             <a:spLocks noGrp="1"/>
           </p:cNvSpPr>
@@ -252,28 +796,27 @@
             <p:ph type="dt" sz="half" idx="10"/>
           </p:nvPr>
         </p:nvSpPr>
-        <p:spPr/>
+        <p:spPr>
+          <a:xfrm>
+            <a:off x="7909561" y="4314328"/>
+            <a:ext cx="2910840" cy="374642"/>
+          </a:xfrm>
+        </p:spPr>
         <p:txBody>
           <a:bodyPr/>
           <a:lstStyle/>
           <a:p>
-            <a:fld id="{C594B370-BBCB-4061-B0A8-180371CA5BFD}" type="datetimeFigureOut">
-              <a:rPr lang="en-US" smtClean="0"/>
-              <a:t>11/29/2019</a:t>
+            <a:fld id="{9D648943-11F5-4E3A-89B9-4D7A01C331E0}" type="datetimeFigureOut">
+              <a:rPr lang="en-CA" smtClean="0"/>
+              <a:t>2019-11-29</a:t>
             </a:fld>
-            <a:endParaRPr lang="en-US"/>
-          </a:p>
-        </p:txBody>
-      </p:sp>
-      <p:sp>
-        <p:nvSpPr>
-          <p:cNvPr id="5" name="Footer Placeholder 4">
-            <a:extLst>
-              <a:ext uri="{FF2B5EF4-FFF2-40B4-BE49-F238E27FC236}">
-                <a16:creationId xmlns:a16="http://schemas.microsoft.com/office/drawing/2014/main" id="{B26A0E58-B2FE-4B16-A331-30C90FBEFC53}"/>
-              </a:ext>
-            </a:extLst>
-          </p:cNvPr>
+            <a:endParaRPr lang="en-CA"/>
+          </a:p>
+        </p:txBody>
+      </p:sp>
+      <p:sp>
+        <p:nvSpPr>
+          <p:cNvPr id="5" name="Footer Placeholder 4"/>
           <p:cNvSpPr>
             <a:spLocks noGrp="1"/>
           </p:cNvSpPr>
@@ -281,24 +824,23 @@
             <p:ph type="ftr" sz="quarter" idx="11"/>
           </p:nvPr>
         </p:nvSpPr>
-        <p:spPr/>
+        <p:spPr>
+          <a:xfrm>
+            <a:off x="1371600" y="4323845"/>
+            <a:ext cx="6400800" cy="365125"/>
+          </a:xfrm>
+        </p:spPr>
         <p:txBody>
           <a:bodyPr/>
           <a:lstStyle/>
           <a:p>
-            <a:endParaRPr lang="en-US"/>
-          </a:p>
-        </p:txBody>
-      </p:sp>
-      <p:sp>
-        <p:nvSpPr>
-          <p:cNvPr id="6" name="Slide Number Placeholder 5">
-            <a:extLst>
-              <a:ext uri="{FF2B5EF4-FFF2-40B4-BE49-F238E27FC236}">
-                <a16:creationId xmlns:a16="http://schemas.microsoft.com/office/drawing/2014/main" id="{83C6DFF8-512E-4120-B7A3-1D8B31ACC4B0}"/>
-              </a:ext>
-            </a:extLst>
-          </p:cNvPr>
+            <a:endParaRPr lang="en-CA"/>
+          </a:p>
+        </p:txBody>
+      </p:sp>
+      <p:sp>
+        <p:nvSpPr>
+          <p:cNvPr id="6" name="Slide Number Placeholder 5"/>
           <p:cNvSpPr>
             <a:spLocks noGrp="1"/>
           </p:cNvSpPr>
@@ -306,23 +848,290 @@
             <p:ph type="sldNum" sz="quarter" idx="12"/>
           </p:nvPr>
         </p:nvSpPr>
-        <p:spPr/>
+        <p:spPr>
+          <a:xfrm>
+            <a:off x="8077200" y="1430866"/>
+            <a:ext cx="2743200" cy="365125"/>
+          </a:xfrm>
+        </p:spPr>
         <p:txBody>
           <a:bodyPr/>
           <a:lstStyle/>
           <a:p>
-            <a:fld id="{DAA8937E-7481-4FBA-8BC6-5EF0F3CC8223}" type="slidenum">
-              <a:rPr lang="en-US" smtClean="0"/>
+            <a:fld id="{AAAB3E9E-D708-433F-A405-5153863355EE}" type="slidenum">
+              <a:rPr lang="en-CA" smtClean="0"/>
               <a:t>‹#›</a:t>
             </a:fld>
-            <a:endParaRPr lang="en-US"/>
+            <a:endParaRPr lang="en-CA"/>
           </a:p>
         </p:txBody>
       </p:sp>
     </p:spTree>
     <p:extLst>
       <p:ext uri="{BB962C8B-B14F-4D97-AF65-F5344CB8AC3E}">
-        <p14:creationId xmlns:p14="http://schemas.microsoft.com/office/powerpoint/2010/main" val="3780798508"/>
+        <p14:creationId xmlns:p14="http://schemas.microsoft.com/office/powerpoint/2010/main" val="3218981573"/>
+      </p:ext>
+    </p:extLst>
+  </p:cSld>
+  <p:clrMapOvr>
+    <a:masterClrMapping/>
+  </p:clrMapOvr>
+  <p:extLst>
+    <p:ext uri="{DCECCB84-F9BA-43D5-87BE-67443E8EF086}">
+      <p15:sldGuideLst xmlns:p15="http://schemas.microsoft.com/office/powerpoint/2012/main"/>
+    </p:ext>
+  </p:extLst>
+</p:sldLayout>
+</file>
+
+<file path=ppt/slideLayouts/slideLayout10.xml><?xml version="1.0" encoding="utf-8"?>
+<p:sldLayout xmlns:a="http://schemas.openxmlformats.org/drawingml/2006/main" xmlns:r="http://schemas.openxmlformats.org/officeDocument/2006/relationships" xmlns:p="http://schemas.openxmlformats.org/presentationml/2006/main" preserve="1">
+  <p:cSld name="Panoramic Picture with Caption">
+    <p:spTree>
+      <p:nvGrpSpPr>
+        <p:cNvPr id="1" name=""/>
+        <p:cNvGrpSpPr/>
+        <p:nvPr/>
+      </p:nvGrpSpPr>
+      <p:grpSpPr>
+        <a:xfrm>
+          <a:off x="0" y="0"/>
+          <a:ext cx="0" cy="0"/>
+          <a:chOff x="0" y="0"/>
+          <a:chExt cx="0" cy="0"/>
+        </a:xfrm>
+      </p:grpSpPr>
+      <p:sp>
+        <p:nvSpPr>
+          <p:cNvPr id="2" name="Title 1"/>
+          <p:cNvSpPr>
+            <a:spLocks noGrp="1"/>
+          </p:cNvSpPr>
+          <p:nvPr>
+            <p:ph type="title"/>
+          </p:nvPr>
+        </p:nvSpPr>
+        <p:spPr>
+          <a:xfrm>
+            <a:off x="685777" y="4697360"/>
+            <a:ext cx="10822034" cy="819355"/>
+          </a:xfrm>
+        </p:spPr>
+        <p:txBody>
+          <a:bodyPr anchor="b"/>
+          <a:lstStyle>
+            <a:lvl1pPr algn="l">
+              <a:defRPr sz="3200"/>
+            </a:lvl1pPr>
+          </a:lstStyle>
+          <a:p>
+            <a:r>
+              <a:rPr lang="en-US"/>
+              <a:t>Click to edit Master title style</a:t>
+            </a:r>
+            <a:endParaRPr lang="en-US" dirty="0"/>
+          </a:p>
+        </p:txBody>
+      </p:sp>
+      <p:sp>
+        <p:nvSpPr>
+          <p:cNvPr id="3" name="Picture Placeholder 2"/>
+          <p:cNvSpPr>
+            <a:spLocks noGrp="1" noChangeAspect="1"/>
+          </p:cNvSpPr>
+          <p:nvPr>
+            <p:ph type="pic" idx="1"/>
+          </p:nvPr>
+        </p:nvSpPr>
+        <p:spPr>
+          <a:xfrm>
+            <a:off x="681727" y="941439"/>
+            <a:ext cx="10821840" cy="3478161"/>
+          </a:xfrm>
+        </p:spPr>
+        <p:txBody>
+          <a:bodyPr anchor="t"/>
+          <a:lstStyle>
+            <a:lvl1pPr marL="0" indent="0">
+              <a:buNone/>
+              <a:defRPr sz="3200"/>
+            </a:lvl1pPr>
+            <a:lvl2pPr marL="457200" indent="0">
+              <a:buNone/>
+              <a:defRPr sz="2800"/>
+            </a:lvl2pPr>
+            <a:lvl3pPr marL="914400" indent="0">
+              <a:buNone/>
+              <a:defRPr sz="2400"/>
+            </a:lvl3pPr>
+            <a:lvl4pPr marL="1371600" indent="0">
+              <a:buNone/>
+              <a:defRPr sz="2000"/>
+            </a:lvl4pPr>
+            <a:lvl5pPr marL="1828800" indent="0">
+              <a:buNone/>
+              <a:defRPr sz="2000"/>
+            </a:lvl5pPr>
+            <a:lvl6pPr marL="2286000" indent="0">
+              <a:buNone/>
+              <a:defRPr sz="2000"/>
+            </a:lvl6pPr>
+            <a:lvl7pPr marL="2743200" indent="0">
+              <a:buNone/>
+              <a:defRPr sz="2000"/>
+            </a:lvl7pPr>
+            <a:lvl8pPr marL="3200400" indent="0">
+              <a:buNone/>
+              <a:defRPr sz="2000"/>
+            </a:lvl8pPr>
+            <a:lvl9pPr marL="3657600" indent="0">
+              <a:buNone/>
+              <a:defRPr sz="2000"/>
+            </a:lvl9pPr>
+          </a:lstStyle>
+          <a:p>
+            <a:r>
+              <a:rPr lang="en-US"/>
+              <a:t>Click icon to add picture</a:t>
+            </a:r>
+            <a:endParaRPr lang="en-US" dirty="0"/>
+          </a:p>
+        </p:txBody>
+      </p:sp>
+      <p:sp>
+        <p:nvSpPr>
+          <p:cNvPr id="4" name="Text Placeholder 3"/>
+          <p:cNvSpPr>
+            <a:spLocks noGrp="1"/>
+          </p:cNvSpPr>
+          <p:nvPr>
+            <p:ph type="body" sz="half" idx="2"/>
+          </p:nvPr>
+        </p:nvSpPr>
+        <p:spPr>
+          <a:xfrm>
+            <a:off x="685800" y="5516715"/>
+            <a:ext cx="10820400" cy="701969"/>
+          </a:xfrm>
+        </p:spPr>
+        <p:txBody>
+          <a:bodyPr/>
+          <a:lstStyle>
+            <a:lvl1pPr marL="0" indent="0" algn="l">
+              <a:buNone/>
+              <a:defRPr sz="1600"/>
+            </a:lvl1pPr>
+            <a:lvl2pPr marL="457200" indent="0">
+              <a:buNone/>
+              <a:defRPr sz="1400"/>
+            </a:lvl2pPr>
+            <a:lvl3pPr marL="914400" indent="0">
+              <a:buNone/>
+              <a:defRPr sz="1200"/>
+            </a:lvl3pPr>
+            <a:lvl4pPr marL="1371600" indent="0">
+              <a:buNone/>
+              <a:defRPr sz="1000"/>
+            </a:lvl4pPr>
+            <a:lvl5pPr marL="1828800" indent="0">
+              <a:buNone/>
+              <a:defRPr sz="1000"/>
+            </a:lvl5pPr>
+            <a:lvl6pPr marL="2286000" indent="0">
+              <a:buNone/>
+              <a:defRPr sz="1000"/>
+            </a:lvl6pPr>
+            <a:lvl7pPr marL="2743200" indent="0">
+              <a:buNone/>
+              <a:defRPr sz="1000"/>
+            </a:lvl7pPr>
+            <a:lvl8pPr marL="3200400" indent="0">
+              <a:buNone/>
+              <a:defRPr sz="1000"/>
+            </a:lvl8pPr>
+            <a:lvl9pPr marL="3657600" indent="0">
+              <a:buNone/>
+              <a:defRPr sz="1000"/>
+            </a:lvl9pPr>
+          </a:lstStyle>
+          <a:p>
+            <a:pPr lvl="0"/>
+            <a:r>
+              <a:rPr lang="en-US"/>
+              <a:t>Click to edit Master text styles</a:t>
+            </a:r>
+          </a:p>
+        </p:txBody>
+      </p:sp>
+      <p:sp>
+        <p:nvSpPr>
+          <p:cNvPr id="5" name="Date Placeholder 4"/>
+          <p:cNvSpPr>
+            <a:spLocks noGrp="1"/>
+          </p:cNvSpPr>
+          <p:nvPr>
+            <p:ph type="dt" sz="half" idx="10"/>
+          </p:nvPr>
+        </p:nvSpPr>
+        <p:spPr/>
+        <p:txBody>
+          <a:bodyPr/>
+          <a:lstStyle/>
+          <a:p>
+            <a:fld id="{9D648943-11F5-4E3A-89B9-4D7A01C331E0}" type="datetimeFigureOut">
+              <a:rPr lang="en-CA" smtClean="0"/>
+              <a:t>2019-11-29</a:t>
+            </a:fld>
+            <a:endParaRPr lang="en-CA"/>
+          </a:p>
+        </p:txBody>
+      </p:sp>
+      <p:sp>
+        <p:nvSpPr>
+          <p:cNvPr id="6" name="Footer Placeholder 5"/>
+          <p:cNvSpPr>
+            <a:spLocks noGrp="1"/>
+          </p:cNvSpPr>
+          <p:nvPr>
+            <p:ph type="ftr" sz="quarter" idx="11"/>
+          </p:nvPr>
+        </p:nvSpPr>
+        <p:spPr/>
+        <p:txBody>
+          <a:bodyPr/>
+          <a:lstStyle/>
+          <a:p>
+            <a:endParaRPr lang="en-CA"/>
+          </a:p>
+        </p:txBody>
+      </p:sp>
+      <p:sp>
+        <p:nvSpPr>
+          <p:cNvPr id="7" name="Slide Number Placeholder 6"/>
+          <p:cNvSpPr>
+            <a:spLocks noGrp="1"/>
+          </p:cNvSpPr>
+          <p:nvPr>
+            <p:ph type="sldNum" sz="quarter" idx="12"/>
+          </p:nvPr>
+        </p:nvSpPr>
+        <p:spPr/>
+        <p:txBody>
+          <a:bodyPr/>
+          <a:lstStyle/>
+          <a:p>
+            <a:fld id="{AAAB3E9E-D708-433F-A405-5153863355EE}" type="slidenum">
+              <a:rPr lang="en-CA" smtClean="0"/>
+              <a:t>‹#›</a:t>
+            </a:fld>
+            <a:endParaRPr lang="en-CA"/>
+          </a:p>
+        </p:txBody>
+      </p:sp>
+    </p:spTree>
+    <p:extLst>
+      <p:ext uri="{BB962C8B-B14F-4D97-AF65-F5344CB8AC3E}">
+        <p14:creationId xmlns:p14="http://schemas.microsoft.com/office/powerpoint/2010/main" val="3642159864"/>
       </p:ext>
     </p:extLst>
   </p:cSld>
@@ -332,7 +1141,2342 @@
 </p:sldLayout>
 </file>
 
-<file path=ppt/slideLayouts/slideLayout10.xml><?xml version="1.0" encoding="utf-8"?>
+<file path=ppt/slideLayouts/slideLayout11.xml><?xml version="1.0" encoding="utf-8"?>
+<p:sldLayout xmlns:a="http://schemas.openxmlformats.org/drawingml/2006/main" xmlns:r="http://schemas.openxmlformats.org/officeDocument/2006/relationships" xmlns:p="http://schemas.openxmlformats.org/presentationml/2006/main" showMasterSp="0" preserve="1">
+  <p:cSld name="Title and Caption">
+    <p:spTree>
+      <p:nvGrpSpPr>
+        <p:cNvPr id="1" name=""/>
+        <p:cNvGrpSpPr/>
+        <p:nvPr/>
+      </p:nvGrpSpPr>
+      <p:grpSpPr>
+        <a:xfrm>
+          <a:off x="0" y="0"/>
+          <a:ext cx="0" cy="0"/>
+          <a:chOff x="0" y="0"/>
+          <a:chExt cx="0" cy="0"/>
+        </a:xfrm>
+      </p:grpSpPr>
+      <p:pic>
+        <p:nvPicPr>
+          <p:cNvPr id="8" name="Picture 7" descr="C0-HD-BTM.png"/>
+          <p:cNvPicPr>
+            <a:picLocks noChangeAspect="1"/>
+          </p:cNvPicPr>
+          <p:nvPr/>
+        </p:nvPicPr>
+        <p:blipFill>
+          <a:blip r:embed="rId2">
+            <a:extLst>
+              <a:ext uri="{28A0092B-C50C-407E-A947-70E740481C1C}">
+                <a14:useLocalDpi xmlns:a14="http://schemas.microsoft.com/office/drawing/2010/main" val="0"/>
+              </a:ext>
+            </a:extLst>
+          </a:blip>
+          <a:stretch>
+            <a:fillRect/>
+          </a:stretch>
+        </p:blipFill>
+        <p:spPr>
+          <a:xfrm>
+            <a:off x="0" y="4375150"/>
+            <a:ext cx="12192000" cy="2482850"/>
+          </a:xfrm>
+          <a:prstGeom prst="rect">
+            <a:avLst/>
+          </a:prstGeom>
+        </p:spPr>
+      </p:pic>
+      <p:sp>
+        <p:nvSpPr>
+          <p:cNvPr id="2" name="Title 1"/>
+          <p:cNvSpPr>
+            <a:spLocks noGrp="1"/>
+          </p:cNvSpPr>
+          <p:nvPr>
+            <p:ph type="title"/>
+          </p:nvPr>
+        </p:nvSpPr>
+        <p:spPr>
+          <a:xfrm>
+            <a:off x="685800" y="753532"/>
+            <a:ext cx="10820400" cy="2802467"/>
+          </a:xfrm>
+        </p:spPr>
+        <p:txBody>
+          <a:bodyPr anchor="ctr"/>
+          <a:lstStyle>
+            <a:lvl1pPr algn="l">
+              <a:defRPr sz="3200"/>
+            </a:lvl1pPr>
+          </a:lstStyle>
+          <a:p>
+            <a:r>
+              <a:rPr lang="en-US"/>
+              <a:t>Click to edit Master title style</a:t>
+            </a:r>
+            <a:endParaRPr lang="en-US" dirty="0"/>
+          </a:p>
+        </p:txBody>
+      </p:sp>
+      <p:sp>
+        <p:nvSpPr>
+          <p:cNvPr id="4" name="Text Placeholder 3"/>
+          <p:cNvSpPr>
+            <a:spLocks noGrp="1"/>
+          </p:cNvSpPr>
+          <p:nvPr>
+            <p:ph type="body" sz="half" idx="2"/>
+          </p:nvPr>
+        </p:nvSpPr>
+        <p:spPr>
+          <a:xfrm>
+            <a:off x="1024467" y="3649133"/>
+            <a:ext cx="10130516" cy="999067"/>
+          </a:xfrm>
+        </p:spPr>
+        <p:txBody>
+          <a:bodyPr anchor="ctr"/>
+          <a:lstStyle>
+            <a:lvl1pPr marL="0" indent="0">
+              <a:buNone/>
+              <a:defRPr sz="1600"/>
+            </a:lvl1pPr>
+            <a:lvl2pPr marL="457200" indent="0">
+              <a:buNone/>
+              <a:defRPr sz="1400"/>
+            </a:lvl2pPr>
+            <a:lvl3pPr marL="914400" indent="0">
+              <a:buNone/>
+              <a:defRPr sz="1200"/>
+            </a:lvl3pPr>
+            <a:lvl4pPr marL="1371600" indent="0">
+              <a:buNone/>
+              <a:defRPr sz="1000"/>
+            </a:lvl4pPr>
+            <a:lvl5pPr marL="1828800" indent="0">
+              <a:buNone/>
+              <a:defRPr sz="1000"/>
+            </a:lvl5pPr>
+            <a:lvl6pPr marL="2286000" indent="0">
+              <a:buNone/>
+              <a:defRPr sz="1000"/>
+            </a:lvl6pPr>
+            <a:lvl7pPr marL="2743200" indent="0">
+              <a:buNone/>
+              <a:defRPr sz="1000"/>
+            </a:lvl7pPr>
+            <a:lvl8pPr marL="3200400" indent="0">
+              <a:buNone/>
+              <a:defRPr sz="1000"/>
+            </a:lvl8pPr>
+            <a:lvl9pPr marL="3657600" indent="0">
+              <a:buNone/>
+              <a:defRPr sz="1000"/>
+            </a:lvl9pPr>
+          </a:lstStyle>
+          <a:p>
+            <a:pPr lvl="0"/>
+            <a:r>
+              <a:rPr lang="en-US"/>
+              <a:t>Click to edit Master text styles</a:t>
+            </a:r>
+          </a:p>
+        </p:txBody>
+      </p:sp>
+      <p:sp>
+        <p:nvSpPr>
+          <p:cNvPr id="5" name="Date Placeholder 4"/>
+          <p:cNvSpPr>
+            <a:spLocks noGrp="1"/>
+          </p:cNvSpPr>
+          <p:nvPr>
+            <p:ph type="dt" sz="half" idx="10"/>
+          </p:nvPr>
+        </p:nvSpPr>
+        <p:spPr>
+          <a:xfrm>
+            <a:off x="7814452" y="381000"/>
+            <a:ext cx="2910840" cy="365125"/>
+          </a:xfrm>
+        </p:spPr>
+        <p:txBody>
+          <a:bodyPr/>
+          <a:lstStyle>
+            <a:lvl1pPr algn="r">
+              <a:defRPr/>
+            </a:lvl1pPr>
+          </a:lstStyle>
+          <a:p>
+            <a:fld id="{9D648943-11F5-4E3A-89B9-4D7A01C331E0}" type="datetimeFigureOut">
+              <a:rPr lang="en-CA" smtClean="0"/>
+              <a:t>2019-11-29</a:t>
+            </a:fld>
+            <a:endParaRPr lang="en-CA"/>
+          </a:p>
+        </p:txBody>
+      </p:sp>
+      <p:sp>
+        <p:nvSpPr>
+          <p:cNvPr id="6" name="Footer Placeholder 5"/>
+          <p:cNvSpPr>
+            <a:spLocks noGrp="1"/>
+          </p:cNvSpPr>
+          <p:nvPr>
+            <p:ph type="ftr" sz="quarter" idx="11"/>
+          </p:nvPr>
+        </p:nvSpPr>
+        <p:spPr>
+          <a:xfrm>
+            <a:off x="685800" y="379941"/>
+            <a:ext cx="6991492" cy="365125"/>
+          </a:xfrm>
+        </p:spPr>
+        <p:txBody>
+          <a:bodyPr/>
+          <a:lstStyle/>
+          <a:p>
+            <a:endParaRPr lang="en-CA"/>
+          </a:p>
+        </p:txBody>
+      </p:sp>
+      <p:sp>
+        <p:nvSpPr>
+          <p:cNvPr id="7" name="Slide Number Placeholder 6"/>
+          <p:cNvSpPr>
+            <a:spLocks noGrp="1"/>
+          </p:cNvSpPr>
+          <p:nvPr>
+            <p:ph type="sldNum" sz="quarter" idx="12"/>
+          </p:nvPr>
+        </p:nvSpPr>
+        <p:spPr>
+          <a:xfrm>
+            <a:off x="10862452" y="381000"/>
+            <a:ext cx="643748" cy="365125"/>
+          </a:xfrm>
+        </p:spPr>
+        <p:txBody>
+          <a:bodyPr/>
+          <a:lstStyle/>
+          <a:p>
+            <a:fld id="{AAAB3E9E-D708-433F-A405-5153863355EE}" type="slidenum">
+              <a:rPr lang="en-CA" smtClean="0"/>
+              <a:t>‹#›</a:t>
+            </a:fld>
+            <a:endParaRPr lang="en-CA"/>
+          </a:p>
+        </p:txBody>
+      </p:sp>
+    </p:spTree>
+    <p:extLst>
+      <p:ext uri="{BB962C8B-B14F-4D97-AF65-F5344CB8AC3E}">
+        <p14:creationId xmlns:p14="http://schemas.microsoft.com/office/powerpoint/2010/main" val="1461431180"/>
+      </p:ext>
+    </p:extLst>
+  </p:cSld>
+  <p:clrMapOvr>
+    <a:masterClrMapping/>
+  </p:clrMapOvr>
+</p:sldLayout>
+</file>
+
+<file path=ppt/slideLayouts/slideLayout12.xml><?xml version="1.0" encoding="utf-8"?>
+<p:sldLayout xmlns:a="http://schemas.openxmlformats.org/drawingml/2006/main" xmlns:r="http://schemas.openxmlformats.org/officeDocument/2006/relationships" xmlns:p="http://schemas.openxmlformats.org/presentationml/2006/main" showMasterSp="0" preserve="1">
+  <p:cSld name="Quote with Caption">
+    <p:spTree>
+      <p:nvGrpSpPr>
+        <p:cNvPr id="1" name=""/>
+        <p:cNvGrpSpPr/>
+        <p:nvPr/>
+      </p:nvGrpSpPr>
+      <p:grpSpPr>
+        <a:xfrm>
+          <a:off x="0" y="0"/>
+          <a:ext cx="0" cy="0"/>
+          <a:chOff x="0" y="0"/>
+          <a:chExt cx="0" cy="0"/>
+        </a:xfrm>
+      </p:grpSpPr>
+      <p:pic>
+        <p:nvPicPr>
+          <p:cNvPr id="13" name="Picture 12" descr="C0-HD-BTM.png"/>
+          <p:cNvPicPr>
+            <a:picLocks noChangeAspect="1"/>
+          </p:cNvPicPr>
+          <p:nvPr/>
+        </p:nvPicPr>
+        <p:blipFill>
+          <a:blip r:embed="rId2">
+            <a:extLst>
+              <a:ext uri="{28A0092B-C50C-407E-A947-70E740481C1C}">
+                <a14:useLocalDpi xmlns:a14="http://schemas.microsoft.com/office/drawing/2010/main" val="0"/>
+              </a:ext>
+            </a:extLst>
+          </a:blip>
+          <a:stretch>
+            <a:fillRect/>
+          </a:stretch>
+        </p:blipFill>
+        <p:spPr>
+          <a:xfrm>
+            <a:off x="0" y="4375150"/>
+            <a:ext cx="12192000" cy="2482850"/>
+          </a:xfrm>
+          <a:prstGeom prst="rect">
+            <a:avLst/>
+          </a:prstGeom>
+        </p:spPr>
+      </p:pic>
+      <p:sp>
+        <p:nvSpPr>
+          <p:cNvPr id="2" name="Title 1"/>
+          <p:cNvSpPr>
+            <a:spLocks noGrp="1"/>
+          </p:cNvSpPr>
+          <p:nvPr>
+            <p:ph type="title"/>
+          </p:nvPr>
+        </p:nvSpPr>
+        <p:spPr>
+          <a:xfrm>
+            <a:off x="1024467" y="753533"/>
+            <a:ext cx="10151533" cy="2604495"/>
+          </a:xfrm>
+        </p:spPr>
+        <p:txBody>
+          <a:bodyPr anchor="ctr"/>
+          <a:lstStyle>
+            <a:lvl1pPr algn="l">
+              <a:defRPr sz="3200"/>
+            </a:lvl1pPr>
+          </a:lstStyle>
+          <a:p>
+            <a:r>
+              <a:rPr lang="en-US"/>
+              <a:t>Click to edit Master title style</a:t>
+            </a:r>
+            <a:endParaRPr lang="en-US" dirty="0"/>
+          </a:p>
+        </p:txBody>
+      </p:sp>
+      <p:sp>
+        <p:nvSpPr>
+          <p:cNvPr id="12" name="Text Placeholder 3"/>
+          <p:cNvSpPr>
+            <a:spLocks noGrp="1"/>
+          </p:cNvSpPr>
+          <p:nvPr>
+            <p:ph type="body" sz="half" idx="13"/>
+          </p:nvPr>
+        </p:nvSpPr>
+        <p:spPr>
+          <a:xfrm>
+            <a:off x="1303865" y="3365556"/>
+            <a:ext cx="9592736" cy="444443"/>
+          </a:xfrm>
+        </p:spPr>
+        <p:txBody>
+          <a:bodyPr anchor="t">
+            <a:normAutofit/>
+          </a:bodyPr>
+          <a:lstStyle>
+            <a:lvl1pPr marL="0" indent="0">
+              <a:buNone/>
+              <a:defRPr sz="1400"/>
+            </a:lvl1pPr>
+            <a:lvl2pPr marL="457200" indent="0">
+              <a:buNone/>
+              <a:defRPr sz="1400"/>
+            </a:lvl2pPr>
+            <a:lvl3pPr marL="914400" indent="0">
+              <a:buNone/>
+              <a:defRPr sz="1200"/>
+            </a:lvl3pPr>
+            <a:lvl4pPr marL="1371600" indent="0">
+              <a:buNone/>
+              <a:defRPr sz="1000"/>
+            </a:lvl4pPr>
+            <a:lvl5pPr marL="1828800" indent="0">
+              <a:buNone/>
+              <a:defRPr sz="1000"/>
+            </a:lvl5pPr>
+            <a:lvl6pPr marL="2286000" indent="0">
+              <a:buNone/>
+              <a:defRPr sz="1000"/>
+            </a:lvl6pPr>
+            <a:lvl7pPr marL="2743200" indent="0">
+              <a:buNone/>
+              <a:defRPr sz="1000"/>
+            </a:lvl7pPr>
+            <a:lvl8pPr marL="3200400" indent="0">
+              <a:buNone/>
+              <a:defRPr sz="1000"/>
+            </a:lvl8pPr>
+            <a:lvl9pPr marL="3657600" indent="0">
+              <a:buNone/>
+              <a:defRPr sz="1000"/>
+            </a:lvl9pPr>
+          </a:lstStyle>
+          <a:p>
+            <a:pPr lvl="0"/>
+            <a:r>
+              <a:rPr lang="en-US"/>
+              <a:t>Click to edit Master text styles</a:t>
+            </a:r>
+          </a:p>
+        </p:txBody>
+      </p:sp>
+      <p:sp>
+        <p:nvSpPr>
+          <p:cNvPr id="4" name="Text Placeholder 3"/>
+          <p:cNvSpPr>
+            <a:spLocks noGrp="1"/>
+          </p:cNvSpPr>
+          <p:nvPr>
+            <p:ph type="body" sz="half" idx="2"/>
+          </p:nvPr>
+        </p:nvSpPr>
+        <p:spPr>
+          <a:xfrm>
+            <a:off x="1024467" y="3959862"/>
+            <a:ext cx="10151533" cy="679871"/>
+          </a:xfrm>
+        </p:spPr>
+        <p:txBody>
+          <a:bodyPr anchor="ctr">
+            <a:normAutofit/>
+          </a:bodyPr>
+          <a:lstStyle>
+            <a:lvl1pPr marL="0" indent="0">
+              <a:buNone/>
+              <a:defRPr sz="1600"/>
+            </a:lvl1pPr>
+            <a:lvl2pPr marL="457200" indent="0">
+              <a:buNone/>
+              <a:defRPr sz="1400"/>
+            </a:lvl2pPr>
+            <a:lvl3pPr marL="914400" indent="0">
+              <a:buNone/>
+              <a:defRPr sz="1200"/>
+            </a:lvl3pPr>
+            <a:lvl4pPr marL="1371600" indent="0">
+              <a:buNone/>
+              <a:defRPr sz="1000"/>
+            </a:lvl4pPr>
+            <a:lvl5pPr marL="1828800" indent="0">
+              <a:buNone/>
+              <a:defRPr sz="1000"/>
+            </a:lvl5pPr>
+            <a:lvl6pPr marL="2286000" indent="0">
+              <a:buNone/>
+              <a:defRPr sz="1000"/>
+            </a:lvl6pPr>
+            <a:lvl7pPr marL="2743200" indent="0">
+              <a:buNone/>
+              <a:defRPr sz="1000"/>
+            </a:lvl7pPr>
+            <a:lvl8pPr marL="3200400" indent="0">
+              <a:buNone/>
+              <a:defRPr sz="1000"/>
+            </a:lvl8pPr>
+            <a:lvl9pPr marL="3657600" indent="0">
+              <a:buNone/>
+              <a:defRPr sz="1000"/>
+            </a:lvl9pPr>
+          </a:lstStyle>
+          <a:p>
+            <a:pPr lvl="0"/>
+            <a:r>
+              <a:rPr lang="en-US"/>
+              <a:t>Click to edit Master text styles</a:t>
+            </a:r>
+          </a:p>
+        </p:txBody>
+      </p:sp>
+      <p:sp>
+        <p:nvSpPr>
+          <p:cNvPr id="5" name="Date Placeholder 4"/>
+          <p:cNvSpPr>
+            <a:spLocks noGrp="1"/>
+          </p:cNvSpPr>
+          <p:nvPr>
+            <p:ph type="dt" sz="half" idx="10"/>
+          </p:nvPr>
+        </p:nvSpPr>
+        <p:spPr>
+          <a:xfrm>
+            <a:off x="7814452" y="381000"/>
+            <a:ext cx="2910840" cy="365125"/>
+          </a:xfrm>
+        </p:spPr>
+        <p:txBody>
+          <a:bodyPr/>
+          <a:lstStyle>
+            <a:lvl1pPr algn="r">
+              <a:defRPr/>
+            </a:lvl1pPr>
+          </a:lstStyle>
+          <a:p>
+            <a:fld id="{9D648943-11F5-4E3A-89B9-4D7A01C331E0}" type="datetimeFigureOut">
+              <a:rPr lang="en-CA" smtClean="0"/>
+              <a:t>2019-11-29</a:t>
+            </a:fld>
+            <a:endParaRPr lang="en-CA"/>
+          </a:p>
+        </p:txBody>
+      </p:sp>
+      <p:sp>
+        <p:nvSpPr>
+          <p:cNvPr id="6" name="Footer Placeholder 5"/>
+          <p:cNvSpPr>
+            <a:spLocks noGrp="1"/>
+          </p:cNvSpPr>
+          <p:nvPr>
+            <p:ph type="ftr" sz="quarter" idx="11"/>
+          </p:nvPr>
+        </p:nvSpPr>
+        <p:spPr>
+          <a:xfrm>
+            <a:off x="685800" y="379941"/>
+            <a:ext cx="6991492" cy="365125"/>
+          </a:xfrm>
+        </p:spPr>
+        <p:txBody>
+          <a:bodyPr/>
+          <a:lstStyle/>
+          <a:p>
+            <a:endParaRPr lang="en-CA"/>
+          </a:p>
+        </p:txBody>
+      </p:sp>
+      <p:sp>
+        <p:nvSpPr>
+          <p:cNvPr id="7" name="Slide Number Placeholder 6"/>
+          <p:cNvSpPr>
+            <a:spLocks noGrp="1"/>
+          </p:cNvSpPr>
+          <p:nvPr>
+            <p:ph type="sldNum" sz="quarter" idx="12"/>
+          </p:nvPr>
+        </p:nvSpPr>
+        <p:spPr>
+          <a:xfrm>
+            <a:off x="10862452" y="381000"/>
+            <a:ext cx="643748" cy="365125"/>
+          </a:xfrm>
+        </p:spPr>
+        <p:txBody>
+          <a:bodyPr/>
+          <a:lstStyle/>
+          <a:p>
+            <a:fld id="{AAAB3E9E-D708-433F-A405-5153863355EE}" type="slidenum">
+              <a:rPr lang="en-CA" smtClean="0"/>
+              <a:t>‹#›</a:t>
+            </a:fld>
+            <a:endParaRPr lang="en-CA"/>
+          </a:p>
+        </p:txBody>
+      </p:sp>
+      <p:sp>
+        <p:nvSpPr>
+          <p:cNvPr id="9" name="TextBox 8"/>
+          <p:cNvSpPr txBox="1"/>
+          <p:nvPr/>
+        </p:nvSpPr>
+        <p:spPr>
+          <a:xfrm>
+            <a:off x="476250" y="933450"/>
+            <a:ext cx="609600" cy="584776"/>
+          </a:xfrm>
+          <a:prstGeom prst="rect">
+            <a:avLst/>
+          </a:prstGeom>
+        </p:spPr>
+        <p:txBody>
+          <a:bodyPr vert="horz" lIns="91440" tIns="45720" rIns="91440" bIns="45720" rtlCol="0" anchor="ctr">
+            <a:noAutofit/>
+          </a:bodyPr>
+          <a:lstStyle>
+            <a:lvl1pPr>
+              <a:spcBef>
+                <a:spcPct val="0"/>
+              </a:spcBef>
+              <a:buNone/>
+              <a:defRPr sz="3200" b="0" cap="all">
+                <a:ln w="3175" cmpd="sng">
+                  <a:noFill/>
+                </a:ln>
+                <a:effectLst>
+                  <a:glow rad="38100">
+                    <a:schemeClr val="bg1">
+                      <a:lumMod val="65000"/>
+                      <a:lumOff val="35000"/>
+                      <a:alpha val="40000"/>
+                    </a:schemeClr>
+                  </a:glow>
+                  <a:outerShdw blurRad="28575" dist="38100" dir="14040000" algn="tl" rotWithShape="0">
+                    <a:srgbClr val="000000">
+                      <a:alpha val="25000"/>
+                    </a:srgbClr>
+                  </a:outerShdw>
+                </a:effectLst>
+              </a:defRPr>
+            </a:lvl1pPr>
+            <a:lvl2pPr>
+              <a:defRPr>
+                <a:solidFill>
+                  <a:schemeClr val="tx2"/>
+                </a:solidFill>
+              </a:defRPr>
+            </a:lvl2pPr>
+            <a:lvl3pPr>
+              <a:defRPr>
+                <a:solidFill>
+                  <a:schemeClr val="tx2"/>
+                </a:solidFill>
+              </a:defRPr>
+            </a:lvl3pPr>
+            <a:lvl4pPr>
+              <a:defRPr>
+                <a:solidFill>
+                  <a:schemeClr val="tx2"/>
+                </a:solidFill>
+              </a:defRPr>
+            </a:lvl4pPr>
+            <a:lvl5pPr>
+              <a:defRPr>
+                <a:solidFill>
+                  <a:schemeClr val="tx2"/>
+                </a:solidFill>
+              </a:defRPr>
+            </a:lvl5pPr>
+            <a:lvl6pPr>
+              <a:defRPr>
+                <a:solidFill>
+                  <a:schemeClr val="tx2"/>
+                </a:solidFill>
+              </a:defRPr>
+            </a:lvl6pPr>
+            <a:lvl7pPr>
+              <a:defRPr>
+                <a:solidFill>
+                  <a:schemeClr val="tx2"/>
+                </a:solidFill>
+              </a:defRPr>
+            </a:lvl7pPr>
+            <a:lvl8pPr>
+              <a:defRPr>
+                <a:solidFill>
+                  <a:schemeClr val="tx2"/>
+                </a:solidFill>
+              </a:defRPr>
+            </a:lvl8pPr>
+            <a:lvl9pPr>
+              <a:defRPr>
+                <a:solidFill>
+                  <a:schemeClr val="tx2"/>
+                </a:solidFill>
+              </a:defRPr>
+            </a:lvl9pPr>
+          </a:lstStyle>
+          <a:p>
+            <a:pPr lvl="0"/>
+            <a:r>
+              <a:rPr lang="en-US" sz="8000" dirty="0">
+                <a:solidFill>
+                  <a:schemeClr val="tx1"/>
+                </a:solidFill>
+                <a:effectLst/>
+              </a:rPr>
+              <a:t>“</a:t>
+            </a:r>
+          </a:p>
+        </p:txBody>
+      </p:sp>
+      <p:sp>
+        <p:nvSpPr>
+          <p:cNvPr id="10" name="TextBox 9"/>
+          <p:cNvSpPr txBox="1"/>
+          <p:nvPr/>
+        </p:nvSpPr>
+        <p:spPr>
+          <a:xfrm>
+            <a:off x="10984230" y="2701290"/>
+            <a:ext cx="609600" cy="584776"/>
+          </a:xfrm>
+          <a:prstGeom prst="rect">
+            <a:avLst/>
+          </a:prstGeom>
+        </p:spPr>
+        <p:txBody>
+          <a:bodyPr vert="horz" lIns="91440" tIns="45720" rIns="91440" bIns="45720" rtlCol="0" anchor="ctr">
+            <a:noAutofit/>
+          </a:bodyPr>
+          <a:lstStyle>
+            <a:lvl1pPr>
+              <a:spcBef>
+                <a:spcPct val="0"/>
+              </a:spcBef>
+              <a:buNone/>
+              <a:defRPr sz="3200" b="0" cap="all">
+                <a:ln w="3175" cmpd="sng">
+                  <a:noFill/>
+                </a:ln>
+                <a:effectLst>
+                  <a:glow rad="38100">
+                    <a:schemeClr val="bg1">
+                      <a:lumMod val="65000"/>
+                      <a:lumOff val="35000"/>
+                      <a:alpha val="40000"/>
+                    </a:schemeClr>
+                  </a:glow>
+                  <a:outerShdw blurRad="28575" dist="38100" dir="14040000" algn="tl" rotWithShape="0">
+                    <a:srgbClr val="000000">
+                      <a:alpha val="25000"/>
+                    </a:srgbClr>
+                  </a:outerShdw>
+                </a:effectLst>
+              </a:defRPr>
+            </a:lvl1pPr>
+            <a:lvl2pPr>
+              <a:defRPr>
+                <a:solidFill>
+                  <a:schemeClr val="tx2"/>
+                </a:solidFill>
+              </a:defRPr>
+            </a:lvl2pPr>
+            <a:lvl3pPr>
+              <a:defRPr>
+                <a:solidFill>
+                  <a:schemeClr val="tx2"/>
+                </a:solidFill>
+              </a:defRPr>
+            </a:lvl3pPr>
+            <a:lvl4pPr>
+              <a:defRPr>
+                <a:solidFill>
+                  <a:schemeClr val="tx2"/>
+                </a:solidFill>
+              </a:defRPr>
+            </a:lvl4pPr>
+            <a:lvl5pPr>
+              <a:defRPr>
+                <a:solidFill>
+                  <a:schemeClr val="tx2"/>
+                </a:solidFill>
+              </a:defRPr>
+            </a:lvl5pPr>
+            <a:lvl6pPr>
+              <a:defRPr>
+                <a:solidFill>
+                  <a:schemeClr val="tx2"/>
+                </a:solidFill>
+              </a:defRPr>
+            </a:lvl6pPr>
+            <a:lvl7pPr>
+              <a:defRPr>
+                <a:solidFill>
+                  <a:schemeClr val="tx2"/>
+                </a:solidFill>
+              </a:defRPr>
+            </a:lvl7pPr>
+            <a:lvl8pPr>
+              <a:defRPr>
+                <a:solidFill>
+                  <a:schemeClr val="tx2"/>
+                </a:solidFill>
+              </a:defRPr>
+            </a:lvl8pPr>
+            <a:lvl9pPr>
+              <a:defRPr>
+                <a:solidFill>
+                  <a:schemeClr val="tx2"/>
+                </a:solidFill>
+              </a:defRPr>
+            </a:lvl9pPr>
+          </a:lstStyle>
+          <a:p>
+            <a:pPr lvl="0" algn="r"/>
+            <a:r>
+              <a:rPr lang="en-US" sz="8000" dirty="0">
+                <a:solidFill>
+                  <a:schemeClr val="tx1"/>
+                </a:solidFill>
+                <a:effectLst/>
+              </a:rPr>
+              <a:t>”</a:t>
+            </a:r>
+          </a:p>
+        </p:txBody>
+      </p:sp>
+    </p:spTree>
+    <p:extLst>
+      <p:ext uri="{BB962C8B-B14F-4D97-AF65-F5344CB8AC3E}">
+        <p14:creationId xmlns:p14="http://schemas.microsoft.com/office/powerpoint/2010/main" val="4056537650"/>
+      </p:ext>
+    </p:extLst>
+  </p:cSld>
+  <p:clrMapOvr>
+    <a:masterClrMapping/>
+  </p:clrMapOvr>
+</p:sldLayout>
+</file>
+
+<file path=ppt/slideLayouts/slideLayout13.xml><?xml version="1.0" encoding="utf-8"?>
+<p:sldLayout xmlns:a="http://schemas.openxmlformats.org/drawingml/2006/main" xmlns:r="http://schemas.openxmlformats.org/officeDocument/2006/relationships" xmlns:p="http://schemas.openxmlformats.org/presentationml/2006/main" showMasterSp="0" preserve="1">
+  <p:cSld name="Name Card">
+    <p:spTree>
+      <p:nvGrpSpPr>
+        <p:cNvPr id="1" name=""/>
+        <p:cNvGrpSpPr/>
+        <p:nvPr/>
+      </p:nvGrpSpPr>
+      <p:grpSpPr>
+        <a:xfrm>
+          <a:off x="0" y="0"/>
+          <a:ext cx="0" cy="0"/>
+          <a:chOff x="0" y="0"/>
+          <a:chExt cx="0" cy="0"/>
+        </a:xfrm>
+      </p:grpSpPr>
+      <p:pic>
+        <p:nvPicPr>
+          <p:cNvPr id="9" name="Picture 8" descr="C0-HD-BTM.png"/>
+          <p:cNvPicPr>
+            <a:picLocks noChangeAspect="1"/>
+          </p:cNvPicPr>
+          <p:nvPr/>
+        </p:nvPicPr>
+        <p:blipFill>
+          <a:blip r:embed="rId2">
+            <a:extLst>
+              <a:ext uri="{28A0092B-C50C-407E-A947-70E740481C1C}">
+                <a14:useLocalDpi xmlns:a14="http://schemas.microsoft.com/office/drawing/2010/main" val="0"/>
+              </a:ext>
+            </a:extLst>
+          </a:blip>
+          <a:stretch>
+            <a:fillRect/>
+          </a:stretch>
+        </p:blipFill>
+        <p:spPr>
+          <a:xfrm>
+            <a:off x="0" y="4375150"/>
+            <a:ext cx="12192000" cy="2482850"/>
+          </a:xfrm>
+          <a:prstGeom prst="rect">
+            <a:avLst/>
+          </a:prstGeom>
+        </p:spPr>
+      </p:pic>
+      <p:sp>
+        <p:nvSpPr>
+          <p:cNvPr id="2" name="Title 1"/>
+          <p:cNvSpPr>
+            <a:spLocks noGrp="1"/>
+          </p:cNvSpPr>
+          <p:nvPr>
+            <p:ph type="title"/>
+          </p:nvPr>
+        </p:nvSpPr>
+        <p:spPr>
+          <a:xfrm>
+            <a:off x="1024495" y="1124701"/>
+            <a:ext cx="10146186" cy="2511835"/>
+          </a:xfrm>
+        </p:spPr>
+        <p:txBody>
+          <a:bodyPr anchor="b"/>
+          <a:lstStyle>
+            <a:lvl1pPr algn="l">
+              <a:defRPr sz="3200"/>
+            </a:lvl1pPr>
+          </a:lstStyle>
+          <a:p>
+            <a:r>
+              <a:rPr lang="en-US"/>
+              <a:t>Click to edit Master title style</a:t>
+            </a:r>
+            <a:endParaRPr lang="en-US" dirty="0"/>
+          </a:p>
+        </p:txBody>
+      </p:sp>
+      <p:sp>
+        <p:nvSpPr>
+          <p:cNvPr id="4" name="Text Placeholder 3"/>
+          <p:cNvSpPr>
+            <a:spLocks noGrp="1"/>
+          </p:cNvSpPr>
+          <p:nvPr>
+            <p:ph type="body" sz="half" idx="2"/>
+          </p:nvPr>
+        </p:nvSpPr>
+        <p:spPr>
+          <a:xfrm>
+            <a:off x="1024467" y="3648315"/>
+            <a:ext cx="10144654" cy="999885"/>
+          </a:xfrm>
+        </p:spPr>
+        <p:txBody>
+          <a:bodyPr anchor="t"/>
+          <a:lstStyle>
+            <a:lvl1pPr marL="0" indent="0">
+              <a:buNone/>
+              <a:defRPr sz="1600"/>
+            </a:lvl1pPr>
+            <a:lvl2pPr marL="457200" indent="0">
+              <a:buNone/>
+              <a:defRPr sz="1400"/>
+            </a:lvl2pPr>
+            <a:lvl3pPr marL="914400" indent="0">
+              <a:buNone/>
+              <a:defRPr sz="1200"/>
+            </a:lvl3pPr>
+            <a:lvl4pPr marL="1371600" indent="0">
+              <a:buNone/>
+              <a:defRPr sz="1000"/>
+            </a:lvl4pPr>
+            <a:lvl5pPr marL="1828800" indent="0">
+              <a:buNone/>
+              <a:defRPr sz="1000"/>
+            </a:lvl5pPr>
+            <a:lvl6pPr marL="2286000" indent="0">
+              <a:buNone/>
+              <a:defRPr sz="1000"/>
+            </a:lvl6pPr>
+            <a:lvl7pPr marL="2743200" indent="0">
+              <a:buNone/>
+              <a:defRPr sz="1000"/>
+            </a:lvl7pPr>
+            <a:lvl8pPr marL="3200400" indent="0">
+              <a:buNone/>
+              <a:defRPr sz="1000"/>
+            </a:lvl8pPr>
+            <a:lvl9pPr marL="3657600" indent="0">
+              <a:buNone/>
+              <a:defRPr sz="1000"/>
+            </a:lvl9pPr>
+          </a:lstStyle>
+          <a:p>
+            <a:pPr lvl="0"/>
+            <a:r>
+              <a:rPr lang="en-US"/>
+              <a:t>Click to edit Master text styles</a:t>
+            </a:r>
+          </a:p>
+        </p:txBody>
+      </p:sp>
+      <p:sp>
+        <p:nvSpPr>
+          <p:cNvPr id="5" name="Date Placeholder 4"/>
+          <p:cNvSpPr>
+            <a:spLocks noGrp="1"/>
+          </p:cNvSpPr>
+          <p:nvPr>
+            <p:ph type="dt" sz="half" idx="10"/>
+          </p:nvPr>
+        </p:nvSpPr>
+        <p:spPr>
+          <a:xfrm>
+            <a:off x="7814452" y="378883"/>
+            <a:ext cx="2910840" cy="365125"/>
+          </a:xfrm>
+        </p:spPr>
+        <p:txBody>
+          <a:bodyPr/>
+          <a:lstStyle>
+            <a:lvl1pPr algn="r">
+              <a:defRPr/>
+            </a:lvl1pPr>
+          </a:lstStyle>
+          <a:p>
+            <a:fld id="{9D648943-11F5-4E3A-89B9-4D7A01C331E0}" type="datetimeFigureOut">
+              <a:rPr lang="en-CA" smtClean="0"/>
+              <a:t>2019-11-29</a:t>
+            </a:fld>
+            <a:endParaRPr lang="en-CA"/>
+          </a:p>
+        </p:txBody>
+      </p:sp>
+      <p:sp>
+        <p:nvSpPr>
+          <p:cNvPr id="6" name="Footer Placeholder 5"/>
+          <p:cNvSpPr>
+            <a:spLocks noGrp="1"/>
+          </p:cNvSpPr>
+          <p:nvPr>
+            <p:ph type="ftr" sz="quarter" idx="11"/>
+          </p:nvPr>
+        </p:nvSpPr>
+        <p:spPr>
+          <a:xfrm>
+            <a:off x="685800" y="378883"/>
+            <a:ext cx="6991492" cy="365125"/>
+          </a:xfrm>
+        </p:spPr>
+        <p:txBody>
+          <a:bodyPr/>
+          <a:lstStyle/>
+          <a:p>
+            <a:endParaRPr lang="en-CA"/>
+          </a:p>
+        </p:txBody>
+      </p:sp>
+      <p:sp>
+        <p:nvSpPr>
+          <p:cNvPr id="7" name="Slide Number Placeholder 6"/>
+          <p:cNvSpPr>
+            <a:spLocks noGrp="1"/>
+          </p:cNvSpPr>
+          <p:nvPr>
+            <p:ph type="sldNum" sz="quarter" idx="12"/>
+          </p:nvPr>
+        </p:nvSpPr>
+        <p:spPr>
+          <a:xfrm>
+            <a:off x="10862452" y="381000"/>
+            <a:ext cx="643748" cy="365125"/>
+          </a:xfrm>
+        </p:spPr>
+        <p:txBody>
+          <a:bodyPr/>
+          <a:lstStyle/>
+          <a:p>
+            <a:fld id="{AAAB3E9E-D708-433F-A405-5153863355EE}" type="slidenum">
+              <a:rPr lang="en-CA" smtClean="0"/>
+              <a:t>‹#›</a:t>
+            </a:fld>
+            <a:endParaRPr lang="en-CA"/>
+          </a:p>
+        </p:txBody>
+      </p:sp>
+    </p:spTree>
+    <p:extLst>
+      <p:ext uri="{BB962C8B-B14F-4D97-AF65-F5344CB8AC3E}">
+        <p14:creationId xmlns:p14="http://schemas.microsoft.com/office/powerpoint/2010/main" val="2785775716"/>
+      </p:ext>
+    </p:extLst>
+  </p:cSld>
+  <p:clrMapOvr>
+    <a:masterClrMapping/>
+  </p:clrMapOvr>
+</p:sldLayout>
+</file>
+
+<file path=ppt/slideLayouts/slideLayout14.xml><?xml version="1.0" encoding="utf-8"?>
+<p:sldLayout xmlns:a="http://schemas.openxmlformats.org/drawingml/2006/main" xmlns:r="http://schemas.openxmlformats.org/officeDocument/2006/relationships" xmlns:p="http://schemas.openxmlformats.org/presentationml/2006/main" preserve="1">
+  <p:cSld name="3 Column">
+    <p:spTree>
+      <p:nvGrpSpPr>
+        <p:cNvPr id="1" name=""/>
+        <p:cNvGrpSpPr/>
+        <p:nvPr/>
+      </p:nvGrpSpPr>
+      <p:grpSpPr>
+        <a:xfrm>
+          <a:off x="0" y="0"/>
+          <a:ext cx="0" cy="0"/>
+          <a:chOff x="0" y="0"/>
+          <a:chExt cx="0" cy="0"/>
+        </a:xfrm>
+      </p:grpSpPr>
+      <p:sp>
+        <p:nvSpPr>
+          <p:cNvPr id="15" name="Title 1"/>
+          <p:cNvSpPr>
+            <a:spLocks noGrp="1"/>
+          </p:cNvSpPr>
+          <p:nvPr>
+            <p:ph type="title"/>
+          </p:nvPr>
+        </p:nvSpPr>
+        <p:spPr>
+          <a:xfrm>
+            <a:off x="2895600" y="761999"/>
+            <a:ext cx="8610599" cy="1303867"/>
+          </a:xfrm>
+        </p:spPr>
+        <p:txBody>
+          <a:bodyPr/>
+          <a:lstStyle/>
+          <a:p>
+            <a:r>
+              <a:rPr lang="en-US"/>
+              <a:t>Click to edit Master title style</a:t>
+            </a:r>
+            <a:endParaRPr lang="en-US" dirty="0"/>
+          </a:p>
+        </p:txBody>
+      </p:sp>
+      <p:sp>
+        <p:nvSpPr>
+          <p:cNvPr id="7" name="Text Placeholder 2"/>
+          <p:cNvSpPr>
+            <a:spLocks noGrp="1"/>
+          </p:cNvSpPr>
+          <p:nvPr>
+            <p:ph type="body" idx="1"/>
+          </p:nvPr>
+        </p:nvSpPr>
+        <p:spPr>
+          <a:xfrm>
+            <a:off x="685800" y="2202080"/>
+            <a:ext cx="3456432" cy="617320"/>
+          </a:xfrm>
+        </p:spPr>
+        <p:txBody>
+          <a:bodyPr anchor="b">
+            <a:noAutofit/>
+          </a:bodyPr>
+          <a:lstStyle>
+            <a:lvl1pPr marL="0" indent="0">
+              <a:buNone/>
+              <a:defRPr sz="2400" b="0">
+                <a:solidFill>
+                  <a:schemeClr val="tx1"/>
+                </a:solidFill>
+              </a:defRPr>
+            </a:lvl1pPr>
+            <a:lvl2pPr marL="457200" indent="0">
+              <a:buNone/>
+              <a:defRPr sz="2000" b="1"/>
+            </a:lvl2pPr>
+            <a:lvl3pPr marL="914400" indent="0">
+              <a:buNone/>
+              <a:defRPr sz="1800" b="1"/>
+            </a:lvl3pPr>
+            <a:lvl4pPr marL="1371600" indent="0">
+              <a:buNone/>
+              <a:defRPr sz="1600" b="1"/>
+            </a:lvl4pPr>
+            <a:lvl5pPr marL="1828800" indent="0">
+              <a:buNone/>
+              <a:defRPr sz="1600" b="1"/>
+            </a:lvl5pPr>
+            <a:lvl6pPr marL="2286000" indent="0">
+              <a:buNone/>
+              <a:defRPr sz="1600" b="1"/>
+            </a:lvl6pPr>
+            <a:lvl7pPr marL="2743200" indent="0">
+              <a:buNone/>
+              <a:defRPr sz="1600" b="1"/>
+            </a:lvl7pPr>
+            <a:lvl8pPr marL="3200400" indent="0">
+              <a:buNone/>
+              <a:defRPr sz="1600" b="1"/>
+            </a:lvl8pPr>
+            <a:lvl9pPr marL="3657600" indent="0">
+              <a:buNone/>
+              <a:defRPr sz="1600" b="1"/>
+            </a:lvl9pPr>
+          </a:lstStyle>
+          <a:p>
+            <a:pPr lvl="0"/>
+            <a:r>
+              <a:rPr lang="en-US"/>
+              <a:t>Click to edit Master text styles</a:t>
+            </a:r>
+          </a:p>
+        </p:txBody>
+      </p:sp>
+      <p:sp>
+        <p:nvSpPr>
+          <p:cNvPr id="8" name="Text Placeholder 3"/>
+          <p:cNvSpPr>
+            <a:spLocks noGrp="1"/>
+          </p:cNvSpPr>
+          <p:nvPr>
+            <p:ph type="body" sz="half" idx="15"/>
+          </p:nvPr>
+        </p:nvSpPr>
+        <p:spPr>
+          <a:xfrm>
+            <a:off x="685799" y="2904565"/>
+            <a:ext cx="3456432" cy="3314132"/>
+          </a:xfrm>
+        </p:spPr>
+        <p:txBody>
+          <a:bodyPr anchor="t">
+            <a:normAutofit/>
+          </a:bodyPr>
+          <a:lstStyle>
+            <a:lvl1pPr marL="0" indent="0">
+              <a:buNone/>
+              <a:defRPr sz="1400"/>
+            </a:lvl1pPr>
+            <a:lvl2pPr marL="457200" indent="0">
+              <a:buNone/>
+              <a:defRPr sz="1200"/>
+            </a:lvl2pPr>
+            <a:lvl3pPr marL="914400" indent="0">
+              <a:buNone/>
+              <a:defRPr sz="1000"/>
+            </a:lvl3pPr>
+            <a:lvl4pPr marL="1371600" indent="0">
+              <a:buNone/>
+              <a:defRPr sz="900"/>
+            </a:lvl4pPr>
+            <a:lvl5pPr marL="1828800" indent="0">
+              <a:buNone/>
+              <a:defRPr sz="900"/>
+            </a:lvl5pPr>
+            <a:lvl6pPr marL="2286000" indent="0">
+              <a:buNone/>
+              <a:defRPr sz="900"/>
+            </a:lvl6pPr>
+            <a:lvl7pPr marL="2743200" indent="0">
+              <a:buNone/>
+              <a:defRPr sz="900"/>
+            </a:lvl7pPr>
+            <a:lvl8pPr marL="3200400" indent="0">
+              <a:buNone/>
+              <a:defRPr sz="900"/>
+            </a:lvl8pPr>
+            <a:lvl9pPr marL="3657600" indent="0">
+              <a:buNone/>
+              <a:defRPr sz="900"/>
+            </a:lvl9pPr>
+          </a:lstStyle>
+          <a:p>
+            <a:pPr lvl="0"/>
+            <a:r>
+              <a:rPr lang="en-US"/>
+              <a:t>Click to edit Master text styles</a:t>
+            </a:r>
+          </a:p>
+        </p:txBody>
+      </p:sp>
+      <p:sp>
+        <p:nvSpPr>
+          <p:cNvPr id="9" name="Text Placeholder 4"/>
+          <p:cNvSpPr>
+            <a:spLocks noGrp="1"/>
+          </p:cNvSpPr>
+          <p:nvPr>
+            <p:ph type="body" sz="quarter" idx="3"/>
+          </p:nvPr>
+        </p:nvSpPr>
+        <p:spPr>
+          <a:xfrm>
+            <a:off x="4368800" y="2201333"/>
+            <a:ext cx="3456432" cy="626534"/>
+          </a:xfrm>
+        </p:spPr>
+        <p:txBody>
+          <a:bodyPr anchor="b">
+            <a:noAutofit/>
+          </a:bodyPr>
+          <a:lstStyle>
+            <a:lvl1pPr marL="0" indent="0">
+              <a:buNone/>
+              <a:defRPr sz="2400" b="0">
+                <a:solidFill>
+                  <a:schemeClr val="tx1"/>
+                </a:solidFill>
+              </a:defRPr>
+            </a:lvl1pPr>
+            <a:lvl2pPr marL="457200" indent="0">
+              <a:buNone/>
+              <a:defRPr sz="2000" b="1"/>
+            </a:lvl2pPr>
+            <a:lvl3pPr marL="914400" indent="0">
+              <a:buNone/>
+              <a:defRPr sz="1800" b="1"/>
+            </a:lvl3pPr>
+            <a:lvl4pPr marL="1371600" indent="0">
+              <a:buNone/>
+              <a:defRPr sz="1600" b="1"/>
+            </a:lvl4pPr>
+            <a:lvl5pPr marL="1828800" indent="0">
+              <a:buNone/>
+              <a:defRPr sz="1600" b="1"/>
+            </a:lvl5pPr>
+            <a:lvl6pPr marL="2286000" indent="0">
+              <a:buNone/>
+              <a:defRPr sz="1600" b="1"/>
+            </a:lvl6pPr>
+            <a:lvl7pPr marL="2743200" indent="0">
+              <a:buNone/>
+              <a:defRPr sz="1600" b="1"/>
+            </a:lvl7pPr>
+            <a:lvl8pPr marL="3200400" indent="0">
+              <a:buNone/>
+              <a:defRPr sz="1600" b="1"/>
+            </a:lvl8pPr>
+            <a:lvl9pPr marL="3657600" indent="0">
+              <a:buNone/>
+              <a:defRPr sz="1600" b="1"/>
+            </a:lvl9pPr>
+          </a:lstStyle>
+          <a:p>
+            <a:pPr lvl="0"/>
+            <a:r>
+              <a:rPr lang="en-US"/>
+              <a:t>Click to edit Master text styles</a:t>
+            </a:r>
+          </a:p>
+        </p:txBody>
+      </p:sp>
+      <p:sp>
+        <p:nvSpPr>
+          <p:cNvPr id="10" name="Text Placeholder 3"/>
+          <p:cNvSpPr>
+            <a:spLocks noGrp="1"/>
+          </p:cNvSpPr>
+          <p:nvPr>
+            <p:ph type="body" sz="half" idx="16"/>
+          </p:nvPr>
+        </p:nvSpPr>
+        <p:spPr>
+          <a:xfrm>
+            <a:off x="4366858" y="2904067"/>
+            <a:ext cx="3456432" cy="3314618"/>
+          </a:xfrm>
+        </p:spPr>
+        <p:txBody>
+          <a:bodyPr anchor="t">
+            <a:normAutofit/>
+          </a:bodyPr>
+          <a:lstStyle>
+            <a:lvl1pPr marL="0" indent="0">
+              <a:buNone/>
+              <a:defRPr sz="1400"/>
+            </a:lvl1pPr>
+            <a:lvl2pPr marL="457200" indent="0">
+              <a:buNone/>
+              <a:defRPr sz="1200"/>
+            </a:lvl2pPr>
+            <a:lvl3pPr marL="914400" indent="0">
+              <a:buNone/>
+              <a:defRPr sz="1000"/>
+            </a:lvl3pPr>
+            <a:lvl4pPr marL="1371600" indent="0">
+              <a:buNone/>
+              <a:defRPr sz="900"/>
+            </a:lvl4pPr>
+            <a:lvl5pPr marL="1828800" indent="0">
+              <a:buNone/>
+              <a:defRPr sz="900"/>
+            </a:lvl5pPr>
+            <a:lvl6pPr marL="2286000" indent="0">
+              <a:buNone/>
+              <a:defRPr sz="900"/>
+            </a:lvl6pPr>
+            <a:lvl7pPr marL="2743200" indent="0">
+              <a:buNone/>
+              <a:defRPr sz="900"/>
+            </a:lvl7pPr>
+            <a:lvl8pPr marL="3200400" indent="0">
+              <a:buNone/>
+              <a:defRPr sz="900"/>
+            </a:lvl8pPr>
+            <a:lvl9pPr marL="3657600" indent="0">
+              <a:buNone/>
+              <a:defRPr sz="900"/>
+            </a:lvl9pPr>
+          </a:lstStyle>
+          <a:p>
+            <a:pPr lvl="0"/>
+            <a:r>
+              <a:rPr lang="en-US"/>
+              <a:t>Click to edit Master text styles</a:t>
+            </a:r>
+          </a:p>
+        </p:txBody>
+      </p:sp>
+      <p:sp>
+        <p:nvSpPr>
+          <p:cNvPr id="11" name="Text Placeholder 4"/>
+          <p:cNvSpPr>
+            <a:spLocks noGrp="1"/>
+          </p:cNvSpPr>
+          <p:nvPr>
+            <p:ph type="body" sz="quarter" idx="13"/>
+          </p:nvPr>
+        </p:nvSpPr>
+        <p:spPr>
+          <a:xfrm>
+            <a:off x="8051800" y="2192866"/>
+            <a:ext cx="3456432" cy="626534"/>
+          </a:xfrm>
+        </p:spPr>
+        <p:txBody>
+          <a:bodyPr anchor="b">
+            <a:noAutofit/>
+          </a:bodyPr>
+          <a:lstStyle>
+            <a:lvl1pPr marL="0" indent="0">
+              <a:buNone/>
+              <a:defRPr sz="2400" b="0">
+                <a:solidFill>
+                  <a:schemeClr val="tx1"/>
+                </a:solidFill>
+              </a:defRPr>
+            </a:lvl1pPr>
+            <a:lvl2pPr marL="457200" indent="0">
+              <a:buNone/>
+              <a:defRPr sz="2000" b="1"/>
+            </a:lvl2pPr>
+            <a:lvl3pPr marL="914400" indent="0">
+              <a:buNone/>
+              <a:defRPr sz="1800" b="1"/>
+            </a:lvl3pPr>
+            <a:lvl4pPr marL="1371600" indent="0">
+              <a:buNone/>
+              <a:defRPr sz="1600" b="1"/>
+            </a:lvl4pPr>
+            <a:lvl5pPr marL="1828800" indent="0">
+              <a:buNone/>
+              <a:defRPr sz="1600" b="1"/>
+            </a:lvl5pPr>
+            <a:lvl6pPr marL="2286000" indent="0">
+              <a:buNone/>
+              <a:defRPr sz="1600" b="1"/>
+            </a:lvl6pPr>
+            <a:lvl7pPr marL="2743200" indent="0">
+              <a:buNone/>
+              <a:defRPr sz="1600" b="1"/>
+            </a:lvl7pPr>
+            <a:lvl8pPr marL="3200400" indent="0">
+              <a:buNone/>
+              <a:defRPr sz="1600" b="1"/>
+            </a:lvl8pPr>
+            <a:lvl9pPr marL="3657600" indent="0">
+              <a:buNone/>
+              <a:defRPr sz="1600" b="1"/>
+            </a:lvl9pPr>
+          </a:lstStyle>
+          <a:p>
+            <a:pPr lvl="0"/>
+            <a:r>
+              <a:rPr lang="en-US"/>
+              <a:t>Click to edit Master text styles</a:t>
+            </a:r>
+          </a:p>
+        </p:txBody>
+      </p:sp>
+      <p:sp>
+        <p:nvSpPr>
+          <p:cNvPr id="12" name="Text Placeholder 3"/>
+          <p:cNvSpPr>
+            <a:spLocks noGrp="1"/>
+          </p:cNvSpPr>
+          <p:nvPr>
+            <p:ph type="body" sz="half" idx="17"/>
+          </p:nvPr>
+        </p:nvSpPr>
+        <p:spPr>
+          <a:xfrm>
+            <a:off x="8051801" y="2904565"/>
+            <a:ext cx="3456432" cy="3314132"/>
+          </a:xfrm>
+        </p:spPr>
+        <p:txBody>
+          <a:bodyPr anchor="t">
+            <a:normAutofit/>
+          </a:bodyPr>
+          <a:lstStyle>
+            <a:lvl1pPr marL="0" indent="0">
+              <a:buNone/>
+              <a:defRPr sz="1400"/>
+            </a:lvl1pPr>
+            <a:lvl2pPr marL="457200" indent="0">
+              <a:buNone/>
+              <a:defRPr sz="1200"/>
+            </a:lvl2pPr>
+            <a:lvl3pPr marL="914400" indent="0">
+              <a:buNone/>
+              <a:defRPr sz="1000"/>
+            </a:lvl3pPr>
+            <a:lvl4pPr marL="1371600" indent="0">
+              <a:buNone/>
+              <a:defRPr sz="900"/>
+            </a:lvl4pPr>
+            <a:lvl5pPr marL="1828800" indent="0">
+              <a:buNone/>
+              <a:defRPr sz="900"/>
+            </a:lvl5pPr>
+            <a:lvl6pPr marL="2286000" indent="0">
+              <a:buNone/>
+              <a:defRPr sz="900"/>
+            </a:lvl6pPr>
+            <a:lvl7pPr marL="2743200" indent="0">
+              <a:buNone/>
+              <a:defRPr sz="900"/>
+            </a:lvl7pPr>
+            <a:lvl8pPr marL="3200400" indent="0">
+              <a:buNone/>
+              <a:defRPr sz="900"/>
+            </a:lvl8pPr>
+            <a:lvl9pPr marL="3657600" indent="0">
+              <a:buNone/>
+              <a:defRPr sz="900"/>
+            </a:lvl9pPr>
+          </a:lstStyle>
+          <a:p>
+            <a:pPr lvl="0"/>
+            <a:r>
+              <a:rPr lang="en-US"/>
+              <a:t>Click to edit Master text styles</a:t>
+            </a:r>
+          </a:p>
+        </p:txBody>
+      </p:sp>
+      <p:sp>
+        <p:nvSpPr>
+          <p:cNvPr id="3" name="Date Placeholder 2"/>
+          <p:cNvSpPr>
+            <a:spLocks noGrp="1"/>
+          </p:cNvSpPr>
+          <p:nvPr>
+            <p:ph type="dt" sz="half" idx="10"/>
+          </p:nvPr>
+        </p:nvSpPr>
+        <p:spPr/>
+        <p:txBody>
+          <a:bodyPr/>
+          <a:lstStyle/>
+          <a:p>
+            <a:fld id="{9D648943-11F5-4E3A-89B9-4D7A01C331E0}" type="datetimeFigureOut">
+              <a:rPr lang="en-CA" smtClean="0"/>
+              <a:t>2019-11-29</a:t>
+            </a:fld>
+            <a:endParaRPr lang="en-CA"/>
+          </a:p>
+        </p:txBody>
+      </p:sp>
+      <p:sp>
+        <p:nvSpPr>
+          <p:cNvPr id="4" name="Footer Placeholder 3"/>
+          <p:cNvSpPr>
+            <a:spLocks noGrp="1"/>
+          </p:cNvSpPr>
+          <p:nvPr>
+            <p:ph type="ftr" sz="quarter" idx="11"/>
+          </p:nvPr>
+        </p:nvSpPr>
+        <p:spPr/>
+        <p:txBody>
+          <a:bodyPr/>
+          <a:lstStyle/>
+          <a:p>
+            <a:endParaRPr lang="en-CA"/>
+          </a:p>
+        </p:txBody>
+      </p:sp>
+      <p:sp>
+        <p:nvSpPr>
+          <p:cNvPr id="5" name="Slide Number Placeholder 4"/>
+          <p:cNvSpPr>
+            <a:spLocks noGrp="1"/>
+          </p:cNvSpPr>
+          <p:nvPr>
+            <p:ph type="sldNum" sz="quarter" idx="12"/>
+          </p:nvPr>
+        </p:nvSpPr>
+        <p:spPr/>
+        <p:txBody>
+          <a:bodyPr/>
+          <a:lstStyle/>
+          <a:p>
+            <a:fld id="{AAAB3E9E-D708-433F-A405-5153863355EE}" type="slidenum">
+              <a:rPr lang="en-CA" smtClean="0"/>
+              <a:t>‹#›</a:t>
+            </a:fld>
+            <a:endParaRPr lang="en-CA"/>
+          </a:p>
+        </p:txBody>
+      </p:sp>
+    </p:spTree>
+    <p:extLst>
+      <p:ext uri="{BB962C8B-B14F-4D97-AF65-F5344CB8AC3E}">
+        <p14:creationId xmlns:p14="http://schemas.microsoft.com/office/powerpoint/2010/main" val="2916224945"/>
+      </p:ext>
+    </p:extLst>
+  </p:cSld>
+  <p:clrMapOvr>
+    <a:masterClrMapping/>
+  </p:clrMapOvr>
+</p:sldLayout>
+</file>
+
+<file path=ppt/slideLayouts/slideLayout15.xml><?xml version="1.0" encoding="utf-8"?>
+<p:sldLayout xmlns:a="http://schemas.openxmlformats.org/drawingml/2006/main" xmlns:r="http://schemas.openxmlformats.org/officeDocument/2006/relationships" xmlns:p="http://schemas.openxmlformats.org/presentationml/2006/main" preserve="1">
+  <p:cSld name="3 Picture Column">
+    <p:spTree>
+      <p:nvGrpSpPr>
+        <p:cNvPr id="1" name=""/>
+        <p:cNvGrpSpPr/>
+        <p:nvPr/>
+      </p:nvGrpSpPr>
+      <p:grpSpPr>
+        <a:xfrm>
+          <a:off x="0" y="0"/>
+          <a:ext cx="0" cy="0"/>
+          <a:chOff x="0" y="0"/>
+          <a:chExt cx="0" cy="0"/>
+        </a:xfrm>
+      </p:grpSpPr>
+      <p:sp>
+        <p:nvSpPr>
+          <p:cNvPr id="30" name="Title 1"/>
+          <p:cNvSpPr>
+            <a:spLocks noGrp="1"/>
+          </p:cNvSpPr>
+          <p:nvPr>
+            <p:ph type="title"/>
+          </p:nvPr>
+        </p:nvSpPr>
+        <p:spPr>
+          <a:xfrm>
+            <a:off x="2895600" y="762000"/>
+            <a:ext cx="8610599" cy="1295400"/>
+          </a:xfrm>
+        </p:spPr>
+        <p:txBody>
+          <a:bodyPr/>
+          <a:lstStyle/>
+          <a:p>
+            <a:r>
+              <a:rPr lang="en-US"/>
+              <a:t>Click to edit Master title style</a:t>
+            </a:r>
+            <a:endParaRPr lang="en-US" dirty="0"/>
+          </a:p>
+        </p:txBody>
+      </p:sp>
+      <p:sp>
+        <p:nvSpPr>
+          <p:cNvPr id="19" name="Text Placeholder 2"/>
+          <p:cNvSpPr>
+            <a:spLocks noGrp="1"/>
+          </p:cNvSpPr>
+          <p:nvPr>
+            <p:ph type="body" idx="1"/>
+          </p:nvPr>
+        </p:nvSpPr>
+        <p:spPr>
+          <a:xfrm>
+            <a:off x="688618" y="4191000"/>
+            <a:ext cx="3451582" cy="682765"/>
+          </a:xfrm>
+        </p:spPr>
+        <p:txBody>
+          <a:bodyPr anchor="b">
+            <a:noAutofit/>
+          </a:bodyPr>
+          <a:lstStyle>
+            <a:lvl1pPr marL="0" indent="0">
+              <a:buNone/>
+              <a:defRPr sz="2400" b="0">
+                <a:solidFill>
+                  <a:schemeClr val="tx1"/>
+                </a:solidFill>
+              </a:defRPr>
+            </a:lvl1pPr>
+            <a:lvl2pPr marL="457200" indent="0">
+              <a:buNone/>
+              <a:defRPr sz="2000" b="1"/>
+            </a:lvl2pPr>
+            <a:lvl3pPr marL="914400" indent="0">
+              <a:buNone/>
+              <a:defRPr sz="1800" b="1"/>
+            </a:lvl3pPr>
+            <a:lvl4pPr marL="1371600" indent="0">
+              <a:buNone/>
+              <a:defRPr sz="1600" b="1"/>
+            </a:lvl4pPr>
+            <a:lvl5pPr marL="1828800" indent="0">
+              <a:buNone/>
+              <a:defRPr sz="1600" b="1"/>
+            </a:lvl5pPr>
+            <a:lvl6pPr marL="2286000" indent="0">
+              <a:buNone/>
+              <a:defRPr sz="1600" b="1"/>
+            </a:lvl6pPr>
+            <a:lvl7pPr marL="2743200" indent="0">
+              <a:buNone/>
+              <a:defRPr sz="1600" b="1"/>
+            </a:lvl7pPr>
+            <a:lvl8pPr marL="3200400" indent="0">
+              <a:buNone/>
+              <a:defRPr sz="1600" b="1"/>
+            </a:lvl8pPr>
+            <a:lvl9pPr marL="3657600" indent="0">
+              <a:buNone/>
+              <a:defRPr sz="1600" b="1"/>
+            </a:lvl9pPr>
+          </a:lstStyle>
+          <a:p>
+            <a:pPr lvl="0"/>
+            <a:r>
+              <a:rPr lang="en-US"/>
+              <a:t>Click to edit Master text styles</a:t>
+            </a:r>
+          </a:p>
+        </p:txBody>
+      </p:sp>
+      <p:sp>
+        <p:nvSpPr>
+          <p:cNvPr id="20" name="Picture Placeholder 2"/>
+          <p:cNvSpPr>
+            <a:spLocks noGrp="1" noChangeAspect="1"/>
+          </p:cNvSpPr>
+          <p:nvPr>
+            <p:ph type="pic" idx="15"/>
+          </p:nvPr>
+        </p:nvSpPr>
+        <p:spPr>
+          <a:xfrm>
+            <a:off x="688618" y="2362200"/>
+            <a:ext cx="3451582" cy="1524000"/>
+          </a:xfrm>
+          <a:prstGeom prst="roundRect">
+            <a:avLst>
+              <a:gd name="adj" fmla="val 0"/>
+            </a:avLst>
+          </a:prstGeom>
+          <a:effectLst>
+            <a:outerShdw blurRad="50800" dist="50800" dir="5400000" algn="tl" rotWithShape="0">
+              <a:srgbClr val="000000">
+                <a:alpha val="43000"/>
+              </a:srgbClr>
+            </a:outerShdw>
+          </a:effectLst>
+        </p:spPr>
+        <p:txBody>
+          <a:bodyPr anchor="t">
+            <a:normAutofit/>
+          </a:bodyPr>
+          <a:lstStyle>
+            <a:lvl1pPr marL="0" indent="0" algn="ctr">
+              <a:buNone/>
+              <a:defRPr sz="1600"/>
+            </a:lvl1pPr>
+            <a:lvl2pPr marL="457200" indent="0">
+              <a:buNone/>
+              <a:defRPr sz="1600"/>
+            </a:lvl2pPr>
+            <a:lvl3pPr marL="914400" indent="0">
+              <a:buNone/>
+              <a:defRPr sz="1600"/>
+            </a:lvl3pPr>
+            <a:lvl4pPr marL="1371600" indent="0">
+              <a:buNone/>
+              <a:defRPr sz="1600"/>
+            </a:lvl4pPr>
+            <a:lvl5pPr marL="1828800" indent="0">
+              <a:buNone/>
+              <a:defRPr sz="1600"/>
+            </a:lvl5pPr>
+            <a:lvl6pPr marL="2286000" indent="0">
+              <a:buNone/>
+              <a:defRPr sz="1600"/>
+            </a:lvl6pPr>
+            <a:lvl7pPr marL="2743200" indent="0">
+              <a:buNone/>
+              <a:defRPr sz="1600"/>
+            </a:lvl7pPr>
+            <a:lvl8pPr marL="3200400" indent="0">
+              <a:buNone/>
+              <a:defRPr sz="1600"/>
+            </a:lvl8pPr>
+            <a:lvl9pPr marL="3657600" indent="0">
+              <a:buNone/>
+              <a:defRPr sz="1600"/>
+            </a:lvl9pPr>
+          </a:lstStyle>
+          <a:p>
+            <a:r>
+              <a:rPr lang="en-US"/>
+              <a:t>Click icon to add picture</a:t>
+            </a:r>
+            <a:endParaRPr lang="en-US" dirty="0"/>
+          </a:p>
+        </p:txBody>
+      </p:sp>
+      <p:sp>
+        <p:nvSpPr>
+          <p:cNvPr id="21" name="Text Placeholder 3"/>
+          <p:cNvSpPr>
+            <a:spLocks noGrp="1"/>
+          </p:cNvSpPr>
+          <p:nvPr>
+            <p:ph type="body" sz="half" idx="18"/>
+          </p:nvPr>
+        </p:nvSpPr>
+        <p:spPr>
+          <a:xfrm>
+            <a:off x="688618" y="4873764"/>
+            <a:ext cx="3451582" cy="1344921"/>
+          </a:xfrm>
+        </p:spPr>
+        <p:txBody>
+          <a:bodyPr anchor="t">
+            <a:normAutofit/>
+          </a:bodyPr>
+          <a:lstStyle>
+            <a:lvl1pPr marL="0" indent="0">
+              <a:buNone/>
+              <a:defRPr sz="1400"/>
+            </a:lvl1pPr>
+            <a:lvl2pPr marL="457200" indent="0">
+              <a:buNone/>
+              <a:defRPr sz="1200"/>
+            </a:lvl2pPr>
+            <a:lvl3pPr marL="914400" indent="0">
+              <a:buNone/>
+              <a:defRPr sz="1000"/>
+            </a:lvl3pPr>
+            <a:lvl4pPr marL="1371600" indent="0">
+              <a:buNone/>
+              <a:defRPr sz="900"/>
+            </a:lvl4pPr>
+            <a:lvl5pPr marL="1828800" indent="0">
+              <a:buNone/>
+              <a:defRPr sz="900"/>
+            </a:lvl5pPr>
+            <a:lvl6pPr marL="2286000" indent="0">
+              <a:buNone/>
+              <a:defRPr sz="900"/>
+            </a:lvl6pPr>
+            <a:lvl7pPr marL="2743200" indent="0">
+              <a:buNone/>
+              <a:defRPr sz="900"/>
+            </a:lvl7pPr>
+            <a:lvl8pPr marL="3200400" indent="0">
+              <a:buNone/>
+              <a:defRPr sz="900"/>
+            </a:lvl8pPr>
+            <a:lvl9pPr marL="3657600" indent="0">
+              <a:buNone/>
+              <a:defRPr sz="900"/>
+            </a:lvl9pPr>
+          </a:lstStyle>
+          <a:p>
+            <a:pPr lvl="0"/>
+            <a:r>
+              <a:rPr lang="en-US"/>
+              <a:t>Click to edit Master text styles</a:t>
+            </a:r>
+          </a:p>
+        </p:txBody>
+      </p:sp>
+      <p:sp>
+        <p:nvSpPr>
+          <p:cNvPr id="22" name="Text Placeholder 4"/>
+          <p:cNvSpPr>
+            <a:spLocks noGrp="1"/>
+          </p:cNvSpPr>
+          <p:nvPr>
+            <p:ph type="body" sz="quarter" idx="3"/>
+          </p:nvPr>
+        </p:nvSpPr>
+        <p:spPr>
+          <a:xfrm>
+            <a:off x="4374263" y="4191000"/>
+            <a:ext cx="3448935" cy="682765"/>
+          </a:xfrm>
+        </p:spPr>
+        <p:txBody>
+          <a:bodyPr anchor="b">
+            <a:noAutofit/>
+          </a:bodyPr>
+          <a:lstStyle>
+            <a:lvl1pPr marL="0" indent="0">
+              <a:buNone/>
+              <a:defRPr sz="2400" b="0">
+                <a:solidFill>
+                  <a:schemeClr val="tx1"/>
+                </a:solidFill>
+              </a:defRPr>
+            </a:lvl1pPr>
+            <a:lvl2pPr marL="457200" indent="0">
+              <a:buNone/>
+              <a:defRPr sz="2000" b="1"/>
+            </a:lvl2pPr>
+            <a:lvl3pPr marL="914400" indent="0">
+              <a:buNone/>
+              <a:defRPr sz="1800" b="1"/>
+            </a:lvl3pPr>
+            <a:lvl4pPr marL="1371600" indent="0">
+              <a:buNone/>
+              <a:defRPr sz="1600" b="1"/>
+            </a:lvl4pPr>
+            <a:lvl5pPr marL="1828800" indent="0">
+              <a:buNone/>
+              <a:defRPr sz="1600" b="1"/>
+            </a:lvl5pPr>
+            <a:lvl6pPr marL="2286000" indent="0">
+              <a:buNone/>
+              <a:defRPr sz="1600" b="1"/>
+            </a:lvl6pPr>
+            <a:lvl7pPr marL="2743200" indent="0">
+              <a:buNone/>
+              <a:defRPr sz="1600" b="1"/>
+            </a:lvl7pPr>
+            <a:lvl8pPr marL="3200400" indent="0">
+              <a:buNone/>
+              <a:defRPr sz="1600" b="1"/>
+            </a:lvl8pPr>
+            <a:lvl9pPr marL="3657600" indent="0">
+              <a:buNone/>
+              <a:defRPr sz="1600" b="1"/>
+            </a:lvl9pPr>
+          </a:lstStyle>
+          <a:p>
+            <a:pPr lvl="0"/>
+            <a:r>
+              <a:rPr lang="en-US"/>
+              <a:t>Click to edit Master text styles</a:t>
+            </a:r>
+          </a:p>
+        </p:txBody>
+      </p:sp>
+      <p:sp>
+        <p:nvSpPr>
+          <p:cNvPr id="23" name="Picture Placeholder 2"/>
+          <p:cNvSpPr>
+            <a:spLocks noGrp="1" noChangeAspect="1"/>
+          </p:cNvSpPr>
+          <p:nvPr>
+            <p:ph type="pic" idx="21"/>
+          </p:nvPr>
+        </p:nvSpPr>
+        <p:spPr>
+          <a:xfrm>
+            <a:off x="4374263" y="2362200"/>
+            <a:ext cx="3448936" cy="1524000"/>
+          </a:xfrm>
+          <a:prstGeom prst="roundRect">
+            <a:avLst>
+              <a:gd name="adj" fmla="val 0"/>
+            </a:avLst>
+          </a:prstGeom>
+          <a:effectLst>
+            <a:outerShdw blurRad="50800" dist="50800" dir="5400000" algn="tl" rotWithShape="0">
+              <a:srgbClr val="000000">
+                <a:alpha val="43000"/>
+              </a:srgbClr>
+            </a:outerShdw>
+          </a:effectLst>
+        </p:spPr>
+        <p:txBody>
+          <a:bodyPr anchor="t">
+            <a:normAutofit/>
+          </a:bodyPr>
+          <a:lstStyle>
+            <a:lvl1pPr marL="0" indent="0" algn="ctr">
+              <a:buNone/>
+              <a:defRPr sz="1600"/>
+            </a:lvl1pPr>
+            <a:lvl2pPr marL="457200" indent="0">
+              <a:buNone/>
+              <a:defRPr sz="1600"/>
+            </a:lvl2pPr>
+            <a:lvl3pPr marL="914400" indent="0">
+              <a:buNone/>
+              <a:defRPr sz="1600"/>
+            </a:lvl3pPr>
+            <a:lvl4pPr marL="1371600" indent="0">
+              <a:buNone/>
+              <a:defRPr sz="1600"/>
+            </a:lvl4pPr>
+            <a:lvl5pPr marL="1828800" indent="0">
+              <a:buNone/>
+              <a:defRPr sz="1600"/>
+            </a:lvl5pPr>
+            <a:lvl6pPr marL="2286000" indent="0">
+              <a:buNone/>
+              <a:defRPr sz="1600"/>
+            </a:lvl6pPr>
+            <a:lvl7pPr marL="2743200" indent="0">
+              <a:buNone/>
+              <a:defRPr sz="1600"/>
+            </a:lvl7pPr>
+            <a:lvl8pPr marL="3200400" indent="0">
+              <a:buNone/>
+              <a:defRPr sz="1600"/>
+            </a:lvl8pPr>
+            <a:lvl9pPr marL="3657600" indent="0">
+              <a:buNone/>
+              <a:defRPr sz="1600"/>
+            </a:lvl9pPr>
+          </a:lstStyle>
+          <a:p>
+            <a:r>
+              <a:rPr lang="en-US"/>
+              <a:t>Click icon to add picture</a:t>
+            </a:r>
+            <a:endParaRPr lang="en-US" dirty="0"/>
+          </a:p>
+        </p:txBody>
+      </p:sp>
+      <p:sp>
+        <p:nvSpPr>
+          <p:cNvPr id="24" name="Text Placeholder 3"/>
+          <p:cNvSpPr>
+            <a:spLocks noGrp="1"/>
+          </p:cNvSpPr>
+          <p:nvPr>
+            <p:ph type="body" sz="half" idx="19"/>
+          </p:nvPr>
+        </p:nvSpPr>
+        <p:spPr>
+          <a:xfrm>
+            <a:off x="4374264" y="4873763"/>
+            <a:ext cx="3448935" cy="1344921"/>
+          </a:xfrm>
+        </p:spPr>
+        <p:txBody>
+          <a:bodyPr anchor="t">
+            <a:normAutofit/>
+          </a:bodyPr>
+          <a:lstStyle>
+            <a:lvl1pPr marL="0" indent="0">
+              <a:buNone/>
+              <a:defRPr sz="1400"/>
+            </a:lvl1pPr>
+            <a:lvl2pPr marL="457200" indent="0">
+              <a:buNone/>
+              <a:defRPr sz="1200"/>
+            </a:lvl2pPr>
+            <a:lvl3pPr marL="914400" indent="0">
+              <a:buNone/>
+              <a:defRPr sz="1000"/>
+            </a:lvl3pPr>
+            <a:lvl4pPr marL="1371600" indent="0">
+              <a:buNone/>
+              <a:defRPr sz="900"/>
+            </a:lvl4pPr>
+            <a:lvl5pPr marL="1828800" indent="0">
+              <a:buNone/>
+              <a:defRPr sz="900"/>
+            </a:lvl5pPr>
+            <a:lvl6pPr marL="2286000" indent="0">
+              <a:buNone/>
+              <a:defRPr sz="900"/>
+            </a:lvl6pPr>
+            <a:lvl7pPr marL="2743200" indent="0">
+              <a:buNone/>
+              <a:defRPr sz="900"/>
+            </a:lvl7pPr>
+            <a:lvl8pPr marL="3200400" indent="0">
+              <a:buNone/>
+              <a:defRPr sz="900"/>
+            </a:lvl8pPr>
+            <a:lvl9pPr marL="3657600" indent="0">
+              <a:buNone/>
+              <a:defRPr sz="900"/>
+            </a:lvl9pPr>
+          </a:lstStyle>
+          <a:p>
+            <a:pPr lvl="0"/>
+            <a:r>
+              <a:rPr lang="en-US"/>
+              <a:t>Click to edit Master text styles</a:t>
+            </a:r>
+          </a:p>
+        </p:txBody>
+      </p:sp>
+      <p:sp>
+        <p:nvSpPr>
+          <p:cNvPr id="25" name="Text Placeholder 4"/>
+          <p:cNvSpPr>
+            <a:spLocks noGrp="1"/>
+          </p:cNvSpPr>
+          <p:nvPr>
+            <p:ph type="body" sz="quarter" idx="13"/>
+          </p:nvPr>
+        </p:nvSpPr>
+        <p:spPr>
+          <a:xfrm>
+            <a:off x="8049731" y="4191000"/>
+            <a:ext cx="3456469" cy="682765"/>
+          </a:xfrm>
+        </p:spPr>
+        <p:txBody>
+          <a:bodyPr anchor="b">
+            <a:noAutofit/>
+          </a:bodyPr>
+          <a:lstStyle>
+            <a:lvl1pPr marL="0" indent="0">
+              <a:buNone/>
+              <a:defRPr sz="2400" b="0">
+                <a:solidFill>
+                  <a:schemeClr val="tx1"/>
+                </a:solidFill>
+              </a:defRPr>
+            </a:lvl1pPr>
+            <a:lvl2pPr marL="457200" indent="0">
+              <a:buNone/>
+              <a:defRPr sz="2000" b="1"/>
+            </a:lvl2pPr>
+            <a:lvl3pPr marL="914400" indent="0">
+              <a:buNone/>
+              <a:defRPr sz="1800" b="1"/>
+            </a:lvl3pPr>
+            <a:lvl4pPr marL="1371600" indent="0">
+              <a:buNone/>
+              <a:defRPr sz="1600" b="1"/>
+            </a:lvl4pPr>
+            <a:lvl5pPr marL="1828800" indent="0">
+              <a:buNone/>
+              <a:defRPr sz="1600" b="1"/>
+            </a:lvl5pPr>
+            <a:lvl6pPr marL="2286000" indent="0">
+              <a:buNone/>
+              <a:defRPr sz="1600" b="1"/>
+            </a:lvl6pPr>
+            <a:lvl7pPr marL="2743200" indent="0">
+              <a:buNone/>
+              <a:defRPr sz="1600" b="1"/>
+            </a:lvl7pPr>
+            <a:lvl8pPr marL="3200400" indent="0">
+              <a:buNone/>
+              <a:defRPr sz="1600" b="1"/>
+            </a:lvl8pPr>
+            <a:lvl9pPr marL="3657600" indent="0">
+              <a:buNone/>
+              <a:defRPr sz="1600" b="1"/>
+            </a:lvl9pPr>
+          </a:lstStyle>
+          <a:p>
+            <a:pPr lvl="0"/>
+            <a:r>
+              <a:rPr lang="en-US"/>
+              <a:t>Click to edit Master text styles</a:t>
+            </a:r>
+          </a:p>
+        </p:txBody>
+      </p:sp>
+      <p:sp>
+        <p:nvSpPr>
+          <p:cNvPr id="26" name="Picture Placeholder 2"/>
+          <p:cNvSpPr>
+            <a:spLocks noGrp="1" noChangeAspect="1"/>
+          </p:cNvSpPr>
+          <p:nvPr>
+            <p:ph type="pic" idx="22"/>
+          </p:nvPr>
+        </p:nvSpPr>
+        <p:spPr>
+          <a:xfrm>
+            <a:off x="8049855" y="2362200"/>
+            <a:ext cx="3447878" cy="1524000"/>
+          </a:xfrm>
+          <a:prstGeom prst="roundRect">
+            <a:avLst>
+              <a:gd name="adj" fmla="val 0"/>
+            </a:avLst>
+          </a:prstGeom>
+          <a:effectLst>
+            <a:outerShdw blurRad="50800" dist="50800" dir="5400000" algn="tl" rotWithShape="0">
+              <a:srgbClr val="000000">
+                <a:alpha val="43000"/>
+              </a:srgbClr>
+            </a:outerShdw>
+          </a:effectLst>
+        </p:spPr>
+        <p:txBody>
+          <a:bodyPr anchor="t">
+            <a:normAutofit/>
+          </a:bodyPr>
+          <a:lstStyle>
+            <a:lvl1pPr marL="0" indent="0" algn="ctr">
+              <a:buNone/>
+              <a:defRPr sz="1600"/>
+            </a:lvl1pPr>
+            <a:lvl2pPr marL="457200" indent="0">
+              <a:buNone/>
+              <a:defRPr sz="1600"/>
+            </a:lvl2pPr>
+            <a:lvl3pPr marL="914400" indent="0">
+              <a:buNone/>
+              <a:defRPr sz="1600"/>
+            </a:lvl3pPr>
+            <a:lvl4pPr marL="1371600" indent="0">
+              <a:buNone/>
+              <a:defRPr sz="1600"/>
+            </a:lvl4pPr>
+            <a:lvl5pPr marL="1828800" indent="0">
+              <a:buNone/>
+              <a:defRPr sz="1600"/>
+            </a:lvl5pPr>
+            <a:lvl6pPr marL="2286000" indent="0">
+              <a:buNone/>
+              <a:defRPr sz="1600"/>
+            </a:lvl6pPr>
+            <a:lvl7pPr marL="2743200" indent="0">
+              <a:buNone/>
+              <a:defRPr sz="1600"/>
+            </a:lvl7pPr>
+            <a:lvl8pPr marL="3200400" indent="0">
+              <a:buNone/>
+              <a:defRPr sz="1600"/>
+            </a:lvl8pPr>
+            <a:lvl9pPr marL="3657600" indent="0">
+              <a:buNone/>
+              <a:defRPr sz="1600"/>
+            </a:lvl9pPr>
+          </a:lstStyle>
+          <a:p>
+            <a:r>
+              <a:rPr lang="en-US"/>
+              <a:t>Click icon to add picture</a:t>
+            </a:r>
+            <a:endParaRPr lang="en-US" dirty="0"/>
+          </a:p>
+        </p:txBody>
+      </p:sp>
+      <p:sp>
+        <p:nvSpPr>
+          <p:cNvPr id="27" name="Text Placeholder 3"/>
+          <p:cNvSpPr>
+            <a:spLocks noGrp="1"/>
+          </p:cNvSpPr>
+          <p:nvPr>
+            <p:ph type="body" sz="half" idx="20"/>
+          </p:nvPr>
+        </p:nvSpPr>
+        <p:spPr>
+          <a:xfrm>
+            <a:off x="8049731" y="4873761"/>
+            <a:ext cx="3452445" cy="1344921"/>
+          </a:xfrm>
+        </p:spPr>
+        <p:txBody>
+          <a:bodyPr anchor="t">
+            <a:normAutofit/>
+          </a:bodyPr>
+          <a:lstStyle>
+            <a:lvl1pPr marL="0" indent="0">
+              <a:buNone/>
+              <a:defRPr sz="1400"/>
+            </a:lvl1pPr>
+            <a:lvl2pPr marL="457200" indent="0">
+              <a:buNone/>
+              <a:defRPr sz="1200"/>
+            </a:lvl2pPr>
+            <a:lvl3pPr marL="914400" indent="0">
+              <a:buNone/>
+              <a:defRPr sz="1000"/>
+            </a:lvl3pPr>
+            <a:lvl4pPr marL="1371600" indent="0">
+              <a:buNone/>
+              <a:defRPr sz="900"/>
+            </a:lvl4pPr>
+            <a:lvl5pPr marL="1828800" indent="0">
+              <a:buNone/>
+              <a:defRPr sz="900"/>
+            </a:lvl5pPr>
+            <a:lvl6pPr marL="2286000" indent="0">
+              <a:buNone/>
+              <a:defRPr sz="900"/>
+            </a:lvl6pPr>
+            <a:lvl7pPr marL="2743200" indent="0">
+              <a:buNone/>
+              <a:defRPr sz="900"/>
+            </a:lvl7pPr>
+            <a:lvl8pPr marL="3200400" indent="0">
+              <a:buNone/>
+              <a:defRPr sz="900"/>
+            </a:lvl8pPr>
+            <a:lvl9pPr marL="3657600" indent="0">
+              <a:buNone/>
+              <a:defRPr sz="900"/>
+            </a:lvl9pPr>
+          </a:lstStyle>
+          <a:p>
+            <a:pPr lvl="0"/>
+            <a:r>
+              <a:rPr lang="en-US"/>
+              <a:t>Click to edit Master text styles</a:t>
+            </a:r>
+          </a:p>
+        </p:txBody>
+      </p:sp>
+      <p:sp>
+        <p:nvSpPr>
+          <p:cNvPr id="3" name="Date Placeholder 2"/>
+          <p:cNvSpPr>
+            <a:spLocks noGrp="1"/>
+          </p:cNvSpPr>
+          <p:nvPr>
+            <p:ph type="dt" sz="half" idx="10"/>
+          </p:nvPr>
+        </p:nvSpPr>
+        <p:spPr/>
+        <p:txBody>
+          <a:bodyPr/>
+          <a:lstStyle/>
+          <a:p>
+            <a:fld id="{9D648943-11F5-4E3A-89B9-4D7A01C331E0}" type="datetimeFigureOut">
+              <a:rPr lang="en-CA" smtClean="0"/>
+              <a:t>2019-11-29</a:t>
+            </a:fld>
+            <a:endParaRPr lang="en-CA"/>
+          </a:p>
+        </p:txBody>
+      </p:sp>
+      <p:sp>
+        <p:nvSpPr>
+          <p:cNvPr id="4" name="Footer Placeholder 3"/>
+          <p:cNvSpPr>
+            <a:spLocks noGrp="1"/>
+          </p:cNvSpPr>
+          <p:nvPr>
+            <p:ph type="ftr" sz="quarter" idx="11"/>
+          </p:nvPr>
+        </p:nvSpPr>
+        <p:spPr/>
+        <p:txBody>
+          <a:bodyPr/>
+          <a:lstStyle/>
+          <a:p>
+            <a:endParaRPr lang="en-CA"/>
+          </a:p>
+        </p:txBody>
+      </p:sp>
+      <p:sp>
+        <p:nvSpPr>
+          <p:cNvPr id="5" name="Slide Number Placeholder 4"/>
+          <p:cNvSpPr>
+            <a:spLocks noGrp="1"/>
+          </p:cNvSpPr>
+          <p:nvPr>
+            <p:ph type="sldNum" sz="quarter" idx="12"/>
+          </p:nvPr>
+        </p:nvSpPr>
+        <p:spPr/>
+        <p:txBody>
+          <a:bodyPr/>
+          <a:lstStyle/>
+          <a:p>
+            <a:fld id="{AAAB3E9E-D708-433F-A405-5153863355EE}" type="slidenum">
+              <a:rPr lang="en-CA" smtClean="0"/>
+              <a:t>‹#›</a:t>
+            </a:fld>
+            <a:endParaRPr lang="en-CA"/>
+          </a:p>
+        </p:txBody>
+      </p:sp>
+    </p:spTree>
+    <p:extLst>
+      <p:ext uri="{BB962C8B-B14F-4D97-AF65-F5344CB8AC3E}">
+        <p14:creationId xmlns:p14="http://schemas.microsoft.com/office/powerpoint/2010/main" val="3218277700"/>
+      </p:ext>
+    </p:extLst>
+  </p:cSld>
+  <p:clrMapOvr>
+    <a:masterClrMapping/>
+  </p:clrMapOvr>
+</p:sldLayout>
+</file>
+
+<file path=ppt/slideLayouts/slideLayout16.xml><?xml version="1.0" encoding="utf-8"?>
 <p:sldLayout xmlns:a="http://schemas.openxmlformats.org/drawingml/2006/main" xmlns:r="http://schemas.openxmlformats.org/officeDocument/2006/relationships" xmlns:p="http://schemas.openxmlformats.org/presentationml/2006/main" type="vertTx" preserve="1">
   <p:cSld name="Title and Vertical Text">
     <p:spTree>
@@ -351,13 +3495,7 @@
       </p:grpSpPr>
       <p:sp>
         <p:nvSpPr>
-          <p:cNvPr id="2" name="Title 1">
-            <a:extLst>
-              <a:ext uri="{FF2B5EF4-FFF2-40B4-BE49-F238E27FC236}">
-                <a16:creationId xmlns:a16="http://schemas.microsoft.com/office/drawing/2014/main" id="{F348249D-2D69-43B3-B132-FFBD03E34C6F}"/>
-              </a:ext>
-            </a:extLst>
-          </p:cNvPr>
+          <p:cNvPr id="2" name="Title 1"/>
           <p:cNvSpPr>
             <a:spLocks noGrp="1"/>
           </p:cNvSpPr>
@@ -374,18 +3512,13 @@
               <a:rPr lang="en-US"/>
               <a:t>Click to edit Master title style</a:t>
             </a:r>
-          </a:p>
-        </p:txBody>
-      </p:sp>
-      <p:sp>
-        <p:nvSpPr>
-          <p:cNvPr id="3" name="Vertical Text Placeholder 2">
-            <a:extLst>
-              <a:ext uri="{FF2B5EF4-FFF2-40B4-BE49-F238E27FC236}">
-                <a16:creationId xmlns:a16="http://schemas.microsoft.com/office/drawing/2014/main" id="{23B72A37-DB8D-49C0-B478-130C0E832471}"/>
-              </a:ext>
-            </a:extLst>
-          </p:cNvPr>
+            <a:endParaRPr lang="en-US" dirty="0"/>
+          </a:p>
+        </p:txBody>
+      </p:sp>
+      <p:sp>
+        <p:nvSpPr>
+          <p:cNvPr id="3" name="Vertical Text Placeholder 2"/>
           <p:cNvSpPr>
             <a:spLocks noGrp="1"/>
           </p:cNvSpPr>
@@ -393,61 +3526,84 @@
             <p:ph type="body" orient="vert" idx="1"/>
           </p:nvPr>
         </p:nvSpPr>
+        <p:spPr>
+          <a:xfrm>
+            <a:off x="685800" y="2194559"/>
+            <a:ext cx="10820400" cy="4024125"/>
+          </a:xfrm>
+        </p:spPr>
+        <p:txBody>
+          <a:bodyPr vert="eaVert"/>
+          <a:lstStyle/>
+          <a:p>
+            <a:pPr lvl="0"/>
+            <a:r>
+              <a:rPr lang="en-US"/>
+              <a:t>Click to edit Master text styles</a:t>
+            </a:r>
+          </a:p>
+          <a:p>
+            <a:pPr lvl="1"/>
+            <a:r>
+              <a:rPr lang="en-US"/>
+              <a:t>Second level</a:t>
+            </a:r>
+          </a:p>
+          <a:p>
+            <a:pPr lvl="2"/>
+            <a:r>
+              <a:rPr lang="en-US"/>
+              <a:t>Third level</a:t>
+            </a:r>
+          </a:p>
+          <a:p>
+            <a:pPr lvl="3"/>
+            <a:r>
+              <a:rPr lang="en-US"/>
+              <a:t>Fourth level</a:t>
+            </a:r>
+          </a:p>
+          <a:p>
+            <a:pPr lvl="4"/>
+            <a:r>
+              <a:rPr lang="en-US"/>
+              <a:t>Fifth level</a:t>
+            </a:r>
+            <a:endParaRPr lang="en-US" dirty="0"/>
+          </a:p>
+        </p:txBody>
+      </p:sp>
+      <p:sp>
+        <p:nvSpPr>
+          <p:cNvPr id="4" name="Date Placeholder 3"/>
+          <p:cNvSpPr>
+            <a:spLocks noGrp="1"/>
+          </p:cNvSpPr>
+          <p:nvPr>
+            <p:ph type="dt" sz="half" idx="10"/>
+          </p:nvPr>
+        </p:nvSpPr>
         <p:spPr/>
         <p:txBody>
-          <a:bodyPr vert="eaVert"/>
-          <a:lstStyle/>
-          <a:p>
-            <a:pPr lvl="0"/>
-            <a:r>
-              <a:rPr lang="en-US"/>
-              <a:t>Click to edit Master text styles</a:t>
-            </a:r>
-          </a:p>
-          <a:p>
-            <a:pPr lvl="1"/>
-            <a:r>
-              <a:rPr lang="en-US"/>
-              <a:t>Second level</a:t>
-            </a:r>
-          </a:p>
-          <a:p>
-            <a:pPr lvl="2"/>
-            <a:r>
-              <a:rPr lang="en-US"/>
-              <a:t>Third level</a:t>
-            </a:r>
-          </a:p>
-          <a:p>
-            <a:pPr lvl="3"/>
-            <a:r>
-              <a:rPr lang="en-US"/>
-              <a:t>Fourth level</a:t>
-            </a:r>
-          </a:p>
-          <a:p>
-            <a:pPr lvl="4"/>
-            <a:r>
-              <a:rPr lang="en-US"/>
-              <a:t>Fifth level</a:t>
-            </a:r>
-          </a:p>
-        </p:txBody>
-      </p:sp>
-      <p:sp>
-        <p:nvSpPr>
-          <p:cNvPr id="4" name="Date Placeholder 3">
-            <a:extLst>
-              <a:ext uri="{FF2B5EF4-FFF2-40B4-BE49-F238E27FC236}">
-                <a16:creationId xmlns:a16="http://schemas.microsoft.com/office/drawing/2014/main" id="{C5DD076F-2539-4479-9AA7-08492BDE23EA}"/>
-              </a:ext>
-            </a:extLst>
-          </p:cNvPr>
-          <p:cNvSpPr>
-            <a:spLocks noGrp="1"/>
-          </p:cNvSpPr>
-          <p:nvPr>
-            <p:ph type="dt" sz="half" idx="10"/>
+          <a:bodyPr/>
+          <a:lstStyle/>
+          <a:p>
+            <a:fld id="{9D648943-11F5-4E3A-89B9-4D7A01C331E0}" type="datetimeFigureOut">
+              <a:rPr lang="en-CA" smtClean="0"/>
+              <a:t>2019-11-29</a:t>
+            </a:fld>
+            <a:endParaRPr lang="en-CA"/>
+          </a:p>
+        </p:txBody>
+      </p:sp>
+      <p:sp>
+        <p:nvSpPr>
+          <p:cNvPr id="5" name="Footer Placeholder 4"/>
+          <p:cNvSpPr>
+            <a:spLocks noGrp="1"/>
+          </p:cNvSpPr>
+          <p:nvPr>
+            <p:ph type="ftr" sz="quarter" idx="11"/>
           </p:nvPr>
         </p:nvSpPr>
         <p:spPr/>
@@ -455,28 +3611,18 @@
           <a:bodyPr/>
           <a:lstStyle/>
           <a:p>
-            <a:fld id="{C594B370-BBCB-4061-B0A8-180371CA5BFD}" type="datetimeFigureOut">
-              <a:rPr lang="en-US" smtClean="0"/>
-              <a:t>11/29/2019</a:t>
-            </a:fld>
-            <a:endParaRPr lang="en-US"/>
-          </a:p>
-        </p:txBody>
-      </p:sp>
-      <p:sp>
-        <p:nvSpPr>
-          <p:cNvPr id="5" name="Footer Placeholder 4">
-            <a:extLst>
-              <a:ext uri="{FF2B5EF4-FFF2-40B4-BE49-F238E27FC236}">
-                <a16:creationId xmlns:a16="http://schemas.microsoft.com/office/drawing/2014/main" id="{E46D1C3D-E919-40CB-8271-AF7821DF999C}"/>
-              </a:ext>
-            </a:extLst>
-          </p:cNvPr>
-          <p:cNvSpPr>
-            <a:spLocks noGrp="1"/>
-          </p:cNvSpPr>
-          <p:nvPr>
-            <p:ph type="ftr" sz="quarter" idx="11"/>
+            <a:endParaRPr lang="en-CA"/>
+          </a:p>
+        </p:txBody>
+      </p:sp>
+      <p:sp>
+        <p:nvSpPr>
+          <p:cNvPr id="6" name="Slide Number Placeholder 5"/>
+          <p:cNvSpPr>
+            <a:spLocks noGrp="1"/>
+          </p:cNvSpPr>
+          <p:nvPr>
+            <p:ph type="sldNum" sz="quarter" idx="12"/>
           </p:nvPr>
         </p:nvSpPr>
         <p:spPr/>
@@ -484,43 +3630,18 @@
           <a:bodyPr/>
           <a:lstStyle/>
           <a:p>
-            <a:endParaRPr lang="en-US"/>
-          </a:p>
-        </p:txBody>
-      </p:sp>
-      <p:sp>
-        <p:nvSpPr>
-          <p:cNvPr id="6" name="Slide Number Placeholder 5">
-            <a:extLst>
-              <a:ext uri="{FF2B5EF4-FFF2-40B4-BE49-F238E27FC236}">
-                <a16:creationId xmlns:a16="http://schemas.microsoft.com/office/drawing/2014/main" id="{1BB6041B-7EFF-42D9-A8E9-C2C4C63023F1}"/>
-              </a:ext>
-            </a:extLst>
-          </p:cNvPr>
-          <p:cNvSpPr>
-            <a:spLocks noGrp="1"/>
-          </p:cNvSpPr>
-          <p:nvPr>
-            <p:ph type="sldNum" sz="quarter" idx="12"/>
-          </p:nvPr>
-        </p:nvSpPr>
-        <p:spPr/>
-        <p:txBody>
-          <a:bodyPr/>
-          <a:lstStyle/>
-          <a:p>
-            <a:fld id="{DAA8937E-7481-4FBA-8BC6-5EF0F3CC8223}" type="slidenum">
-              <a:rPr lang="en-US" smtClean="0"/>
+            <a:fld id="{AAAB3E9E-D708-433F-A405-5153863355EE}" type="slidenum">
+              <a:rPr lang="en-CA" smtClean="0"/>
               <a:t>‹#›</a:t>
             </a:fld>
-            <a:endParaRPr lang="en-US"/>
+            <a:endParaRPr lang="en-CA"/>
           </a:p>
         </p:txBody>
       </p:sp>
     </p:spTree>
     <p:extLst>
       <p:ext uri="{BB962C8B-B14F-4D97-AF65-F5344CB8AC3E}">
-        <p14:creationId xmlns:p14="http://schemas.microsoft.com/office/powerpoint/2010/main" val="1853294985"/>
+        <p14:creationId xmlns:p14="http://schemas.microsoft.com/office/powerpoint/2010/main" val="1979779964"/>
       </p:ext>
     </p:extLst>
   </p:cSld>
@@ -530,8 +3651,8 @@
 </p:sldLayout>
 </file>
 
-<file path=ppt/slideLayouts/slideLayout11.xml><?xml version="1.0" encoding="utf-8"?>
-<p:sldLayout xmlns:a="http://schemas.openxmlformats.org/drawingml/2006/main" xmlns:r="http://schemas.openxmlformats.org/officeDocument/2006/relationships" xmlns:p="http://schemas.openxmlformats.org/presentationml/2006/main" type="vertTitleAndTx" preserve="1">
+<file path=ppt/slideLayouts/slideLayout17.xml><?xml version="1.0" encoding="utf-8"?>
+<p:sldLayout xmlns:a="http://schemas.openxmlformats.org/drawingml/2006/main" xmlns:r="http://schemas.openxmlformats.org/officeDocument/2006/relationships" xmlns:p="http://schemas.openxmlformats.org/presentationml/2006/main" showMasterSp="0" type="vertTitleAndTx" preserve="1">
   <p:cSld name="Vertical Title and Text">
     <p:spTree>
       <p:nvGrpSpPr>
@@ -547,15 +3668,39 @@
           <a:chExt cx="0" cy="0"/>
         </a:xfrm>
       </p:grpSpPr>
-      <p:sp>
-        <p:nvSpPr>
-          <p:cNvPr id="2" name="Vertical Title 1">
+      <p:pic>
+        <p:nvPicPr>
+          <p:cNvPr id="8" name="Picture 7" descr="C0-HD-BTM.png"/>
+          <p:cNvPicPr>
+            <a:picLocks noChangeAspect="1"/>
+          </p:cNvPicPr>
+          <p:nvPr/>
+        </p:nvPicPr>
+        <p:blipFill>
+          <a:blip r:embed="rId2">
             <a:extLst>
-              <a:ext uri="{FF2B5EF4-FFF2-40B4-BE49-F238E27FC236}">
-                <a16:creationId xmlns:a16="http://schemas.microsoft.com/office/drawing/2014/main" id="{51DF0A9D-4BE5-4DC1-8C25-354462832607}"/>
+              <a:ext uri="{28A0092B-C50C-407E-A947-70E740481C1C}">
+                <a14:useLocalDpi xmlns:a14="http://schemas.microsoft.com/office/drawing/2010/main" val="0"/>
               </a:ext>
             </a:extLst>
-          </p:cNvPr>
+          </a:blip>
+          <a:stretch>
+            <a:fillRect/>
+          </a:stretch>
+        </p:blipFill>
+        <p:spPr>
+          <a:xfrm>
+            <a:off x="0" y="4375150"/>
+            <a:ext cx="12192000" cy="2482850"/>
+          </a:xfrm>
+          <a:prstGeom prst="rect">
+            <a:avLst/>
+          </a:prstGeom>
+        </p:spPr>
+      </p:pic>
+      <p:sp>
+        <p:nvSpPr>
+          <p:cNvPr id="2" name="Vertical Title 1"/>
           <p:cNvSpPr>
             <a:spLocks noGrp="1"/>
           </p:cNvSpPr>
@@ -565,30 +3710,29 @@
         </p:nvSpPr>
         <p:spPr>
           <a:xfrm>
-            <a:off x="8724900" y="365125"/>
-            <a:ext cx="2628900" cy="5811838"/>
+            <a:off x="9448800" y="745066"/>
+            <a:ext cx="2057400" cy="3903133"/>
           </a:xfrm>
         </p:spPr>
         <p:txBody>
           <a:bodyPr vert="eaVert"/>
-          <a:lstStyle/>
+          <a:lstStyle>
+            <a:lvl1pPr algn="l">
+              <a:defRPr/>
+            </a:lvl1pPr>
+          </a:lstStyle>
           <a:p>
             <a:r>
               <a:rPr lang="en-US"/>
               <a:t>Click to edit Master title style</a:t>
             </a:r>
-          </a:p>
-        </p:txBody>
-      </p:sp>
-      <p:sp>
-        <p:nvSpPr>
-          <p:cNvPr id="3" name="Vertical Text Placeholder 2">
-            <a:extLst>
-              <a:ext uri="{FF2B5EF4-FFF2-40B4-BE49-F238E27FC236}">
-                <a16:creationId xmlns:a16="http://schemas.microsoft.com/office/drawing/2014/main" id="{977AA381-D945-4C5D-BAE6-5E88DAB02FE6}"/>
-              </a:ext>
-            </a:extLst>
-          </p:cNvPr>
+            <a:endParaRPr lang="en-US" dirty="0"/>
+          </a:p>
+        </p:txBody>
+      </p:sp>
+      <p:sp>
+        <p:nvSpPr>
+          <p:cNvPr id="3" name="Vertical Text Placeholder 2"/>
           <p:cNvSpPr>
             <a:spLocks noGrp="1"/>
           </p:cNvSpPr>
@@ -598,8 +3742,8 @@
         </p:nvSpPr>
         <p:spPr>
           <a:xfrm>
-            <a:off x="838200" y="365125"/>
-            <a:ext cx="7734300" cy="5811838"/>
+            <a:off x="1024466" y="745067"/>
+            <a:ext cx="8204201" cy="3903133"/>
           </a:xfrm>
         </p:spPr>
         <p:txBody>
@@ -639,18 +3783,13 @@
               <a:rPr lang="en-US"/>
               <a:t>Fifth level</a:t>
             </a:r>
-          </a:p>
-        </p:txBody>
-      </p:sp>
-      <p:sp>
-        <p:nvSpPr>
-          <p:cNvPr id="4" name="Date Placeholder 3">
-            <a:extLst>
-              <a:ext uri="{FF2B5EF4-FFF2-40B4-BE49-F238E27FC236}">
-                <a16:creationId xmlns:a16="http://schemas.microsoft.com/office/drawing/2014/main" id="{B09D5A7D-003B-41F2-A586-68349D1DA8E6}"/>
-              </a:ext>
-            </a:extLst>
-          </p:cNvPr>
+            <a:endParaRPr lang="en-US" dirty="0"/>
+          </a:p>
+        </p:txBody>
+      </p:sp>
+      <p:sp>
+        <p:nvSpPr>
+          <p:cNvPr id="4" name="Date Placeholder 3"/>
           <p:cNvSpPr>
             <a:spLocks noGrp="1"/>
           </p:cNvSpPr>
@@ -658,28 +3797,31 @@
             <p:ph type="dt" sz="half" idx="10"/>
           </p:nvPr>
         </p:nvSpPr>
-        <p:spPr/>
+        <p:spPr>
+          <a:xfrm>
+            <a:off x="7814452" y="379941"/>
+            <a:ext cx="2910840" cy="365125"/>
+          </a:xfrm>
+        </p:spPr>
         <p:txBody>
           <a:bodyPr/>
-          <a:lstStyle/>
-          <a:p>
-            <a:fld id="{C594B370-BBCB-4061-B0A8-180371CA5BFD}" type="datetimeFigureOut">
-              <a:rPr lang="en-US" smtClean="0"/>
-              <a:t>11/29/2019</a:t>
+          <a:lstStyle>
+            <a:lvl1pPr algn="r">
+              <a:defRPr/>
+            </a:lvl1pPr>
+          </a:lstStyle>
+          <a:p>
+            <a:fld id="{9D648943-11F5-4E3A-89B9-4D7A01C331E0}" type="datetimeFigureOut">
+              <a:rPr lang="en-CA" smtClean="0"/>
+              <a:t>2019-11-29</a:t>
             </a:fld>
-            <a:endParaRPr lang="en-US"/>
-          </a:p>
-        </p:txBody>
-      </p:sp>
-      <p:sp>
-        <p:nvSpPr>
-          <p:cNvPr id="5" name="Footer Placeholder 4">
-            <a:extLst>
-              <a:ext uri="{FF2B5EF4-FFF2-40B4-BE49-F238E27FC236}">
-                <a16:creationId xmlns:a16="http://schemas.microsoft.com/office/drawing/2014/main" id="{BC28EDE1-3479-4F2B-8057-70665878E461}"/>
-              </a:ext>
-            </a:extLst>
-          </p:cNvPr>
+            <a:endParaRPr lang="en-CA"/>
+          </a:p>
+        </p:txBody>
+      </p:sp>
+      <p:sp>
+        <p:nvSpPr>
+          <p:cNvPr id="5" name="Footer Placeholder 4"/>
           <p:cNvSpPr>
             <a:spLocks noGrp="1"/>
           </p:cNvSpPr>
@@ -687,24 +3829,23 @@
             <p:ph type="ftr" sz="quarter" idx="11"/>
           </p:nvPr>
         </p:nvSpPr>
-        <p:spPr/>
+        <p:spPr>
+          <a:xfrm>
+            <a:off x="685800" y="381000"/>
+            <a:ext cx="6991492" cy="365125"/>
+          </a:xfrm>
+        </p:spPr>
         <p:txBody>
           <a:bodyPr/>
           <a:lstStyle/>
           <a:p>
-            <a:endParaRPr lang="en-US"/>
-          </a:p>
-        </p:txBody>
-      </p:sp>
-      <p:sp>
-        <p:nvSpPr>
-          <p:cNvPr id="6" name="Slide Number Placeholder 5">
-            <a:extLst>
-              <a:ext uri="{FF2B5EF4-FFF2-40B4-BE49-F238E27FC236}">
-                <a16:creationId xmlns:a16="http://schemas.microsoft.com/office/drawing/2014/main" id="{095091B8-FA5F-4072-9A41-2FDA922EC874}"/>
-              </a:ext>
-            </a:extLst>
-          </p:cNvPr>
+            <a:endParaRPr lang="en-CA"/>
+          </a:p>
+        </p:txBody>
+      </p:sp>
+      <p:sp>
+        <p:nvSpPr>
+          <p:cNvPr id="6" name="Slide Number Placeholder 5"/>
           <p:cNvSpPr>
             <a:spLocks noGrp="1"/>
           </p:cNvSpPr>
@@ -712,29 +3853,39 @@
             <p:ph type="sldNum" sz="quarter" idx="12"/>
           </p:nvPr>
         </p:nvSpPr>
-        <p:spPr/>
+        <p:spPr>
+          <a:xfrm>
+            <a:off x="10862452" y="381000"/>
+            <a:ext cx="643748" cy="365125"/>
+          </a:xfrm>
+        </p:spPr>
         <p:txBody>
           <a:bodyPr/>
           <a:lstStyle/>
           <a:p>
-            <a:fld id="{DAA8937E-7481-4FBA-8BC6-5EF0F3CC8223}" type="slidenum">
-              <a:rPr lang="en-US" smtClean="0"/>
+            <a:fld id="{AAAB3E9E-D708-433F-A405-5153863355EE}" type="slidenum">
+              <a:rPr lang="en-CA" smtClean="0"/>
               <a:t>‹#›</a:t>
             </a:fld>
-            <a:endParaRPr lang="en-US"/>
+            <a:endParaRPr lang="en-CA"/>
           </a:p>
         </p:txBody>
       </p:sp>
     </p:spTree>
     <p:extLst>
       <p:ext uri="{BB962C8B-B14F-4D97-AF65-F5344CB8AC3E}">
-        <p14:creationId xmlns:p14="http://schemas.microsoft.com/office/powerpoint/2010/main" val="1624911369"/>
+        <p14:creationId xmlns:p14="http://schemas.microsoft.com/office/powerpoint/2010/main" val="3144141000"/>
       </p:ext>
     </p:extLst>
   </p:cSld>
   <p:clrMapOvr>
     <a:masterClrMapping/>
   </p:clrMapOvr>
+  <p:extLst>
+    <p:ext uri="{DCECCB84-F9BA-43D5-87BE-67443E8EF086}">
+      <p15:sldGuideLst xmlns:p15="http://schemas.microsoft.com/office/powerpoint/2012/main"/>
+    </p:ext>
+  </p:extLst>
 </p:sldLayout>
 </file>
 
@@ -757,13 +3908,7 @@
       </p:grpSpPr>
       <p:sp>
         <p:nvSpPr>
-          <p:cNvPr id="2" name="Title 1">
-            <a:extLst>
-              <a:ext uri="{FF2B5EF4-FFF2-40B4-BE49-F238E27FC236}">
-                <a16:creationId xmlns:a16="http://schemas.microsoft.com/office/drawing/2014/main" id="{EF40C1D5-805C-4217-B9AB-8C2B239A2859}"/>
-              </a:ext>
-            </a:extLst>
-          </p:cNvPr>
+          <p:cNvPr id="2" name="Title 1"/>
           <p:cNvSpPr>
             <a:spLocks noGrp="1"/>
           </p:cNvSpPr>
@@ -780,18 +3925,13 @@
               <a:rPr lang="en-US"/>
               <a:t>Click to edit Master title style</a:t>
             </a:r>
-          </a:p>
-        </p:txBody>
-      </p:sp>
-      <p:sp>
-        <p:nvSpPr>
-          <p:cNvPr id="3" name="Content Placeholder 2">
-            <a:extLst>
-              <a:ext uri="{FF2B5EF4-FFF2-40B4-BE49-F238E27FC236}">
-                <a16:creationId xmlns:a16="http://schemas.microsoft.com/office/drawing/2014/main" id="{A1BEFCBA-6B06-456D-8EE4-602A2F1F6B2B}"/>
-              </a:ext>
-            </a:extLst>
-          </p:cNvPr>
+            <a:endParaRPr lang="en-US" dirty="0"/>
+          </a:p>
+        </p:txBody>
+      </p:sp>
+      <p:sp>
+        <p:nvSpPr>
+          <p:cNvPr id="3" name="Content Placeholder 2"/>
           <p:cNvSpPr>
             <a:spLocks noGrp="1"/>
           </p:cNvSpPr>
@@ -837,18 +3977,13 @@
               <a:rPr lang="en-US"/>
               <a:t>Fifth level</a:t>
             </a:r>
-          </a:p>
-        </p:txBody>
-      </p:sp>
-      <p:sp>
-        <p:nvSpPr>
-          <p:cNvPr id="4" name="Date Placeholder 3">
-            <a:extLst>
-              <a:ext uri="{FF2B5EF4-FFF2-40B4-BE49-F238E27FC236}">
-                <a16:creationId xmlns:a16="http://schemas.microsoft.com/office/drawing/2014/main" id="{F4D86B52-3F5D-4CA2-AB1B-EF06B799C745}"/>
-              </a:ext>
-            </a:extLst>
-          </p:cNvPr>
+            <a:endParaRPr lang="en-US" dirty="0"/>
+          </a:p>
+        </p:txBody>
+      </p:sp>
+      <p:sp>
+        <p:nvSpPr>
+          <p:cNvPr id="4" name="Date Placeholder 3"/>
           <p:cNvSpPr>
             <a:spLocks noGrp="1"/>
           </p:cNvSpPr>
@@ -861,23 +3996,17 @@
           <a:bodyPr/>
           <a:lstStyle/>
           <a:p>
-            <a:fld id="{C594B370-BBCB-4061-B0A8-180371CA5BFD}" type="datetimeFigureOut">
-              <a:rPr lang="en-US" smtClean="0"/>
-              <a:t>11/29/2019</a:t>
+            <a:fld id="{9D648943-11F5-4E3A-89B9-4D7A01C331E0}" type="datetimeFigureOut">
+              <a:rPr lang="en-CA" smtClean="0"/>
+              <a:t>2019-11-29</a:t>
             </a:fld>
-            <a:endParaRPr lang="en-US"/>
-          </a:p>
-        </p:txBody>
-      </p:sp>
-      <p:sp>
-        <p:nvSpPr>
-          <p:cNvPr id="5" name="Footer Placeholder 4">
-            <a:extLst>
-              <a:ext uri="{FF2B5EF4-FFF2-40B4-BE49-F238E27FC236}">
-                <a16:creationId xmlns:a16="http://schemas.microsoft.com/office/drawing/2014/main" id="{AF4F2678-EF8C-4BB3-85ED-801278FFEDD9}"/>
-              </a:ext>
-            </a:extLst>
-          </p:cNvPr>
+            <a:endParaRPr lang="en-CA"/>
+          </a:p>
+        </p:txBody>
+      </p:sp>
+      <p:sp>
+        <p:nvSpPr>
+          <p:cNvPr id="5" name="Footer Placeholder 4"/>
           <p:cNvSpPr>
             <a:spLocks noGrp="1"/>
           </p:cNvSpPr>
@@ -890,19 +4019,13 @@
           <a:bodyPr/>
           <a:lstStyle/>
           <a:p>
-            <a:endParaRPr lang="en-US"/>
-          </a:p>
-        </p:txBody>
-      </p:sp>
-      <p:sp>
-        <p:nvSpPr>
-          <p:cNvPr id="6" name="Slide Number Placeholder 5">
-            <a:extLst>
-              <a:ext uri="{FF2B5EF4-FFF2-40B4-BE49-F238E27FC236}">
-                <a16:creationId xmlns:a16="http://schemas.microsoft.com/office/drawing/2014/main" id="{7D5F2079-116A-41C1-8328-2863193375BA}"/>
-              </a:ext>
-            </a:extLst>
-          </p:cNvPr>
+            <a:endParaRPr lang="en-CA"/>
+          </a:p>
+        </p:txBody>
+      </p:sp>
+      <p:sp>
+        <p:nvSpPr>
+          <p:cNvPr id="6" name="Slide Number Placeholder 5"/>
           <p:cNvSpPr>
             <a:spLocks noGrp="1"/>
           </p:cNvSpPr>
@@ -915,18 +4038,18 @@
           <a:bodyPr/>
           <a:lstStyle/>
           <a:p>
-            <a:fld id="{DAA8937E-7481-4FBA-8BC6-5EF0F3CC8223}" type="slidenum">
-              <a:rPr lang="en-US" smtClean="0"/>
+            <a:fld id="{AAAB3E9E-D708-433F-A405-5153863355EE}" type="slidenum">
+              <a:rPr lang="en-CA" smtClean="0"/>
               <a:t>‹#›</a:t>
             </a:fld>
-            <a:endParaRPr lang="en-US"/>
+            <a:endParaRPr lang="en-CA"/>
           </a:p>
         </p:txBody>
       </p:sp>
     </p:spTree>
     <p:extLst>
       <p:ext uri="{BB962C8B-B14F-4D97-AF65-F5344CB8AC3E}">
-        <p14:creationId xmlns:p14="http://schemas.microsoft.com/office/powerpoint/2010/main" val="3874467186"/>
+        <p14:creationId xmlns:p14="http://schemas.microsoft.com/office/powerpoint/2010/main" val="2616926345"/>
       </p:ext>
     </p:extLst>
   </p:cSld>
@@ -937,7 +4060,7 @@
 </file>
 
 <file path=ppt/slideLayouts/slideLayout3.xml><?xml version="1.0" encoding="utf-8"?>
-<p:sldLayout xmlns:a="http://schemas.openxmlformats.org/drawingml/2006/main" xmlns:r="http://schemas.openxmlformats.org/officeDocument/2006/relationships" xmlns:p="http://schemas.openxmlformats.org/presentationml/2006/main" type="secHead" preserve="1">
+<p:sldLayout xmlns:a="http://schemas.openxmlformats.org/drawingml/2006/main" xmlns:r="http://schemas.openxmlformats.org/officeDocument/2006/relationships" xmlns:p="http://schemas.openxmlformats.org/presentationml/2006/main" showMasterSp="0" type="secHead" preserve="1">
   <p:cSld name="Section Header">
     <p:spTree>
       <p:nvGrpSpPr>
@@ -953,15 +4076,39 @@
           <a:chExt cx="0" cy="0"/>
         </a:xfrm>
       </p:grpSpPr>
-      <p:sp>
-        <p:nvSpPr>
-          <p:cNvPr id="2" name="Title 1">
+      <p:pic>
+        <p:nvPicPr>
+          <p:cNvPr id="9" name="Picture 8" descr="C0-HD-BTM.png"/>
+          <p:cNvPicPr>
+            <a:picLocks noChangeAspect="1"/>
+          </p:cNvPicPr>
+          <p:nvPr/>
+        </p:nvPicPr>
+        <p:blipFill>
+          <a:blip r:embed="rId2">
             <a:extLst>
-              <a:ext uri="{FF2B5EF4-FFF2-40B4-BE49-F238E27FC236}">
-                <a16:creationId xmlns:a16="http://schemas.microsoft.com/office/drawing/2014/main" id="{66064D8A-7269-41E0-A288-615DCE8E9464}"/>
+              <a:ext uri="{28A0092B-C50C-407E-A947-70E740481C1C}">
+                <a14:useLocalDpi xmlns:a14="http://schemas.microsoft.com/office/drawing/2010/main" val="0"/>
               </a:ext>
             </a:extLst>
-          </p:cNvPr>
+          </a:blip>
+          <a:stretch>
+            <a:fillRect/>
+          </a:stretch>
+        </p:blipFill>
+        <p:spPr>
+          <a:xfrm>
+            <a:off x="0" y="4375150"/>
+            <a:ext cx="12192000" cy="2482850"/>
+          </a:xfrm>
+          <a:prstGeom prst="rect">
+            <a:avLst/>
+          </a:prstGeom>
+        </p:spPr>
+      </p:pic>
+      <p:sp>
+        <p:nvSpPr>
+          <p:cNvPr id="2" name="Title 1"/>
           <p:cNvSpPr>
             <a:spLocks noGrp="1"/>
           </p:cNvSpPr>
@@ -971,15 +4118,17 @@
         </p:nvSpPr>
         <p:spPr>
           <a:xfrm>
-            <a:off x="831850" y="1709738"/>
-            <a:ext cx="10515600" cy="2852737"/>
-          </a:xfrm>
-        </p:spPr>
-        <p:txBody>
-          <a:bodyPr anchor="b"/>
+            <a:off x="685800" y="753533"/>
+            <a:ext cx="10820399" cy="2801935"/>
+          </a:xfrm>
+        </p:spPr>
+        <p:txBody>
+          <a:bodyPr anchor="b">
+            <a:normAutofit/>
+          </a:bodyPr>
           <a:lstStyle>
-            <a:lvl1pPr>
-              <a:defRPr sz="6000"/>
+            <a:lvl1pPr algn="r">
+              <a:defRPr sz="4000"/>
             </a:lvl1pPr>
           </a:lstStyle>
           <a:p>
@@ -987,18 +4136,13 @@
               <a:rPr lang="en-US"/>
               <a:t>Click to edit Master title style</a:t>
             </a:r>
-          </a:p>
-        </p:txBody>
-      </p:sp>
-      <p:sp>
-        <p:nvSpPr>
-          <p:cNvPr id="3" name="Text Placeholder 2">
-            <a:extLst>
-              <a:ext uri="{FF2B5EF4-FFF2-40B4-BE49-F238E27FC236}">
-                <a16:creationId xmlns:a16="http://schemas.microsoft.com/office/drawing/2014/main" id="{C5D7871A-5C2F-49F6-95A5-164EC1E1D82C}"/>
-              </a:ext>
-            </a:extLst>
-          </p:cNvPr>
+            <a:endParaRPr lang="en-US" dirty="0"/>
+          </a:p>
+        </p:txBody>
+      </p:sp>
+      <p:sp>
+        <p:nvSpPr>
+          <p:cNvPr id="3" name="Text Placeholder 2"/>
           <p:cNvSpPr>
             <a:spLocks noGrp="1"/>
           </p:cNvSpPr>
@@ -1008,16 +4152,18 @@
         </p:nvSpPr>
         <p:spPr>
           <a:xfrm>
-            <a:off x="831850" y="4589463"/>
-            <a:ext cx="10515600" cy="1500187"/>
-          </a:xfrm>
-        </p:spPr>
-        <p:txBody>
-          <a:bodyPr/>
+            <a:off x="1024467" y="3641725"/>
+            <a:ext cx="10490200" cy="955675"/>
+          </a:xfrm>
+        </p:spPr>
+        <p:txBody>
+          <a:bodyPr>
+            <a:normAutofit/>
+          </a:bodyPr>
           <a:lstStyle>
-            <a:lvl1pPr marL="0" indent="0">
-              <a:buNone/>
-              <a:defRPr sz="2400">
+            <a:lvl1pPr marL="0" indent="0" algn="r">
+              <a:buNone/>
+              <a:defRPr sz="2200">
                 <a:solidFill>
                   <a:schemeClr val="tx1">
                     <a:tint val="75000"/>
@@ -1117,13 +4263,7 @@
       </p:sp>
       <p:sp>
         <p:nvSpPr>
-          <p:cNvPr id="4" name="Date Placeholder 3">
-            <a:extLst>
-              <a:ext uri="{FF2B5EF4-FFF2-40B4-BE49-F238E27FC236}">
-                <a16:creationId xmlns:a16="http://schemas.microsoft.com/office/drawing/2014/main" id="{707ED211-1ED3-49DA-BA90-A599680886F3}"/>
-              </a:ext>
-            </a:extLst>
-          </p:cNvPr>
+          <p:cNvPr id="4" name="Date Placeholder 3"/>
           <p:cNvSpPr>
             <a:spLocks noGrp="1"/>
           </p:cNvSpPr>
@@ -1131,28 +4271,31 @@
             <p:ph type="dt" sz="half" idx="10"/>
           </p:nvPr>
         </p:nvSpPr>
-        <p:spPr/>
+        <p:spPr>
+          <a:xfrm>
+            <a:off x="7814452" y="381000"/>
+            <a:ext cx="2910840" cy="365125"/>
+          </a:xfrm>
+        </p:spPr>
         <p:txBody>
           <a:bodyPr/>
-          <a:lstStyle/>
-          <a:p>
-            <a:fld id="{C594B370-BBCB-4061-B0A8-180371CA5BFD}" type="datetimeFigureOut">
-              <a:rPr lang="en-US" smtClean="0"/>
-              <a:t>11/29/2019</a:t>
+          <a:lstStyle>
+            <a:lvl1pPr algn="r">
+              <a:defRPr/>
+            </a:lvl1pPr>
+          </a:lstStyle>
+          <a:p>
+            <a:fld id="{9D648943-11F5-4E3A-89B9-4D7A01C331E0}" type="datetimeFigureOut">
+              <a:rPr lang="en-CA" smtClean="0"/>
+              <a:t>2019-11-29</a:t>
             </a:fld>
-            <a:endParaRPr lang="en-US"/>
-          </a:p>
-        </p:txBody>
-      </p:sp>
-      <p:sp>
-        <p:nvSpPr>
-          <p:cNvPr id="5" name="Footer Placeholder 4">
-            <a:extLst>
-              <a:ext uri="{FF2B5EF4-FFF2-40B4-BE49-F238E27FC236}">
-                <a16:creationId xmlns:a16="http://schemas.microsoft.com/office/drawing/2014/main" id="{13B2B603-71D8-4215-8D80-AE29CDEDC29E}"/>
-              </a:ext>
-            </a:extLst>
-          </p:cNvPr>
+            <a:endParaRPr lang="en-CA"/>
+          </a:p>
+        </p:txBody>
+      </p:sp>
+      <p:sp>
+        <p:nvSpPr>
+          <p:cNvPr id="5" name="Footer Placeholder 4"/>
           <p:cNvSpPr>
             <a:spLocks noGrp="1"/>
           </p:cNvSpPr>
@@ -1160,24 +4303,23 @@
             <p:ph type="ftr" sz="quarter" idx="11"/>
           </p:nvPr>
         </p:nvSpPr>
-        <p:spPr/>
+        <p:spPr>
+          <a:xfrm>
+            <a:off x="685800" y="381001"/>
+            <a:ext cx="6991492" cy="364065"/>
+          </a:xfrm>
+        </p:spPr>
         <p:txBody>
           <a:bodyPr/>
           <a:lstStyle/>
           <a:p>
-            <a:endParaRPr lang="en-US"/>
-          </a:p>
-        </p:txBody>
-      </p:sp>
-      <p:sp>
-        <p:nvSpPr>
-          <p:cNvPr id="6" name="Slide Number Placeholder 5">
-            <a:extLst>
-              <a:ext uri="{FF2B5EF4-FFF2-40B4-BE49-F238E27FC236}">
-                <a16:creationId xmlns:a16="http://schemas.microsoft.com/office/drawing/2014/main" id="{59E4ACCA-BD93-428A-A2BE-3D6BA27B55DC}"/>
-              </a:ext>
-            </a:extLst>
-          </p:cNvPr>
+            <a:endParaRPr lang="en-CA"/>
+          </a:p>
+        </p:txBody>
+      </p:sp>
+      <p:sp>
+        <p:nvSpPr>
+          <p:cNvPr id="6" name="Slide Number Placeholder 5"/>
           <p:cNvSpPr>
             <a:spLocks noGrp="1"/>
           </p:cNvSpPr>
@@ -1185,29 +4327,39 @@
             <p:ph type="sldNum" sz="quarter" idx="12"/>
           </p:nvPr>
         </p:nvSpPr>
-        <p:spPr/>
+        <p:spPr>
+          <a:xfrm>
+            <a:off x="10862452" y="381000"/>
+            <a:ext cx="643748" cy="365125"/>
+          </a:xfrm>
+        </p:spPr>
         <p:txBody>
           <a:bodyPr/>
           <a:lstStyle/>
           <a:p>
-            <a:fld id="{DAA8937E-7481-4FBA-8BC6-5EF0F3CC8223}" type="slidenum">
-              <a:rPr lang="en-US" smtClean="0"/>
+            <a:fld id="{AAAB3E9E-D708-433F-A405-5153863355EE}" type="slidenum">
+              <a:rPr lang="en-CA" smtClean="0"/>
               <a:t>‹#›</a:t>
             </a:fld>
-            <a:endParaRPr lang="en-US"/>
+            <a:endParaRPr lang="en-CA"/>
           </a:p>
         </p:txBody>
       </p:sp>
     </p:spTree>
     <p:extLst>
       <p:ext uri="{BB962C8B-B14F-4D97-AF65-F5344CB8AC3E}">
-        <p14:creationId xmlns:p14="http://schemas.microsoft.com/office/powerpoint/2010/main" val="1627914871"/>
+        <p14:creationId xmlns:p14="http://schemas.microsoft.com/office/powerpoint/2010/main" val="3018724121"/>
       </p:ext>
     </p:extLst>
   </p:cSld>
   <p:clrMapOvr>
     <a:masterClrMapping/>
   </p:clrMapOvr>
+  <p:extLst>
+    <p:ext uri="{DCECCB84-F9BA-43D5-87BE-67443E8EF086}">
+      <p15:sldGuideLst xmlns:p15="http://schemas.microsoft.com/office/powerpoint/2012/main"/>
+    </p:ext>
+  </p:extLst>
 </p:sldLayout>
 </file>
 
@@ -1230,13 +4382,7 @@
       </p:grpSpPr>
       <p:sp>
         <p:nvSpPr>
-          <p:cNvPr id="2" name="Title 1">
-            <a:extLst>
-              <a:ext uri="{FF2B5EF4-FFF2-40B4-BE49-F238E27FC236}">
-                <a16:creationId xmlns:a16="http://schemas.microsoft.com/office/drawing/2014/main" id="{E881E8AC-D1FD-4121-8845-016F57A65770}"/>
-              </a:ext>
-            </a:extLst>
-          </p:cNvPr>
+          <p:cNvPr id="2" name="Title 1"/>
           <p:cNvSpPr>
             <a:spLocks noGrp="1"/>
           </p:cNvSpPr>
@@ -1253,18 +4399,13 @@
               <a:rPr lang="en-US"/>
               <a:t>Click to edit Master title style</a:t>
             </a:r>
-          </a:p>
-        </p:txBody>
-      </p:sp>
-      <p:sp>
-        <p:nvSpPr>
-          <p:cNvPr id="3" name="Content Placeholder 2">
-            <a:extLst>
-              <a:ext uri="{FF2B5EF4-FFF2-40B4-BE49-F238E27FC236}">
-                <a16:creationId xmlns:a16="http://schemas.microsoft.com/office/drawing/2014/main" id="{FF875105-E4BC-4651-8D42-4C0780913E37}"/>
-              </a:ext>
-            </a:extLst>
-          </p:cNvPr>
+            <a:endParaRPr lang="en-US" dirty="0"/>
+          </a:p>
+        </p:txBody>
+      </p:sp>
+      <p:sp>
+        <p:nvSpPr>
+          <p:cNvPr id="3" name="Content Placeholder 2"/>
           <p:cNvSpPr>
             <a:spLocks noGrp="1"/>
           </p:cNvSpPr>
@@ -1274,8 +4415,8 @@
         </p:nvSpPr>
         <p:spPr>
           <a:xfrm>
-            <a:off x="838200" y="1825625"/>
-            <a:ext cx="5181600" cy="4351338"/>
+            <a:off x="685800" y="2194559"/>
+            <a:ext cx="5334000" cy="4024125"/>
           </a:xfrm>
         </p:spPr>
         <p:txBody>
@@ -1315,18 +4456,13 @@
               <a:rPr lang="en-US"/>
               <a:t>Fifth level</a:t>
             </a:r>
-          </a:p>
-        </p:txBody>
-      </p:sp>
-      <p:sp>
-        <p:nvSpPr>
-          <p:cNvPr id="4" name="Content Placeholder 3">
-            <a:extLst>
-              <a:ext uri="{FF2B5EF4-FFF2-40B4-BE49-F238E27FC236}">
-                <a16:creationId xmlns:a16="http://schemas.microsoft.com/office/drawing/2014/main" id="{83D795A5-B2E2-4BBF-BCD3-232B50148C03}"/>
-              </a:ext>
-            </a:extLst>
-          </p:cNvPr>
+            <a:endParaRPr lang="en-US" dirty="0"/>
+          </a:p>
+        </p:txBody>
+      </p:sp>
+      <p:sp>
+        <p:nvSpPr>
+          <p:cNvPr id="4" name="Content Placeholder 3"/>
           <p:cNvSpPr>
             <a:spLocks noGrp="1"/>
           </p:cNvSpPr>
@@ -1336,8 +4472,8 @@
         </p:nvSpPr>
         <p:spPr>
           <a:xfrm>
-            <a:off x="6172200" y="1825625"/>
-            <a:ext cx="5181600" cy="4351338"/>
+            <a:off x="6172200" y="2194559"/>
+            <a:ext cx="5334000" cy="4024125"/>
           </a:xfrm>
         </p:spPr>
         <p:txBody>
@@ -1377,18 +4513,13 @@
               <a:rPr lang="en-US"/>
               <a:t>Fifth level</a:t>
             </a:r>
-          </a:p>
-        </p:txBody>
-      </p:sp>
-      <p:sp>
-        <p:nvSpPr>
-          <p:cNvPr id="5" name="Date Placeholder 4">
-            <a:extLst>
-              <a:ext uri="{FF2B5EF4-FFF2-40B4-BE49-F238E27FC236}">
-                <a16:creationId xmlns:a16="http://schemas.microsoft.com/office/drawing/2014/main" id="{DD6A7E4C-A101-4C1A-A1E7-1277A1B17F3F}"/>
-              </a:ext>
-            </a:extLst>
-          </p:cNvPr>
+            <a:endParaRPr lang="en-US" dirty="0"/>
+          </a:p>
+        </p:txBody>
+      </p:sp>
+      <p:sp>
+        <p:nvSpPr>
+          <p:cNvPr id="5" name="Date Placeholder 4"/>
           <p:cNvSpPr>
             <a:spLocks noGrp="1"/>
           </p:cNvSpPr>
@@ -1401,23 +4532,17 @@
           <a:bodyPr/>
           <a:lstStyle/>
           <a:p>
-            <a:fld id="{C594B370-BBCB-4061-B0A8-180371CA5BFD}" type="datetimeFigureOut">
-              <a:rPr lang="en-US" smtClean="0"/>
-              <a:t>11/29/2019</a:t>
+            <a:fld id="{9D648943-11F5-4E3A-89B9-4D7A01C331E0}" type="datetimeFigureOut">
+              <a:rPr lang="en-CA" smtClean="0"/>
+              <a:t>2019-11-29</a:t>
             </a:fld>
-            <a:endParaRPr lang="en-US"/>
-          </a:p>
-        </p:txBody>
-      </p:sp>
-      <p:sp>
-        <p:nvSpPr>
-          <p:cNvPr id="6" name="Footer Placeholder 5">
-            <a:extLst>
-              <a:ext uri="{FF2B5EF4-FFF2-40B4-BE49-F238E27FC236}">
-                <a16:creationId xmlns:a16="http://schemas.microsoft.com/office/drawing/2014/main" id="{973DDF49-56C9-4EFE-AF62-476685B08EAD}"/>
-              </a:ext>
-            </a:extLst>
-          </p:cNvPr>
+            <a:endParaRPr lang="en-CA"/>
+          </a:p>
+        </p:txBody>
+      </p:sp>
+      <p:sp>
+        <p:nvSpPr>
+          <p:cNvPr id="6" name="Footer Placeholder 5"/>
           <p:cNvSpPr>
             <a:spLocks noGrp="1"/>
           </p:cNvSpPr>
@@ -1430,19 +4555,13 @@
           <a:bodyPr/>
           <a:lstStyle/>
           <a:p>
-            <a:endParaRPr lang="en-US"/>
-          </a:p>
-        </p:txBody>
-      </p:sp>
-      <p:sp>
-        <p:nvSpPr>
-          <p:cNvPr id="7" name="Slide Number Placeholder 6">
-            <a:extLst>
-              <a:ext uri="{FF2B5EF4-FFF2-40B4-BE49-F238E27FC236}">
-                <a16:creationId xmlns:a16="http://schemas.microsoft.com/office/drawing/2014/main" id="{68388B37-F059-4B1F-B42A-3F0D528C96D2}"/>
-              </a:ext>
-            </a:extLst>
-          </p:cNvPr>
+            <a:endParaRPr lang="en-CA"/>
+          </a:p>
+        </p:txBody>
+      </p:sp>
+      <p:sp>
+        <p:nvSpPr>
+          <p:cNvPr id="7" name="Slide Number Placeholder 6"/>
           <p:cNvSpPr>
             <a:spLocks noGrp="1"/>
           </p:cNvSpPr>
@@ -1455,18 +4574,18 @@
           <a:bodyPr/>
           <a:lstStyle/>
           <a:p>
-            <a:fld id="{DAA8937E-7481-4FBA-8BC6-5EF0F3CC8223}" type="slidenum">
-              <a:rPr lang="en-US" smtClean="0"/>
+            <a:fld id="{AAAB3E9E-D708-433F-A405-5153863355EE}" type="slidenum">
+              <a:rPr lang="en-CA" smtClean="0"/>
               <a:t>‹#›</a:t>
             </a:fld>
-            <a:endParaRPr lang="en-US"/>
+            <a:endParaRPr lang="en-CA"/>
           </a:p>
         </p:txBody>
       </p:sp>
     </p:spTree>
     <p:extLst>
       <p:ext uri="{BB962C8B-B14F-4D97-AF65-F5344CB8AC3E}">
-        <p14:creationId xmlns:p14="http://schemas.microsoft.com/office/powerpoint/2010/main" val="1483459507"/>
+        <p14:creationId xmlns:p14="http://schemas.microsoft.com/office/powerpoint/2010/main" val="2476287869"/>
       </p:ext>
     </p:extLst>
   </p:cSld>
@@ -1495,13 +4614,7 @@
       </p:grpSpPr>
       <p:sp>
         <p:nvSpPr>
-          <p:cNvPr id="2" name="Title 1">
-            <a:extLst>
-              <a:ext uri="{FF2B5EF4-FFF2-40B4-BE49-F238E27FC236}">
-                <a16:creationId xmlns:a16="http://schemas.microsoft.com/office/drawing/2014/main" id="{DD2127DF-8B8F-42FA-AD97-541CEE92FD56}"/>
-              </a:ext>
-            </a:extLst>
-          </p:cNvPr>
+          <p:cNvPr id="2" name="Title 1"/>
           <p:cNvSpPr>
             <a:spLocks noGrp="1"/>
           </p:cNvSpPr>
@@ -1511,8 +4624,8 @@
         </p:nvSpPr>
         <p:spPr>
           <a:xfrm>
-            <a:off x="839788" y="365125"/>
-            <a:ext cx="10515600" cy="1325563"/>
+            <a:off x="2895600" y="762000"/>
+            <a:ext cx="8610600" cy="1295400"/>
           </a:xfrm>
         </p:spPr>
         <p:txBody>
@@ -1523,18 +4636,13 @@
               <a:rPr lang="en-US"/>
               <a:t>Click to edit Master title style</a:t>
             </a:r>
-          </a:p>
-        </p:txBody>
-      </p:sp>
-      <p:sp>
-        <p:nvSpPr>
-          <p:cNvPr id="3" name="Text Placeholder 2">
-            <a:extLst>
-              <a:ext uri="{FF2B5EF4-FFF2-40B4-BE49-F238E27FC236}">
-                <a16:creationId xmlns:a16="http://schemas.microsoft.com/office/drawing/2014/main" id="{4F5FBF13-D12C-4133-A21C-B931206E1CB0}"/>
-              </a:ext>
-            </a:extLst>
-          </p:cNvPr>
+            <a:endParaRPr lang="en-US" dirty="0"/>
+          </a:p>
+        </p:txBody>
+      </p:sp>
+      <p:sp>
+        <p:nvSpPr>
+          <p:cNvPr id="3" name="Text Placeholder 2"/>
           <p:cNvSpPr>
             <a:spLocks noGrp="1"/>
           </p:cNvSpPr>
@@ -1544,16 +4652,22 @@
         </p:nvSpPr>
         <p:spPr>
           <a:xfrm>
-            <a:off x="839788" y="1681163"/>
-            <a:ext cx="5157787" cy="823912"/>
-          </a:xfrm>
-        </p:spPr>
-        <p:txBody>
-          <a:bodyPr anchor="b"/>
+            <a:off x="914409" y="2183802"/>
+            <a:ext cx="5079991" cy="823912"/>
+          </a:xfrm>
+        </p:spPr>
+        <p:txBody>
+          <a:bodyPr anchor="b">
+            <a:normAutofit/>
+          </a:bodyPr>
           <a:lstStyle>
             <a:lvl1pPr marL="0" indent="0">
               <a:buNone/>
-              <a:defRPr sz="2400" b="1"/>
+              <a:defRPr sz="2800" b="0">
+                <a:solidFill>
+                  <a:schemeClr val="tx1"/>
+                </a:solidFill>
+              </a:defRPr>
             </a:lvl1pPr>
             <a:lvl2pPr marL="457200" indent="0">
               <a:buNone/>
@@ -1599,13 +4713,7 @@
       </p:sp>
       <p:sp>
         <p:nvSpPr>
-          <p:cNvPr id="4" name="Content Placeholder 3">
-            <a:extLst>
-              <a:ext uri="{FF2B5EF4-FFF2-40B4-BE49-F238E27FC236}">
-                <a16:creationId xmlns:a16="http://schemas.microsoft.com/office/drawing/2014/main" id="{70361E76-16BF-4BD4-8870-3078450B6BF1}"/>
-              </a:ext>
-            </a:extLst>
-          </p:cNvPr>
+          <p:cNvPr id="4" name="Content Placeholder 3"/>
           <p:cNvSpPr>
             <a:spLocks noGrp="1"/>
           </p:cNvSpPr>
@@ -1615,8 +4723,8 @@
         </p:nvSpPr>
         <p:spPr>
           <a:xfrm>
-            <a:off x="839788" y="2505075"/>
-            <a:ext cx="5157787" cy="3684588"/>
+            <a:off x="685800" y="3132666"/>
+            <a:ext cx="5311775" cy="3086019"/>
           </a:xfrm>
         </p:spPr>
         <p:txBody>
@@ -1656,18 +4764,13 @@
               <a:rPr lang="en-US"/>
               <a:t>Fifth level</a:t>
             </a:r>
-          </a:p>
-        </p:txBody>
-      </p:sp>
-      <p:sp>
-        <p:nvSpPr>
-          <p:cNvPr id="5" name="Text Placeholder 4">
-            <a:extLst>
-              <a:ext uri="{FF2B5EF4-FFF2-40B4-BE49-F238E27FC236}">
-                <a16:creationId xmlns:a16="http://schemas.microsoft.com/office/drawing/2014/main" id="{E2438818-AD52-4F6D-9C6A-C1F207BE5598}"/>
-              </a:ext>
-            </a:extLst>
-          </p:cNvPr>
+            <a:endParaRPr lang="en-US" dirty="0"/>
+          </a:p>
+        </p:txBody>
+      </p:sp>
+      <p:sp>
+        <p:nvSpPr>
+          <p:cNvPr id="5" name="Text Placeholder 4"/>
           <p:cNvSpPr>
             <a:spLocks noGrp="1"/>
           </p:cNvSpPr>
@@ -1677,16 +4780,22 @@
         </p:nvSpPr>
         <p:spPr>
           <a:xfrm>
-            <a:off x="6172200" y="1681163"/>
-            <a:ext cx="5183188" cy="823912"/>
-          </a:xfrm>
-        </p:spPr>
-        <p:txBody>
-          <a:bodyPr anchor="b"/>
+            <a:off x="6400800" y="2183802"/>
+            <a:ext cx="5105400" cy="823912"/>
+          </a:xfrm>
+        </p:spPr>
+        <p:txBody>
+          <a:bodyPr anchor="b">
+            <a:normAutofit/>
+          </a:bodyPr>
           <a:lstStyle>
             <a:lvl1pPr marL="0" indent="0">
               <a:buNone/>
-              <a:defRPr sz="2400" b="1"/>
+              <a:defRPr sz="2800" b="0">
+                <a:solidFill>
+                  <a:schemeClr val="tx1"/>
+                </a:solidFill>
+              </a:defRPr>
             </a:lvl1pPr>
             <a:lvl2pPr marL="457200" indent="0">
               <a:buNone/>
@@ -1732,13 +4841,7 @@
       </p:sp>
       <p:sp>
         <p:nvSpPr>
-          <p:cNvPr id="6" name="Content Placeholder 5">
-            <a:extLst>
-              <a:ext uri="{FF2B5EF4-FFF2-40B4-BE49-F238E27FC236}">
-                <a16:creationId xmlns:a16="http://schemas.microsoft.com/office/drawing/2014/main" id="{D0FBA84D-BE39-4716-A0D9-AF6ED4E3C288}"/>
-              </a:ext>
-            </a:extLst>
-          </p:cNvPr>
+          <p:cNvPr id="6" name="Content Placeholder 5"/>
           <p:cNvSpPr>
             <a:spLocks noGrp="1"/>
           </p:cNvSpPr>
@@ -1748,8 +4851,8 @@
         </p:nvSpPr>
         <p:spPr>
           <a:xfrm>
-            <a:off x="6172200" y="2505075"/>
-            <a:ext cx="5183188" cy="3684588"/>
+            <a:off x="6172200" y="3132666"/>
+            <a:ext cx="5334000" cy="3086019"/>
           </a:xfrm>
         </p:spPr>
         <p:txBody>
@@ -1789,18 +4892,13 @@
               <a:rPr lang="en-US"/>
               <a:t>Fifth level</a:t>
             </a:r>
-          </a:p>
-        </p:txBody>
-      </p:sp>
-      <p:sp>
-        <p:nvSpPr>
-          <p:cNvPr id="7" name="Date Placeholder 6">
-            <a:extLst>
-              <a:ext uri="{FF2B5EF4-FFF2-40B4-BE49-F238E27FC236}">
-                <a16:creationId xmlns:a16="http://schemas.microsoft.com/office/drawing/2014/main" id="{2BFD5D97-3FD4-4C88-AB16-2EF8D16AA5C4}"/>
-              </a:ext>
-            </a:extLst>
-          </p:cNvPr>
+            <a:endParaRPr lang="en-US" dirty="0"/>
+          </a:p>
+        </p:txBody>
+      </p:sp>
+      <p:sp>
+        <p:nvSpPr>
+          <p:cNvPr id="7" name="Date Placeholder 6"/>
           <p:cNvSpPr>
             <a:spLocks noGrp="1"/>
           </p:cNvSpPr>
@@ -1813,23 +4911,17 @@
           <a:bodyPr/>
           <a:lstStyle/>
           <a:p>
-            <a:fld id="{C594B370-BBCB-4061-B0A8-180371CA5BFD}" type="datetimeFigureOut">
-              <a:rPr lang="en-US" smtClean="0"/>
-              <a:t>11/29/2019</a:t>
+            <a:fld id="{9D648943-11F5-4E3A-89B9-4D7A01C331E0}" type="datetimeFigureOut">
+              <a:rPr lang="en-CA" smtClean="0"/>
+              <a:t>2019-11-29</a:t>
             </a:fld>
-            <a:endParaRPr lang="en-US"/>
-          </a:p>
-        </p:txBody>
-      </p:sp>
-      <p:sp>
-        <p:nvSpPr>
-          <p:cNvPr id="8" name="Footer Placeholder 7">
-            <a:extLst>
-              <a:ext uri="{FF2B5EF4-FFF2-40B4-BE49-F238E27FC236}">
-                <a16:creationId xmlns:a16="http://schemas.microsoft.com/office/drawing/2014/main" id="{CB331E60-1CCE-47E5-9093-6F8B610EE3EB}"/>
-              </a:ext>
-            </a:extLst>
-          </p:cNvPr>
+            <a:endParaRPr lang="en-CA"/>
+          </a:p>
+        </p:txBody>
+      </p:sp>
+      <p:sp>
+        <p:nvSpPr>
+          <p:cNvPr id="8" name="Footer Placeholder 7"/>
           <p:cNvSpPr>
             <a:spLocks noGrp="1"/>
           </p:cNvSpPr>
@@ -1842,19 +4934,13 @@
           <a:bodyPr/>
           <a:lstStyle/>
           <a:p>
-            <a:endParaRPr lang="en-US"/>
-          </a:p>
-        </p:txBody>
-      </p:sp>
-      <p:sp>
-        <p:nvSpPr>
-          <p:cNvPr id="9" name="Slide Number Placeholder 8">
-            <a:extLst>
-              <a:ext uri="{FF2B5EF4-FFF2-40B4-BE49-F238E27FC236}">
-                <a16:creationId xmlns:a16="http://schemas.microsoft.com/office/drawing/2014/main" id="{869E0052-8980-4ACA-A70C-DF9CD5F7FB69}"/>
-              </a:ext>
-            </a:extLst>
-          </p:cNvPr>
+            <a:endParaRPr lang="en-CA"/>
+          </a:p>
+        </p:txBody>
+      </p:sp>
+      <p:sp>
+        <p:nvSpPr>
+          <p:cNvPr id="9" name="Slide Number Placeholder 8"/>
           <p:cNvSpPr>
             <a:spLocks noGrp="1"/>
           </p:cNvSpPr>
@@ -1867,18 +4953,18 @@
           <a:bodyPr/>
           <a:lstStyle/>
           <a:p>
-            <a:fld id="{DAA8937E-7481-4FBA-8BC6-5EF0F3CC8223}" type="slidenum">
-              <a:rPr lang="en-US" smtClean="0"/>
+            <a:fld id="{AAAB3E9E-D708-433F-A405-5153863355EE}" type="slidenum">
+              <a:rPr lang="en-CA" smtClean="0"/>
               <a:t>‹#›</a:t>
             </a:fld>
-            <a:endParaRPr lang="en-US"/>
+            <a:endParaRPr lang="en-CA"/>
           </a:p>
         </p:txBody>
       </p:sp>
     </p:spTree>
     <p:extLst>
       <p:ext uri="{BB962C8B-B14F-4D97-AF65-F5344CB8AC3E}">
-        <p14:creationId xmlns:p14="http://schemas.microsoft.com/office/powerpoint/2010/main" val="513860754"/>
+        <p14:creationId xmlns:p14="http://schemas.microsoft.com/office/powerpoint/2010/main" val="2220571190"/>
       </p:ext>
     </p:extLst>
   </p:cSld>
@@ -1907,13 +4993,7 @@
       </p:grpSpPr>
       <p:sp>
         <p:nvSpPr>
-          <p:cNvPr id="2" name="Title 1">
-            <a:extLst>
-              <a:ext uri="{FF2B5EF4-FFF2-40B4-BE49-F238E27FC236}">
-                <a16:creationId xmlns:a16="http://schemas.microsoft.com/office/drawing/2014/main" id="{6FFCF24F-391F-4E85-94E6-892CFF13E8DD}"/>
-              </a:ext>
-            </a:extLst>
-          </p:cNvPr>
+          <p:cNvPr id="2" name="Title 1"/>
           <p:cNvSpPr>
             <a:spLocks noGrp="1"/>
           </p:cNvSpPr>
@@ -1930,18 +5010,13 @@
               <a:rPr lang="en-US"/>
               <a:t>Click to edit Master title style</a:t>
             </a:r>
-          </a:p>
-        </p:txBody>
-      </p:sp>
-      <p:sp>
-        <p:nvSpPr>
-          <p:cNvPr id="3" name="Date Placeholder 2">
-            <a:extLst>
-              <a:ext uri="{FF2B5EF4-FFF2-40B4-BE49-F238E27FC236}">
-                <a16:creationId xmlns:a16="http://schemas.microsoft.com/office/drawing/2014/main" id="{A27659BD-594C-4BEC-80B8-47C5EEE70F02}"/>
-              </a:ext>
-            </a:extLst>
-          </p:cNvPr>
+            <a:endParaRPr lang="en-US" dirty="0"/>
+          </a:p>
+        </p:txBody>
+      </p:sp>
+      <p:sp>
+        <p:nvSpPr>
+          <p:cNvPr id="3" name="Date Placeholder 2"/>
           <p:cNvSpPr>
             <a:spLocks noGrp="1"/>
           </p:cNvSpPr>
@@ -1954,23 +5029,17 @@
           <a:bodyPr/>
           <a:lstStyle/>
           <a:p>
-            <a:fld id="{C594B370-BBCB-4061-B0A8-180371CA5BFD}" type="datetimeFigureOut">
-              <a:rPr lang="en-US" smtClean="0"/>
-              <a:t>11/29/2019</a:t>
+            <a:fld id="{9D648943-11F5-4E3A-89B9-4D7A01C331E0}" type="datetimeFigureOut">
+              <a:rPr lang="en-CA" smtClean="0"/>
+              <a:t>2019-11-29</a:t>
             </a:fld>
-            <a:endParaRPr lang="en-US"/>
-          </a:p>
-        </p:txBody>
-      </p:sp>
-      <p:sp>
-        <p:nvSpPr>
-          <p:cNvPr id="4" name="Footer Placeholder 3">
-            <a:extLst>
-              <a:ext uri="{FF2B5EF4-FFF2-40B4-BE49-F238E27FC236}">
-                <a16:creationId xmlns:a16="http://schemas.microsoft.com/office/drawing/2014/main" id="{BB294062-275C-4501-A0B9-470A86045784}"/>
-              </a:ext>
-            </a:extLst>
-          </p:cNvPr>
+            <a:endParaRPr lang="en-CA"/>
+          </a:p>
+        </p:txBody>
+      </p:sp>
+      <p:sp>
+        <p:nvSpPr>
+          <p:cNvPr id="4" name="Footer Placeholder 3"/>
           <p:cNvSpPr>
             <a:spLocks noGrp="1"/>
           </p:cNvSpPr>
@@ -1983,19 +5052,13 @@
           <a:bodyPr/>
           <a:lstStyle/>
           <a:p>
-            <a:endParaRPr lang="en-US"/>
-          </a:p>
-        </p:txBody>
-      </p:sp>
-      <p:sp>
-        <p:nvSpPr>
-          <p:cNvPr id="5" name="Slide Number Placeholder 4">
-            <a:extLst>
-              <a:ext uri="{FF2B5EF4-FFF2-40B4-BE49-F238E27FC236}">
-                <a16:creationId xmlns:a16="http://schemas.microsoft.com/office/drawing/2014/main" id="{F2A3994D-0E83-4EE9-A2D6-4A243E3F36CF}"/>
-              </a:ext>
-            </a:extLst>
-          </p:cNvPr>
+            <a:endParaRPr lang="en-CA"/>
+          </a:p>
+        </p:txBody>
+      </p:sp>
+      <p:sp>
+        <p:nvSpPr>
+          <p:cNvPr id="5" name="Slide Number Placeholder 4"/>
           <p:cNvSpPr>
             <a:spLocks noGrp="1"/>
           </p:cNvSpPr>
@@ -2008,18 +5071,18 @@
           <a:bodyPr/>
           <a:lstStyle/>
           <a:p>
-            <a:fld id="{DAA8937E-7481-4FBA-8BC6-5EF0F3CC8223}" type="slidenum">
-              <a:rPr lang="en-US" smtClean="0"/>
+            <a:fld id="{AAAB3E9E-D708-433F-A405-5153863355EE}" type="slidenum">
+              <a:rPr lang="en-CA" smtClean="0"/>
               <a:t>‹#›</a:t>
             </a:fld>
-            <a:endParaRPr lang="en-US"/>
+            <a:endParaRPr lang="en-CA"/>
           </a:p>
         </p:txBody>
       </p:sp>
     </p:spTree>
     <p:extLst>
       <p:ext uri="{BB962C8B-B14F-4D97-AF65-F5344CB8AC3E}">
-        <p14:creationId xmlns:p14="http://schemas.microsoft.com/office/powerpoint/2010/main" val="3149383314"/>
+        <p14:creationId xmlns:p14="http://schemas.microsoft.com/office/powerpoint/2010/main" val="1452706391"/>
       </p:ext>
     </p:extLst>
   </p:cSld>
@@ -2048,13 +5111,7 @@
       </p:grpSpPr>
       <p:sp>
         <p:nvSpPr>
-          <p:cNvPr id="2" name="Date Placeholder 1">
-            <a:extLst>
-              <a:ext uri="{FF2B5EF4-FFF2-40B4-BE49-F238E27FC236}">
-                <a16:creationId xmlns:a16="http://schemas.microsoft.com/office/drawing/2014/main" id="{931E441C-27D6-4A6C-802C-8CFB8E6B0D65}"/>
-              </a:ext>
-            </a:extLst>
-          </p:cNvPr>
+          <p:cNvPr id="2" name="Date Placeholder 1"/>
           <p:cNvSpPr>
             <a:spLocks noGrp="1"/>
           </p:cNvSpPr>
@@ -2067,23 +5124,17 @@
           <a:bodyPr/>
           <a:lstStyle/>
           <a:p>
-            <a:fld id="{C594B370-BBCB-4061-B0A8-180371CA5BFD}" type="datetimeFigureOut">
-              <a:rPr lang="en-US" smtClean="0"/>
-              <a:t>11/29/2019</a:t>
+            <a:fld id="{9D648943-11F5-4E3A-89B9-4D7A01C331E0}" type="datetimeFigureOut">
+              <a:rPr lang="en-CA" smtClean="0"/>
+              <a:t>2019-11-29</a:t>
             </a:fld>
-            <a:endParaRPr lang="en-US"/>
-          </a:p>
-        </p:txBody>
-      </p:sp>
-      <p:sp>
-        <p:nvSpPr>
-          <p:cNvPr id="3" name="Footer Placeholder 2">
-            <a:extLst>
-              <a:ext uri="{FF2B5EF4-FFF2-40B4-BE49-F238E27FC236}">
-                <a16:creationId xmlns:a16="http://schemas.microsoft.com/office/drawing/2014/main" id="{8ACC064F-3D8F-4C8F-A0B8-A668966ADB36}"/>
-              </a:ext>
-            </a:extLst>
-          </p:cNvPr>
+            <a:endParaRPr lang="en-CA"/>
+          </a:p>
+        </p:txBody>
+      </p:sp>
+      <p:sp>
+        <p:nvSpPr>
+          <p:cNvPr id="3" name="Footer Placeholder 2"/>
           <p:cNvSpPr>
             <a:spLocks noGrp="1"/>
           </p:cNvSpPr>
@@ -2096,19 +5147,13 @@
           <a:bodyPr/>
           <a:lstStyle/>
           <a:p>
-            <a:endParaRPr lang="en-US"/>
-          </a:p>
-        </p:txBody>
-      </p:sp>
-      <p:sp>
-        <p:nvSpPr>
-          <p:cNvPr id="4" name="Slide Number Placeholder 3">
-            <a:extLst>
-              <a:ext uri="{FF2B5EF4-FFF2-40B4-BE49-F238E27FC236}">
-                <a16:creationId xmlns:a16="http://schemas.microsoft.com/office/drawing/2014/main" id="{89182639-8E8B-4089-9557-26C2BEDAC4ED}"/>
-              </a:ext>
-            </a:extLst>
-          </p:cNvPr>
+            <a:endParaRPr lang="en-CA"/>
+          </a:p>
+        </p:txBody>
+      </p:sp>
+      <p:sp>
+        <p:nvSpPr>
+          <p:cNvPr id="4" name="Slide Number Placeholder 3"/>
           <p:cNvSpPr>
             <a:spLocks noGrp="1"/>
           </p:cNvSpPr>
@@ -2121,18 +5166,18 @@
           <a:bodyPr/>
           <a:lstStyle/>
           <a:p>
-            <a:fld id="{DAA8937E-7481-4FBA-8BC6-5EF0F3CC8223}" type="slidenum">
-              <a:rPr lang="en-US" smtClean="0"/>
+            <a:fld id="{AAAB3E9E-D708-433F-A405-5153863355EE}" type="slidenum">
+              <a:rPr lang="en-CA" smtClean="0"/>
               <a:t>‹#›</a:t>
             </a:fld>
-            <a:endParaRPr lang="en-US"/>
+            <a:endParaRPr lang="en-CA"/>
           </a:p>
         </p:txBody>
       </p:sp>
     </p:spTree>
     <p:extLst>
       <p:ext uri="{BB962C8B-B14F-4D97-AF65-F5344CB8AC3E}">
-        <p14:creationId xmlns:p14="http://schemas.microsoft.com/office/powerpoint/2010/main" val="2842878418"/>
+        <p14:creationId xmlns:p14="http://schemas.microsoft.com/office/powerpoint/2010/main" val="684445182"/>
       </p:ext>
     </p:extLst>
   </p:cSld>
@@ -2161,13 +5206,7 @@
       </p:grpSpPr>
       <p:sp>
         <p:nvSpPr>
-          <p:cNvPr id="2" name="Title 1">
-            <a:extLst>
-              <a:ext uri="{FF2B5EF4-FFF2-40B4-BE49-F238E27FC236}">
-                <a16:creationId xmlns:a16="http://schemas.microsoft.com/office/drawing/2014/main" id="{41C11E10-8003-465A-BE9B-C5260827BC54}"/>
-              </a:ext>
-            </a:extLst>
-          </p:cNvPr>
+          <p:cNvPr id="2" name="Title 1"/>
           <p:cNvSpPr>
             <a:spLocks noGrp="1"/>
           </p:cNvSpPr>
@@ -2177,14 +5216,14 @@
         </p:nvSpPr>
         <p:spPr>
           <a:xfrm>
-            <a:off x="839788" y="457200"/>
-            <a:ext cx="3932237" cy="1600200"/>
+            <a:off x="685800" y="1524000"/>
+            <a:ext cx="4114800" cy="1600200"/>
           </a:xfrm>
         </p:spPr>
         <p:txBody>
           <a:bodyPr anchor="b"/>
           <a:lstStyle>
-            <a:lvl1pPr>
+            <a:lvl1pPr algn="l">
               <a:defRPr sz="3200"/>
             </a:lvl1pPr>
           </a:lstStyle>
@@ -2193,18 +5232,13 @@
               <a:rPr lang="en-US"/>
               <a:t>Click to edit Master title style</a:t>
             </a:r>
-          </a:p>
-        </p:txBody>
-      </p:sp>
-      <p:sp>
-        <p:nvSpPr>
-          <p:cNvPr id="3" name="Content Placeholder 2">
-            <a:extLst>
-              <a:ext uri="{FF2B5EF4-FFF2-40B4-BE49-F238E27FC236}">
-                <a16:creationId xmlns:a16="http://schemas.microsoft.com/office/drawing/2014/main" id="{19F67816-F3DE-4E1D-BFD7-4465CF68055F}"/>
-              </a:ext>
-            </a:extLst>
-          </p:cNvPr>
+            <a:endParaRPr lang="en-US" dirty="0"/>
+          </a:p>
+        </p:txBody>
+      </p:sp>
+      <p:sp>
+        <p:nvSpPr>
+          <p:cNvPr id="3" name="Content Placeholder 2"/>
           <p:cNvSpPr>
             <a:spLocks noGrp="1"/>
           </p:cNvSpPr>
@@ -2214,41 +5248,13 @@
         </p:nvSpPr>
         <p:spPr>
           <a:xfrm>
-            <a:off x="5183188" y="987425"/>
-            <a:ext cx="6172200" cy="4873625"/>
-          </a:xfrm>
-        </p:spPr>
-        <p:txBody>
-          <a:bodyPr/>
-          <a:lstStyle>
-            <a:lvl1pPr>
-              <a:defRPr sz="3200"/>
-            </a:lvl1pPr>
-            <a:lvl2pPr>
-              <a:defRPr sz="2800"/>
-            </a:lvl2pPr>
-            <a:lvl3pPr>
-              <a:defRPr sz="2400"/>
-            </a:lvl3pPr>
-            <a:lvl4pPr>
-              <a:defRPr sz="2000"/>
-            </a:lvl4pPr>
-            <a:lvl5pPr>
-              <a:defRPr sz="2000"/>
-            </a:lvl5pPr>
-            <a:lvl6pPr>
-              <a:defRPr sz="2000"/>
-            </a:lvl6pPr>
-            <a:lvl7pPr>
-              <a:defRPr sz="2000"/>
-            </a:lvl7pPr>
-            <a:lvl8pPr>
-              <a:defRPr sz="2000"/>
-            </a:lvl8pPr>
-            <a:lvl9pPr>
-              <a:defRPr sz="2000"/>
-            </a:lvl9pPr>
-          </a:lstStyle>
+            <a:off x="4995582" y="746759"/>
+            <a:ext cx="6510618" cy="5471925"/>
+          </a:xfrm>
+        </p:spPr>
+        <p:txBody>
+          <a:bodyPr anchor="ctr"/>
+          <a:lstStyle/>
           <a:p>
             <a:pPr lvl="0"/>
             <a:r>
@@ -2283,18 +5289,13 @@
               <a:rPr lang="en-US"/>
               <a:t>Fifth level</a:t>
             </a:r>
-          </a:p>
-        </p:txBody>
-      </p:sp>
-      <p:sp>
-        <p:nvSpPr>
-          <p:cNvPr id="4" name="Text Placeholder 3">
-            <a:extLst>
-              <a:ext uri="{FF2B5EF4-FFF2-40B4-BE49-F238E27FC236}">
-                <a16:creationId xmlns:a16="http://schemas.microsoft.com/office/drawing/2014/main" id="{17AA5A4E-236D-4C7A-B0D3-E8060FED8826}"/>
-              </a:ext>
-            </a:extLst>
-          </p:cNvPr>
+            <a:endParaRPr lang="en-US" dirty="0"/>
+          </a:p>
+        </p:txBody>
+      </p:sp>
+      <p:sp>
+        <p:nvSpPr>
+          <p:cNvPr id="4" name="Text Placeholder 3"/>
           <p:cNvSpPr>
             <a:spLocks noGrp="1"/>
           </p:cNvSpPr>
@@ -2304,8 +5305,8 @@
         </p:nvSpPr>
         <p:spPr>
           <a:xfrm>
-            <a:off x="839788" y="2057400"/>
-            <a:ext cx="3932237" cy="3811588"/>
+            <a:off x="685800" y="3124199"/>
+            <a:ext cx="4114800" cy="3094485"/>
           </a:xfrm>
         </p:spPr>
         <p:txBody>
@@ -2359,13 +5360,7 @@
       </p:sp>
       <p:sp>
         <p:nvSpPr>
-          <p:cNvPr id="5" name="Date Placeholder 4">
-            <a:extLst>
-              <a:ext uri="{FF2B5EF4-FFF2-40B4-BE49-F238E27FC236}">
-                <a16:creationId xmlns:a16="http://schemas.microsoft.com/office/drawing/2014/main" id="{3B1020CB-AEB1-4A23-A0A1-F2AA91764384}"/>
-              </a:ext>
-            </a:extLst>
-          </p:cNvPr>
+          <p:cNvPr id="5" name="Date Placeholder 4"/>
           <p:cNvSpPr>
             <a:spLocks noGrp="1"/>
           </p:cNvSpPr>
@@ -2378,23 +5373,17 @@
           <a:bodyPr/>
           <a:lstStyle/>
           <a:p>
-            <a:fld id="{C594B370-BBCB-4061-B0A8-180371CA5BFD}" type="datetimeFigureOut">
-              <a:rPr lang="en-US" smtClean="0"/>
-              <a:t>11/29/2019</a:t>
+            <a:fld id="{9D648943-11F5-4E3A-89B9-4D7A01C331E0}" type="datetimeFigureOut">
+              <a:rPr lang="en-CA" smtClean="0"/>
+              <a:t>2019-11-29</a:t>
             </a:fld>
-            <a:endParaRPr lang="en-US"/>
-          </a:p>
-        </p:txBody>
-      </p:sp>
-      <p:sp>
-        <p:nvSpPr>
-          <p:cNvPr id="6" name="Footer Placeholder 5">
-            <a:extLst>
-              <a:ext uri="{FF2B5EF4-FFF2-40B4-BE49-F238E27FC236}">
-                <a16:creationId xmlns:a16="http://schemas.microsoft.com/office/drawing/2014/main" id="{20436783-D7E6-4504-9501-DA1851191176}"/>
-              </a:ext>
-            </a:extLst>
-          </p:cNvPr>
+            <a:endParaRPr lang="en-CA"/>
+          </a:p>
+        </p:txBody>
+      </p:sp>
+      <p:sp>
+        <p:nvSpPr>
+          <p:cNvPr id="6" name="Footer Placeholder 5"/>
           <p:cNvSpPr>
             <a:spLocks noGrp="1"/>
           </p:cNvSpPr>
@@ -2407,19 +5396,13 @@
           <a:bodyPr/>
           <a:lstStyle/>
           <a:p>
-            <a:endParaRPr lang="en-US"/>
-          </a:p>
-        </p:txBody>
-      </p:sp>
-      <p:sp>
-        <p:nvSpPr>
-          <p:cNvPr id="7" name="Slide Number Placeholder 6">
-            <a:extLst>
-              <a:ext uri="{FF2B5EF4-FFF2-40B4-BE49-F238E27FC236}">
-                <a16:creationId xmlns:a16="http://schemas.microsoft.com/office/drawing/2014/main" id="{CE17BB60-7CBC-4774-9C98-CE801E00736F}"/>
-              </a:ext>
-            </a:extLst>
-          </p:cNvPr>
+            <a:endParaRPr lang="en-CA"/>
+          </a:p>
+        </p:txBody>
+      </p:sp>
+      <p:sp>
+        <p:nvSpPr>
+          <p:cNvPr id="7" name="Slide Number Placeholder 6"/>
           <p:cNvSpPr>
             <a:spLocks noGrp="1"/>
           </p:cNvSpPr>
@@ -2432,18 +5415,18 @@
           <a:bodyPr/>
           <a:lstStyle/>
           <a:p>
-            <a:fld id="{DAA8937E-7481-4FBA-8BC6-5EF0F3CC8223}" type="slidenum">
-              <a:rPr lang="en-US" smtClean="0"/>
+            <a:fld id="{AAAB3E9E-D708-433F-A405-5153863355EE}" type="slidenum">
+              <a:rPr lang="en-CA" smtClean="0"/>
               <a:t>‹#›</a:t>
             </a:fld>
-            <a:endParaRPr lang="en-US"/>
+            <a:endParaRPr lang="en-CA"/>
           </a:p>
         </p:txBody>
       </p:sp>
     </p:spTree>
     <p:extLst>
       <p:ext uri="{BB962C8B-B14F-4D97-AF65-F5344CB8AC3E}">
-        <p14:creationId xmlns:p14="http://schemas.microsoft.com/office/powerpoint/2010/main" val="630488379"/>
+        <p14:creationId xmlns:p14="http://schemas.microsoft.com/office/powerpoint/2010/main" val="148663460"/>
       </p:ext>
     </p:extLst>
   </p:cSld>
@@ -2472,13 +5455,7 @@
       </p:grpSpPr>
       <p:sp>
         <p:nvSpPr>
-          <p:cNvPr id="2" name="Title 1">
-            <a:extLst>
-              <a:ext uri="{FF2B5EF4-FFF2-40B4-BE49-F238E27FC236}">
-                <a16:creationId xmlns:a16="http://schemas.microsoft.com/office/drawing/2014/main" id="{B3CB5C8B-FFD4-450F-BE31-84A7B465765B}"/>
-              </a:ext>
-            </a:extLst>
-          </p:cNvPr>
+          <p:cNvPr id="2" name="Title 1"/>
           <p:cNvSpPr>
             <a:spLocks noGrp="1"/>
           </p:cNvSpPr>
@@ -2488,14 +5465,14 @@
         </p:nvSpPr>
         <p:spPr>
           <a:xfrm>
-            <a:off x="839788" y="457200"/>
-            <a:ext cx="3932237" cy="1600200"/>
+            <a:off x="685800" y="1524000"/>
+            <a:ext cx="6873240" cy="1600200"/>
           </a:xfrm>
         </p:spPr>
         <p:txBody>
           <a:bodyPr anchor="b"/>
           <a:lstStyle>
-            <a:lvl1pPr>
+            <a:lvl1pPr algn="l">
               <a:defRPr sz="3200"/>
             </a:lvl1pPr>
           </a:lstStyle>
@@ -2504,20 +5481,15 @@
               <a:rPr lang="en-US"/>
               <a:t>Click to edit Master title style</a:t>
             </a:r>
-          </a:p>
-        </p:txBody>
-      </p:sp>
-      <p:sp>
-        <p:nvSpPr>
-          <p:cNvPr id="3" name="Picture Placeholder 2">
-            <a:extLst>
-              <a:ext uri="{FF2B5EF4-FFF2-40B4-BE49-F238E27FC236}">
-                <a16:creationId xmlns:a16="http://schemas.microsoft.com/office/drawing/2014/main" id="{5F605F96-2793-46AA-97FD-428FB7CC4F27}"/>
-              </a:ext>
-            </a:extLst>
-          </p:cNvPr>
-          <p:cNvSpPr>
-            <a:spLocks noGrp="1"/>
+            <a:endParaRPr lang="en-US" dirty="0"/>
+          </a:p>
+        </p:txBody>
+      </p:sp>
+      <p:sp>
+        <p:nvSpPr>
+          <p:cNvPr id="3" name="Picture Placeholder 2"/>
+          <p:cNvSpPr>
+            <a:spLocks noGrp="1" noChangeAspect="1"/>
           </p:cNvSpPr>
           <p:nvPr>
             <p:ph type="pic" idx="1"/>
@@ -2525,8 +5497,73 @@
         </p:nvSpPr>
         <p:spPr>
           <a:xfrm>
-            <a:off x="5183188" y="987425"/>
-            <a:ext cx="6172200" cy="4873625"/>
+            <a:off x="7861238" y="751241"/>
+            <a:ext cx="3644962" cy="5467443"/>
+          </a:xfrm>
+        </p:spPr>
+        <p:txBody>
+          <a:bodyPr anchor="t"/>
+          <a:lstStyle>
+            <a:lvl1pPr marL="0" indent="0">
+              <a:buNone/>
+              <a:defRPr sz="3200"/>
+            </a:lvl1pPr>
+            <a:lvl2pPr marL="457200" indent="0">
+              <a:buNone/>
+              <a:defRPr sz="2800"/>
+            </a:lvl2pPr>
+            <a:lvl3pPr marL="914400" indent="0">
+              <a:buNone/>
+              <a:defRPr sz="2400"/>
+            </a:lvl3pPr>
+            <a:lvl4pPr marL="1371600" indent="0">
+              <a:buNone/>
+              <a:defRPr sz="2000"/>
+            </a:lvl4pPr>
+            <a:lvl5pPr marL="1828800" indent="0">
+              <a:buNone/>
+              <a:defRPr sz="2000"/>
+            </a:lvl5pPr>
+            <a:lvl6pPr marL="2286000" indent="0">
+              <a:buNone/>
+              <a:defRPr sz="2000"/>
+            </a:lvl6pPr>
+            <a:lvl7pPr marL="2743200" indent="0">
+              <a:buNone/>
+              <a:defRPr sz="2000"/>
+            </a:lvl7pPr>
+            <a:lvl8pPr marL="3200400" indent="0">
+              <a:buNone/>
+              <a:defRPr sz="2000"/>
+            </a:lvl8pPr>
+            <a:lvl9pPr marL="3657600" indent="0">
+              <a:buNone/>
+              <a:defRPr sz="2000"/>
+            </a:lvl9pPr>
+          </a:lstStyle>
+          <a:p>
+            <a:r>
+              <a:rPr lang="en-US"/>
+              <a:t>Click icon to add picture</a:t>
+            </a:r>
+            <a:endParaRPr lang="en-US" dirty="0"/>
+          </a:p>
+        </p:txBody>
+      </p:sp>
+      <p:sp>
+        <p:nvSpPr>
+          <p:cNvPr id="4" name="Text Placeholder 3"/>
+          <p:cNvSpPr>
+            <a:spLocks noGrp="1"/>
+          </p:cNvSpPr>
+          <p:nvPr>
+            <p:ph type="body" sz="half" idx="2"/>
+          </p:nvPr>
+        </p:nvSpPr>
+        <p:spPr>
+          <a:xfrm>
+            <a:off x="685800" y="3124199"/>
+            <a:ext cx="6873240" cy="3094485"/>
           </a:xfrm>
         </p:spPr>
         <p:txBody>
@@ -2534,73 +5571,6 @@
           <a:lstStyle>
             <a:lvl1pPr marL="0" indent="0">
               <a:buNone/>
-              <a:defRPr sz="3200"/>
-            </a:lvl1pPr>
-            <a:lvl2pPr marL="457200" indent="0">
-              <a:buNone/>
-              <a:defRPr sz="2800"/>
-            </a:lvl2pPr>
-            <a:lvl3pPr marL="914400" indent="0">
-              <a:buNone/>
-              <a:defRPr sz="2400"/>
-            </a:lvl3pPr>
-            <a:lvl4pPr marL="1371600" indent="0">
-              <a:buNone/>
-              <a:defRPr sz="2000"/>
-            </a:lvl4pPr>
-            <a:lvl5pPr marL="1828800" indent="0">
-              <a:buNone/>
-              <a:defRPr sz="2000"/>
-            </a:lvl5pPr>
-            <a:lvl6pPr marL="2286000" indent="0">
-              <a:buNone/>
-              <a:defRPr sz="2000"/>
-            </a:lvl6pPr>
-            <a:lvl7pPr marL="2743200" indent="0">
-              <a:buNone/>
-              <a:defRPr sz="2000"/>
-            </a:lvl7pPr>
-            <a:lvl8pPr marL="3200400" indent="0">
-              <a:buNone/>
-              <a:defRPr sz="2000"/>
-            </a:lvl8pPr>
-            <a:lvl9pPr marL="3657600" indent="0">
-              <a:buNone/>
-              <a:defRPr sz="2000"/>
-            </a:lvl9pPr>
-          </a:lstStyle>
-          <a:p>
-            <a:endParaRPr lang="en-US"/>
-          </a:p>
-        </p:txBody>
-      </p:sp>
-      <p:sp>
-        <p:nvSpPr>
-          <p:cNvPr id="4" name="Text Placeholder 3">
-            <a:extLst>
-              <a:ext uri="{FF2B5EF4-FFF2-40B4-BE49-F238E27FC236}">
-                <a16:creationId xmlns:a16="http://schemas.microsoft.com/office/drawing/2014/main" id="{15882E69-42A6-4A4A-B56E-D3270DCCD5DF}"/>
-              </a:ext>
-            </a:extLst>
-          </p:cNvPr>
-          <p:cNvSpPr>
-            <a:spLocks noGrp="1"/>
-          </p:cNvSpPr>
-          <p:nvPr>
-            <p:ph type="body" sz="half" idx="2"/>
-          </p:nvPr>
-        </p:nvSpPr>
-        <p:spPr>
-          <a:xfrm>
-            <a:off x="839788" y="2057400"/>
-            <a:ext cx="3932237" cy="3811588"/>
-          </a:xfrm>
-        </p:spPr>
-        <p:txBody>
-          <a:bodyPr/>
-          <a:lstStyle>
-            <a:lvl1pPr marL="0" indent="0">
-              <a:buNone/>
               <a:defRPr sz="1600"/>
             </a:lvl1pPr>
             <a:lvl2pPr marL="457200" indent="0">
@@ -2647,13 +5617,7 @@
       </p:sp>
       <p:sp>
         <p:nvSpPr>
-          <p:cNvPr id="5" name="Date Placeholder 4">
-            <a:extLst>
-              <a:ext uri="{FF2B5EF4-FFF2-40B4-BE49-F238E27FC236}">
-                <a16:creationId xmlns:a16="http://schemas.microsoft.com/office/drawing/2014/main" id="{07074B1D-FAD2-4F1E-A0A7-80583958FA2B}"/>
-              </a:ext>
-            </a:extLst>
-          </p:cNvPr>
+          <p:cNvPr id="5" name="Date Placeholder 4"/>
           <p:cNvSpPr>
             <a:spLocks noGrp="1"/>
           </p:cNvSpPr>
@@ -2666,23 +5630,17 @@
           <a:bodyPr/>
           <a:lstStyle/>
           <a:p>
-            <a:fld id="{C594B370-BBCB-4061-B0A8-180371CA5BFD}" type="datetimeFigureOut">
-              <a:rPr lang="en-US" smtClean="0"/>
-              <a:t>11/29/2019</a:t>
+            <a:fld id="{9D648943-11F5-4E3A-89B9-4D7A01C331E0}" type="datetimeFigureOut">
+              <a:rPr lang="en-CA" smtClean="0"/>
+              <a:t>2019-11-29</a:t>
             </a:fld>
-            <a:endParaRPr lang="en-US"/>
-          </a:p>
-        </p:txBody>
-      </p:sp>
-      <p:sp>
-        <p:nvSpPr>
-          <p:cNvPr id="6" name="Footer Placeholder 5">
-            <a:extLst>
-              <a:ext uri="{FF2B5EF4-FFF2-40B4-BE49-F238E27FC236}">
-                <a16:creationId xmlns:a16="http://schemas.microsoft.com/office/drawing/2014/main" id="{F8BDD6F0-A5C5-4447-A785-0B40CB8C048D}"/>
-              </a:ext>
-            </a:extLst>
-          </p:cNvPr>
+            <a:endParaRPr lang="en-CA"/>
+          </a:p>
+        </p:txBody>
+      </p:sp>
+      <p:sp>
+        <p:nvSpPr>
+          <p:cNvPr id="6" name="Footer Placeholder 5"/>
           <p:cNvSpPr>
             <a:spLocks noGrp="1"/>
           </p:cNvSpPr>
@@ -2695,19 +5653,13 @@
           <a:bodyPr/>
           <a:lstStyle/>
           <a:p>
-            <a:endParaRPr lang="en-US"/>
-          </a:p>
-        </p:txBody>
-      </p:sp>
-      <p:sp>
-        <p:nvSpPr>
-          <p:cNvPr id="7" name="Slide Number Placeholder 6">
-            <a:extLst>
-              <a:ext uri="{FF2B5EF4-FFF2-40B4-BE49-F238E27FC236}">
-                <a16:creationId xmlns:a16="http://schemas.microsoft.com/office/drawing/2014/main" id="{F4AFAD33-572E-45FB-8421-831ED843876B}"/>
-              </a:ext>
-            </a:extLst>
-          </p:cNvPr>
+            <a:endParaRPr lang="en-CA"/>
+          </a:p>
+        </p:txBody>
+      </p:sp>
+      <p:sp>
+        <p:nvSpPr>
+          <p:cNvPr id="7" name="Slide Number Placeholder 6"/>
           <p:cNvSpPr>
             <a:spLocks noGrp="1"/>
           </p:cNvSpPr>
@@ -2720,18 +5672,18 @@
           <a:bodyPr/>
           <a:lstStyle/>
           <a:p>
-            <a:fld id="{DAA8937E-7481-4FBA-8BC6-5EF0F3CC8223}" type="slidenum">
-              <a:rPr lang="en-US" smtClean="0"/>
+            <a:fld id="{AAAB3E9E-D708-433F-A405-5153863355EE}" type="slidenum">
+              <a:rPr lang="en-CA" smtClean="0"/>
               <a:t>‹#›</a:t>
             </a:fld>
-            <a:endParaRPr lang="en-US"/>
+            <a:endParaRPr lang="en-CA"/>
           </a:p>
         </p:txBody>
       </p:sp>
     </p:spTree>
     <p:extLst>
       <p:ext uri="{BB962C8B-B14F-4D97-AF65-F5344CB8AC3E}">
-        <p14:creationId xmlns:p14="http://schemas.microsoft.com/office/powerpoint/2010/main" val="788272872"/>
+        <p14:creationId xmlns:p14="http://schemas.microsoft.com/office/powerpoint/2010/main" val="610180665"/>
       </p:ext>
     </p:extLst>
   </p:cSld>
@@ -2763,31 +5715,55 @@
           <a:chExt cx="0" cy="0"/>
         </a:xfrm>
       </p:grpSpPr>
-      <p:sp>
-        <p:nvSpPr>
-          <p:cNvPr id="2" name="Title Placeholder 1">
+      <p:pic>
+        <p:nvPicPr>
+          <p:cNvPr id="7" name="Picture 6" descr="C0-HD-TOP.png"/>
+          <p:cNvPicPr>
+            <a:picLocks noChangeAspect="1"/>
+          </p:cNvPicPr>
+          <p:nvPr/>
+        </p:nvPicPr>
+        <p:blipFill>
+          <a:blip r:embed="rId19">
             <a:extLst>
-              <a:ext uri="{FF2B5EF4-FFF2-40B4-BE49-F238E27FC236}">
-                <a16:creationId xmlns:a16="http://schemas.microsoft.com/office/drawing/2014/main" id="{9A3A2808-1779-4CD3-8E46-A5DA1364D7E2}"/>
+              <a:ext uri="{28A0092B-C50C-407E-A947-70E740481C1C}">
+                <a14:useLocalDpi xmlns:a14="http://schemas.microsoft.com/office/drawing/2010/main" val="0"/>
               </a:ext>
             </a:extLst>
-          </p:cNvPr>
-          <p:cNvSpPr>
-            <a:spLocks noGrp="1"/>
-          </p:cNvSpPr>
-          <p:nvPr>
-            <p:ph type="title"/>
-          </p:nvPr>
-        </p:nvSpPr>
-        <p:spPr>
-          <a:xfrm>
-            <a:off x="838200" y="365125"/>
-            <a:ext cx="10515600" cy="1325563"/>
+          </a:blip>
+          <a:stretch>
+            <a:fillRect/>
+          </a:stretch>
+        </p:blipFill>
+        <p:spPr>
+          <a:xfrm>
+            <a:off x="0" y="0"/>
+            <a:ext cx="12192000" cy="1441450"/>
           </a:xfrm>
           <a:prstGeom prst="rect">
             <a:avLst/>
           </a:prstGeom>
         </p:spPr>
+      </p:pic>
+      <p:sp>
+        <p:nvSpPr>
+          <p:cNvPr id="2" name="Title Placeholder 1"/>
+          <p:cNvSpPr>
+            <a:spLocks noGrp="1"/>
+          </p:cNvSpPr>
+          <p:nvPr>
+            <p:ph type="title"/>
+          </p:nvPr>
+        </p:nvSpPr>
+        <p:spPr>
+          <a:xfrm>
+            <a:off x="2895600" y="764373"/>
+            <a:ext cx="8610600" cy="1293028"/>
+          </a:xfrm>
+          <a:prstGeom prst="rect">
+            <a:avLst/>
+          </a:prstGeom>
+        </p:spPr>
         <p:txBody>
           <a:bodyPr vert="horz" lIns="91440" tIns="45720" rIns="91440" bIns="45720" rtlCol="0" anchor="ctr">
             <a:normAutofit/>
@@ -2798,18 +5774,13 @@
               <a:rPr lang="en-US"/>
               <a:t>Click to edit Master title style</a:t>
             </a:r>
-          </a:p>
-        </p:txBody>
-      </p:sp>
-      <p:sp>
-        <p:nvSpPr>
-          <p:cNvPr id="3" name="Text Placeholder 2">
-            <a:extLst>
-              <a:ext uri="{FF2B5EF4-FFF2-40B4-BE49-F238E27FC236}">
-                <a16:creationId xmlns:a16="http://schemas.microsoft.com/office/drawing/2014/main" id="{8C0439AA-91AB-4208-AC66-A4A632867199}"/>
-              </a:ext>
-            </a:extLst>
-          </p:cNvPr>
+            <a:endParaRPr lang="en-US" dirty="0"/>
+          </a:p>
+        </p:txBody>
+      </p:sp>
+      <p:sp>
+        <p:nvSpPr>
+          <p:cNvPr id="3" name="Text Placeholder 2"/>
           <p:cNvSpPr>
             <a:spLocks noGrp="1"/>
           </p:cNvSpPr>
@@ -2819,8 +5790,8 @@
         </p:nvSpPr>
         <p:spPr>
           <a:xfrm>
-            <a:off x="838200" y="1825625"/>
-            <a:ext cx="10515600" cy="4351338"/>
+            <a:off x="685800" y="2194560"/>
+            <a:ext cx="10820400" cy="4024125"/>
           </a:xfrm>
           <a:prstGeom prst="rect">
             <a:avLst/>
@@ -2865,18 +5836,13 @@
               <a:rPr lang="en-US"/>
               <a:t>Fifth level</a:t>
             </a:r>
-          </a:p>
-        </p:txBody>
-      </p:sp>
-      <p:sp>
-        <p:nvSpPr>
-          <p:cNvPr id="4" name="Date Placeholder 3">
-            <a:extLst>
-              <a:ext uri="{FF2B5EF4-FFF2-40B4-BE49-F238E27FC236}">
-                <a16:creationId xmlns:a16="http://schemas.microsoft.com/office/drawing/2014/main" id="{46725F7B-46C5-422A-BCB6-1DB23BF52386}"/>
-              </a:ext>
-            </a:extLst>
-          </p:cNvPr>
+            <a:endParaRPr lang="en-US" dirty="0"/>
+          </a:p>
+        </p:txBody>
+      </p:sp>
+      <p:sp>
+        <p:nvSpPr>
+          <p:cNvPr id="4" name="Date Placeholder 3"/>
           <p:cNvSpPr>
             <a:spLocks noGrp="1"/>
           </p:cNvSpPr>
@@ -2886,8 +5852,8 @@
         </p:nvSpPr>
         <p:spPr>
           <a:xfrm>
-            <a:off x="838200" y="6356350"/>
-            <a:ext cx="2743200" cy="365125"/>
+            <a:off x="8595360" y="6356350"/>
+            <a:ext cx="2910840" cy="365125"/>
           </a:xfrm>
           <a:prstGeom prst="rect">
             <a:avLst/>
@@ -2896,8 +5862,8 @@
         <p:txBody>
           <a:bodyPr vert="horz" lIns="91440" tIns="45720" rIns="91440" bIns="45720" rtlCol="0" anchor="ctr"/>
           <a:lstStyle>
-            <a:lvl1pPr algn="l">
-              <a:defRPr sz="1200">
+            <a:lvl1pPr algn="r">
+              <a:defRPr sz="1050">
                 <a:solidFill>
                   <a:schemeClr val="tx1">
                     <a:tint val="75000"/>
@@ -2907,23 +5873,17 @@
             </a:lvl1pPr>
           </a:lstStyle>
           <a:p>
-            <a:fld id="{C594B370-BBCB-4061-B0A8-180371CA5BFD}" type="datetimeFigureOut">
-              <a:rPr lang="en-US" smtClean="0"/>
-              <a:t>11/29/2019</a:t>
+            <a:fld id="{9D648943-11F5-4E3A-89B9-4D7A01C331E0}" type="datetimeFigureOut">
+              <a:rPr lang="en-CA" smtClean="0"/>
+              <a:t>2019-11-29</a:t>
             </a:fld>
-            <a:endParaRPr lang="en-US"/>
-          </a:p>
-        </p:txBody>
-      </p:sp>
-      <p:sp>
-        <p:nvSpPr>
-          <p:cNvPr id="5" name="Footer Placeholder 4">
-            <a:extLst>
-              <a:ext uri="{FF2B5EF4-FFF2-40B4-BE49-F238E27FC236}">
-                <a16:creationId xmlns:a16="http://schemas.microsoft.com/office/drawing/2014/main" id="{41F5AD93-1E51-4954-AB47-3F466FD306E2}"/>
-              </a:ext>
-            </a:extLst>
-          </p:cNvPr>
+            <a:endParaRPr lang="en-CA"/>
+          </a:p>
+        </p:txBody>
+      </p:sp>
+      <p:sp>
+        <p:nvSpPr>
+          <p:cNvPr id="5" name="Footer Placeholder 4"/>
           <p:cNvSpPr>
             <a:spLocks noGrp="1"/>
           </p:cNvSpPr>
@@ -2933,8 +5893,8 @@
         </p:nvSpPr>
         <p:spPr>
           <a:xfrm>
-            <a:off x="4038600" y="6356350"/>
-            <a:ext cx="4114800" cy="365125"/>
+            <a:off x="685800" y="6355845"/>
+            <a:ext cx="7772400" cy="365125"/>
           </a:xfrm>
           <a:prstGeom prst="rect">
             <a:avLst/>
@@ -2943,8 +5903,8 @@
         <p:txBody>
           <a:bodyPr vert="horz" lIns="91440" tIns="45720" rIns="91440" bIns="45720" rtlCol="0" anchor="ctr"/>
           <a:lstStyle>
-            <a:lvl1pPr algn="ctr">
-              <a:defRPr sz="1200">
+            <a:lvl1pPr algn="l">
+              <a:defRPr sz="1050">
                 <a:solidFill>
                   <a:schemeClr val="tx1">
                     <a:tint val="75000"/>
@@ -2954,19 +5914,13 @@
             </a:lvl1pPr>
           </a:lstStyle>
           <a:p>
-            <a:endParaRPr lang="en-US"/>
-          </a:p>
-        </p:txBody>
-      </p:sp>
-      <p:sp>
-        <p:nvSpPr>
-          <p:cNvPr id="6" name="Slide Number Placeholder 5">
-            <a:extLst>
-              <a:ext uri="{FF2B5EF4-FFF2-40B4-BE49-F238E27FC236}">
-                <a16:creationId xmlns:a16="http://schemas.microsoft.com/office/drawing/2014/main" id="{451335E6-25AE-41F5-A2E6-E59D8FD644DE}"/>
-              </a:ext>
-            </a:extLst>
-          </p:cNvPr>
+            <a:endParaRPr lang="en-CA"/>
+          </a:p>
+        </p:txBody>
+      </p:sp>
+      <p:sp>
+        <p:nvSpPr>
+          <p:cNvPr id="6" name="Slide Number Placeholder 5"/>
           <p:cNvSpPr>
             <a:spLocks noGrp="1"/>
           </p:cNvSpPr>
@@ -2976,7 +5930,7 @@
         </p:nvSpPr>
         <p:spPr>
           <a:xfrm>
-            <a:off x="8610600" y="6356350"/>
+            <a:off x="8763000" y="381000"/>
             <a:ext cx="2743200" cy="365125"/>
           </a:xfrm>
           <a:prstGeom prst="rect">
@@ -2987,7 +5941,7 @@
           <a:bodyPr vert="horz" lIns="91440" tIns="45720" rIns="91440" bIns="45720" rtlCol="0" anchor="ctr"/>
           <a:lstStyle>
             <a:lvl1pPr algn="r">
-              <a:defRPr sz="1200">
+              <a:defRPr sz="1050">
                 <a:solidFill>
                   <a:schemeClr val="tx1">
                     <a:tint val="75000"/>
@@ -2997,38 +5951,44 @@
             </a:lvl1pPr>
           </a:lstStyle>
           <a:p>
-            <a:fld id="{DAA8937E-7481-4FBA-8BC6-5EF0F3CC8223}" type="slidenum">
-              <a:rPr lang="en-US" smtClean="0"/>
+            <a:fld id="{AAAB3E9E-D708-433F-A405-5153863355EE}" type="slidenum">
+              <a:rPr lang="en-CA" smtClean="0"/>
               <a:t>‹#›</a:t>
             </a:fld>
-            <a:endParaRPr lang="en-US"/>
+            <a:endParaRPr lang="en-CA"/>
           </a:p>
         </p:txBody>
       </p:sp>
     </p:spTree>
     <p:extLst>
       <p:ext uri="{BB962C8B-B14F-4D97-AF65-F5344CB8AC3E}">
-        <p14:creationId xmlns:p14="http://schemas.microsoft.com/office/powerpoint/2010/main" val="1795434617"/>
+        <p14:creationId xmlns:p14="http://schemas.microsoft.com/office/powerpoint/2010/main" val="2127573971"/>
       </p:ext>
     </p:extLst>
   </p:cSld>
-  <p:clrMap bg1="lt1" tx1="dk1" bg2="lt2" tx2="dk2" accent1="accent1" accent2="accent2" accent3="accent3" accent4="accent4" accent5="accent5" accent6="accent6" hlink="hlink" folHlink="folHlink"/>
+  <p:clrMap bg1="dk1" tx1="lt1" bg2="dk2" tx2="lt2" accent1="accent1" accent2="accent2" accent3="accent3" accent4="accent4" accent5="accent5" accent6="accent6" hlink="hlink" folHlink="folHlink"/>
   <p:sldLayoutIdLst>
-    <p:sldLayoutId id="2147483649" r:id="rId1"/>
-    <p:sldLayoutId id="2147483650" r:id="rId2"/>
-    <p:sldLayoutId id="2147483651" r:id="rId3"/>
-    <p:sldLayoutId id="2147483652" r:id="rId4"/>
-    <p:sldLayoutId id="2147483653" r:id="rId5"/>
-    <p:sldLayoutId id="2147483654" r:id="rId6"/>
-    <p:sldLayoutId id="2147483655" r:id="rId7"/>
-    <p:sldLayoutId id="2147483656" r:id="rId8"/>
-    <p:sldLayoutId id="2147483657" r:id="rId9"/>
-    <p:sldLayoutId id="2147483658" r:id="rId10"/>
-    <p:sldLayoutId id="2147483659" r:id="rId11"/>
+    <p:sldLayoutId id="2147483703" r:id="rId1"/>
+    <p:sldLayoutId id="2147483704" r:id="rId2"/>
+    <p:sldLayoutId id="2147483705" r:id="rId3"/>
+    <p:sldLayoutId id="2147483706" r:id="rId4"/>
+    <p:sldLayoutId id="2147483707" r:id="rId5"/>
+    <p:sldLayoutId id="2147483708" r:id="rId6"/>
+    <p:sldLayoutId id="2147483709" r:id="rId7"/>
+    <p:sldLayoutId id="2147483710" r:id="rId8"/>
+    <p:sldLayoutId id="2147483711" r:id="rId9"/>
+    <p:sldLayoutId id="2147483712" r:id="rId10"/>
+    <p:sldLayoutId id="2147483713" r:id="rId11"/>
+    <p:sldLayoutId id="2147483714" r:id="rId12"/>
+    <p:sldLayoutId id="2147483715" r:id="rId13"/>
+    <p:sldLayoutId id="2147483716" r:id="rId14"/>
+    <p:sldLayoutId id="2147483717" r:id="rId15"/>
+    <p:sldLayoutId id="2147483718" r:id="rId16"/>
+    <p:sldLayoutId id="2147483719" r:id="rId17"/>
   </p:sldLayoutIdLst>
   <p:txStyles>
     <p:titleStyle>
-      <a:lvl1pPr algn="l" defTabSz="914400" rtl="0" eaLnBrk="1" latinLnBrk="0" hangingPunct="1">
+      <a:lvl1pPr algn="r" defTabSz="914400" rtl="0" eaLnBrk="1" latinLnBrk="0" hangingPunct="1">
         <a:lnSpc>
           <a:spcPct val="90000"/>
         </a:lnSpc>
@@ -3036,7 +5996,7 @@
           <a:spcPct val="0"/>
         </a:spcBef>
         <a:buNone/>
-        <a:defRPr sz="4400" kern="1200">
+        <a:defRPr sz="4000" kern="1200" cap="all" baseline="0">
           <a:solidFill>
             <a:schemeClr val="tx1"/>
           </a:solidFill>
@@ -3056,7 +6016,7 @@
         </a:spcBef>
         <a:buFont typeface="Arial" panose="020B0604020202020204" pitchFamily="34" charset="0"/>
         <a:buChar char="•"/>
-        <a:defRPr sz="2800" kern="1200">
+        <a:defRPr sz="2200" kern="1200">
           <a:solidFill>
             <a:schemeClr val="tx1"/>
           </a:solidFill>
@@ -3074,7 +6034,7 @@
         </a:spcBef>
         <a:buFont typeface="Arial" panose="020B0604020202020204" pitchFamily="34" charset="0"/>
         <a:buChar char="•"/>
-        <a:defRPr sz="2400" kern="1200">
+        <a:defRPr sz="2000" kern="1200">
           <a:solidFill>
             <a:schemeClr val="tx1"/>
           </a:solidFill>
@@ -3092,7 +6052,7 @@
         </a:spcBef>
         <a:buFont typeface="Arial" panose="020B0604020202020204" pitchFamily="34" charset="0"/>
         <a:buChar char="•"/>
-        <a:defRPr sz="2000" kern="1200">
+        <a:defRPr sz="1800" kern="1200">
           <a:solidFill>
             <a:schemeClr val="tx1"/>
           </a:solidFill>
@@ -3110,7 +6070,7 @@
         </a:spcBef>
         <a:buFont typeface="Arial" panose="020B0604020202020204" pitchFamily="34" charset="0"/>
         <a:buChar char="•"/>
-        <a:defRPr sz="1800" kern="1200">
+        <a:defRPr sz="1600" kern="1200">
           <a:solidFill>
             <a:schemeClr val="tx1"/>
           </a:solidFill>
@@ -3128,7 +6088,7 @@
         </a:spcBef>
         <a:buFont typeface="Arial" panose="020B0604020202020204" pitchFamily="34" charset="0"/>
         <a:buChar char="•"/>
-        <a:defRPr sz="1800" kern="1200">
+        <a:defRPr sz="1600" kern="1200">
           <a:solidFill>
             <a:schemeClr val="tx1"/>
           </a:solidFill>
@@ -3146,7 +6106,7 @@
         </a:spcBef>
         <a:buFont typeface="Arial" panose="020B0604020202020204" pitchFamily="34" charset="0"/>
         <a:buChar char="•"/>
-        <a:defRPr sz="1800" kern="1200">
+        <a:defRPr sz="1600" kern="1200">
           <a:solidFill>
             <a:schemeClr val="tx1"/>
           </a:solidFill>
@@ -3164,7 +6124,7 @@
         </a:spcBef>
         <a:buFont typeface="Arial" panose="020B0604020202020204" pitchFamily="34" charset="0"/>
         <a:buChar char="•"/>
-        <a:defRPr sz="1800" kern="1200">
+        <a:defRPr sz="1600" kern="1200">
           <a:solidFill>
             <a:schemeClr val="tx1"/>
           </a:solidFill>
@@ -3182,7 +6142,7 @@
         </a:spcBef>
         <a:buFont typeface="Arial" panose="020B0604020202020204" pitchFamily="34" charset="0"/>
         <a:buChar char="•"/>
-        <a:defRPr sz="1800" kern="1200">
+        <a:defRPr sz="1600" kern="1200">
           <a:solidFill>
             <a:schemeClr val="tx1"/>
           </a:solidFill>
@@ -3200,7 +6160,7 @@
         </a:spcBef>
         <a:buFont typeface="Arial" panose="020B0604020202020204" pitchFamily="34" charset="0"/>
         <a:buChar char="•"/>
-        <a:defRPr sz="1800" kern="1200">
+        <a:defRPr sz="1600" kern="1200">
           <a:solidFill>
             <a:schemeClr val="tx1"/>
           </a:solidFill>
@@ -3306,12 +6266,25 @@
       </a:lvl9pPr>
     </p:otherStyle>
   </p:txStyles>
+  <p:extLst>
+    <p:ext uri="{27BBF7A9-308A-43DC-89C8-2F10F3537804}">
+      <p15:sldGuideLst xmlns:p15="http://schemas.microsoft.com/office/powerpoint/2012/main"/>
+    </p:ext>
+  </p:extLst>
 </p:sldMaster>
 </file>
 
 <file path=ppt/slides/slide1.xml><?xml version="1.0" encoding="utf-8"?>
 <p:sld xmlns:a="http://schemas.openxmlformats.org/drawingml/2006/main" xmlns:r="http://schemas.openxmlformats.org/officeDocument/2006/relationships" xmlns:p="http://schemas.openxmlformats.org/presentationml/2006/main">
   <p:cSld>
+    <p:bg>
+      <p:bgPr>
+        <a:solidFill>
+          <a:schemeClr val="bg1"/>
+        </a:solidFill>
+        <a:effectLst/>
+      </p:bgPr>
+    </p:bg>
     <p:spTree>
       <p:nvGrpSpPr>
         <p:cNvPr id="1" name=""/>
@@ -3326,12 +6299,57 @@
           <a:chExt cx="0" cy="0"/>
         </a:xfrm>
       </p:grpSpPr>
+      <p:pic>
+        <p:nvPicPr>
+          <p:cNvPr id="7" name="Picture 9">
+            <a:extLst>
+              <a:ext uri="{FF2B5EF4-FFF2-40B4-BE49-F238E27FC236}">
+                <a16:creationId xmlns:a16="http://schemas.microsoft.com/office/drawing/2014/main" id="{CFD580F5-E7BF-4C1D-BEFD-4A4601EBA876}"/>
+              </a:ext>
+              <a:ext uri="{C183D7F6-B498-43B3-948B-1728B52AA6E4}">
+                <adec:decorative xmlns:adec="http://schemas.microsoft.com/office/drawing/2017/decorative" val="1"/>
+              </a:ext>
+            </a:extLst>
+          </p:cNvPr>
+          <p:cNvPicPr>
+            <a:picLocks noGrp="1" noRot="1" noChangeAspect="1" noMove="1" noResize="1" noEditPoints="1" noAdjustHandles="1" noChangeArrowheads="1" noChangeShapeType="1" noCrop="1"/>
+          </p:cNvPicPr>
+          <p:nvPr>
+            <p:extLst>
+              <p:ext uri="{386F3935-93C4-4BCD-93E2-E3B085C9AB24}">
+                <p16:designElem xmlns:p16="http://schemas.microsoft.com/office/powerpoint/2015/main" val="1"/>
+              </p:ext>
+            </p:extLst>
+          </p:nvPr>
+        </p:nvPicPr>
+        <p:blipFill>
+          <a:blip r:embed="rId2">
+            <a:extLst>
+              <a:ext uri="{28A0092B-C50C-407E-A947-70E740481C1C}">
+                <a14:useLocalDpi xmlns:a14="http://schemas.microsoft.com/office/drawing/2010/main" val="0"/>
+              </a:ext>
+            </a:extLst>
+          </a:blip>
+          <a:stretch>
+            <a:fillRect/>
+          </a:stretch>
+        </p:blipFill>
+        <p:spPr>
+          <a:xfrm>
+            <a:off x="0" y="0"/>
+            <a:ext cx="12192000" cy="1441450"/>
+          </a:xfrm>
+          <a:prstGeom prst="rect">
+            <a:avLst/>
+          </a:prstGeom>
+        </p:spPr>
+      </p:pic>
       <p:sp>
         <p:nvSpPr>
           <p:cNvPr id="2" name="Title 1">
             <a:extLst>
               <a:ext uri="{FF2B5EF4-FFF2-40B4-BE49-F238E27FC236}">
-                <a16:creationId xmlns:a16="http://schemas.microsoft.com/office/drawing/2014/main" id="{EDC7F971-DC6E-4C51-99E8-CBC9591896E2}"/>
+                <a16:creationId xmlns:a16="http://schemas.microsoft.com/office/drawing/2014/main" id="{C46C0FD3-6934-4F6C-BC7D-60F98CFF71A1}"/>
               </a:ext>
             </a:extLst>
           </p:cNvPr>
@@ -3342,41 +6360,44 @@
             <p:ph type="ctrTitle"/>
           </p:nvPr>
         </p:nvSpPr>
-        <p:spPr/>
-        <p:txBody>
-          <a:bodyPr>
+        <p:spPr>
+          <a:xfrm>
+            <a:off x="2895600" y="764373"/>
+            <a:ext cx="8610600" cy="1293028"/>
+          </a:xfrm>
+        </p:spPr>
+        <p:txBody>
+          <a:bodyPr vert="horz" lIns="91440" tIns="45720" rIns="91440" bIns="45720" rtlCol="0" anchor="ctr">
             <a:normAutofit/>
           </a:bodyPr>
           <a:lstStyle/>
           <a:p>
-            <a:r>
-              <a:rPr lang="en-US" sz="5400" dirty="0" err="1"/>
+            <a:pPr algn="r"/>
+            <a:r>
+              <a:rPr lang="en-US" sz="2800" dirty="0" err="1"/>
               <a:t>Mistborn</a:t>
             </a:r>
             <a:r>
-              <a:rPr lang="en-US" sz="5400" dirty="0"/>
-              <a:t> </a:t>
-            </a:r>
-            <a:r>
-              <a:rPr lang="en-US" sz="5400" dirty="0" err="1"/>
+              <a:rPr lang="en-US" sz="2800" dirty="0"/>
+              <a:t> – </a:t>
+            </a:r>
+            <a:r>
+              <a:rPr lang="en-US" sz="2800" dirty="0" err="1"/>
               <a:t>Ragnarok</a:t>
             </a:r>
             <a:br>
-              <a:rPr lang="en-US" sz="3600" dirty="0"/>
+              <a:rPr lang="en-US" sz="2800" dirty="0"/>
             </a:br>
             <a:r>
-              <a:rPr lang="en-US" sz="2400" dirty="0"/>
-              <a:t>- Aggressive Pigeon Game Studio</a:t>
+              <a:rPr lang="en-US" sz="2800" dirty="0"/>
+              <a:t>Aggressive Pigeon Game Studio</a:t>
             </a:r>
             <a:br>
-              <a:rPr lang="en-US" sz="3600" dirty="0"/>
+              <a:rPr lang="en-US" sz="2800" dirty="0"/>
             </a:br>
-            <a:br>
-              <a:rPr lang="en-US" sz="3600" dirty="0"/>
-            </a:br>
-            <a:r>
-              <a:rPr lang="en-US" sz="3600" dirty="0"/>
-              <a:t>Final Project Presentation</a:t>
+            <a:r>
+              <a:rPr lang="en-US" sz="2800" dirty="0"/>
+              <a:t>COMP 376 FINAL PROJECT PRESENTATION</a:t>
             </a:r>
           </a:p>
         </p:txBody>
@@ -3386,7 +6407,7 @@
           <p:cNvPr id="3" name="Subtitle 2">
             <a:extLst>
               <a:ext uri="{FF2B5EF4-FFF2-40B4-BE49-F238E27FC236}">
-                <a16:creationId xmlns:a16="http://schemas.microsoft.com/office/drawing/2014/main" id="{603873D6-EB32-4302-AF41-9FC445A86B47}"/>
+                <a16:creationId xmlns:a16="http://schemas.microsoft.com/office/drawing/2014/main" id="{B9693D1C-DAF1-4AFD-BEEF-98677036D545}"/>
               </a:ext>
             </a:extLst>
           </p:cNvPr>
@@ -3399,13 +6420,13 @@
         </p:nvSpPr>
         <p:spPr>
           <a:xfrm>
-            <a:off x="1524000" y="4079875"/>
-            <a:ext cx="9144000" cy="1655762"/>
-          </a:xfrm>
-        </p:spPr>
-        <p:txBody>
-          <a:bodyPr>
-            <a:normAutofit fontScale="85000" lnSpcReduction="20000"/>
+            <a:off x="677333" y="2194560"/>
+            <a:ext cx="5816600" cy="4024125"/>
+          </a:xfrm>
+        </p:spPr>
+        <p:txBody>
+          <a:bodyPr vert="horz" lIns="91440" tIns="45720" rIns="91440" bIns="45720" rtlCol="0">
+            <a:normAutofit/>
           </a:bodyPr>
           <a:lstStyle/>
           <a:p>
@@ -3430,8 +6451,20 @@
               <a:buChar char="•"/>
             </a:pPr>
             <a:r>
+              <a:rPr lang="en-US" dirty="0" err="1"/>
+              <a:t>Ayush</a:t>
+            </a:r>
+            <a:r>
               <a:rPr lang="en-US" dirty="0"/>
-              <a:t>Ayush Kharade - 40042388	</a:t>
+              <a:t> </a:t>
+            </a:r>
+            <a:r>
+              <a:rPr lang="en-US" dirty="0" err="1"/>
+              <a:t>Kharade</a:t>
+            </a:r>
+            <a:r>
+              <a:rPr lang="en-US" dirty="0"/>
+              <a:t> - 40042388	</a:t>
             </a:r>
           </a:p>
           <a:p>
@@ -3497,15 +6530,101 @@
               <a:t> - 40048537</a:t>
             </a:r>
           </a:p>
-          <a:p>
-            <a:endParaRPr lang="en-US" dirty="0"/>
+        </p:txBody>
+      </p:sp>
+      <p:pic>
+        <p:nvPicPr>
+          <p:cNvPr id="9" name="Picture 8">
+            <a:extLst>
+              <a:ext uri="{FF2B5EF4-FFF2-40B4-BE49-F238E27FC236}">
+                <a16:creationId xmlns:a16="http://schemas.microsoft.com/office/drawing/2014/main" id="{BED71BB5-17CC-4C53-9B8F-C3A8D04A8F1A}"/>
+              </a:ext>
+            </a:extLst>
+          </p:cNvPr>
+          <p:cNvPicPr>
+            <a:picLocks noChangeAspect="1"/>
+          </p:cNvPicPr>
+          <p:nvPr/>
+        </p:nvPicPr>
+        <p:blipFill>
+          <a:blip r:embed="rId3">
+            <a:extLst>
+              <a:ext uri="{28A0092B-C50C-407E-A947-70E740481C1C}">
+                <a14:useLocalDpi xmlns:a14="http://schemas.microsoft.com/office/drawing/2010/main" val="0"/>
+              </a:ext>
+            </a:extLst>
+          </a:blip>
+          <a:stretch>
+            <a:fillRect/>
+          </a:stretch>
+        </p:blipFill>
+        <p:spPr>
+          <a:xfrm>
+            <a:off x="4793022" y="2205823"/>
+            <a:ext cx="6713178" cy="3780789"/>
+          </a:xfrm>
+          <a:prstGeom prst="rect">
+            <a:avLst/>
+          </a:prstGeom>
+          <a:ln w="38100" cap="sq">
+            <a:solidFill>
+              <a:srgbClr val="000000"/>
+            </a:solidFill>
+            <a:prstDash val="solid"/>
+            <a:miter lim="800000"/>
+          </a:ln>
+          <a:effectLst>
+            <a:outerShdw blurRad="50800" dist="38100" dir="2700000" algn="tl" rotWithShape="0">
+              <a:srgbClr val="000000">
+                <a:alpha val="43000"/>
+              </a:srgbClr>
+            </a:outerShdw>
+          </a:effectLst>
+        </p:spPr>
+      </p:pic>
+      <p:sp>
+        <p:nvSpPr>
+          <p:cNvPr id="11" name="TextBox 10">
+            <a:extLst>
+              <a:ext uri="{FF2B5EF4-FFF2-40B4-BE49-F238E27FC236}">
+                <a16:creationId xmlns:a16="http://schemas.microsoft.com/office/drawing/2014/main" id="{552455AC-ED9F-4DD1-8ECF-C57D123F51DB}"/>
+              </a:ext>
+            </a:extLst>
+          </p:cNvPr>
+          <p:cNvSpPr txBox="1"/>
+          <p:nvPr/>
+        </p:nvSpPr>
+        <p:spPr>
+          <a:xfrm>
+            <a:off x="6739911" y="5548651"/>
+            <a:ext cx="2819400" cy="369332"/>
+          </a:xfrm>
+          <a:prstGeom prst="rect">
+            <a:avLst/>
+          </a:prstGeom>
+          <a:noFill/>
+        </p:spPr>
+        <p:txBody>
+          <a:bodyPr wrap="square" rtlCol="0">
+            <a:spAutoFit/>
+          </a:bodyPr>
+          <a:lstStyle/>
+          <a:p>
+            <a:r>
+              <a:rPr lang="en-CA" dirty="0">
+                <a:solidFill>
+                  <a:srgbClr val="002060"/>
+                </a:solidFill>
+              </a:rPr>
+              <a:t>“All Paths Lead To Ruin”</a:t>
+            </a:r>
           </a:p>
         </p:txBody>
       </p:sp>
     </p:spTree>
     <p:extLst>
       <p:ext uri="{BB962C8B-B14F-4D97-AF65-F5344CB8AC3E}">
-        <p14:creationId xmlns:p14="http://schemas.microsoft.com/office/powerpoint/2010/main" val="1694210368"/>
+        <p14:creationId xmlns:p14="http://schemas.microsoft.com/office/powerpoint/2010/main" val="4230382773"/>
       </p:ext>
     </p:extLst>
   </p:cSld>
@@ -3518,6 +6637,14 @@
 <file path=ppt/slides/slide2.xml><?xml version="1.0" encoding="utf-8"?>
 <p:sld xmlns:a="http://schemas.openxmlformats.org/drawingml/2006/main" xmlns:r="http://schemas.openxmlformats.org/officeDocument/2006/relationships" xmlns:p="http://schemas.openxmlformats.org/presentationml/2006/main">
   <p:cSld>
+    <p:bg>
+      <p:bgPr>
+        <a:solidFill>
+          <a:schemeClr val="bg1"/>
+        </a:solidFill>
+        <a:effectLst/>
+      </p:bgPr>
+    </p:bg>
     <p:spTree>
       <p:nvGrpSpPr>
         <p:cNvPr id="1" name=""/>
@@ -3537,7 +6664,7 @@
           <p:cNvPr id="2" name="Title 1">
             <a:extLst>
               <a:ext uri="{FF2B5EF4-FFF2-40B4-BE49-F238E27FC236}">
-                <a16:creationId xmlns:a16="http://schemas.microsoft.com/office/drawing/2014/main" id="{D94CC93D-67F8-4968-9AE5-8E8B06CF7121}"/>
+                <a16:creationId xmlns:a16="http://schemas.microsoft.com/office/drawing/2014/main" id="{5F7EFE1E-6837-46DF-9B49-63C508F4CF92}"/>
               </a:ext>
             </a:extLst>
           </p:cNvPr>
@@ -3548,14 +6675,21 @@
             <p:ph type="title"/>
           </p:nvPr>
         </p:nvSpPr>
-        <p:spPr/>
-        <p:txBody>
-          <a:bodyPr/>
-          <a:lstStyle/>
-          <a:p>
-            <a:r>
-              <a:rPr lang="en-US" dirty="0"/>
-              <a:t>Changes since progress presentation</a:t>
+        <p:spPr>
+          <a:xfrm>
+            <a:off x="2895600" y="764373"/>
+            <a:ext cx="8610600" cy="1293028"/>
+          </a:xfrm>
+        </p:spPr>
+        <p:txBody>
+          <a:bodyPr>
+            <a:normAutofit/>
+          </a:bodyPr>
+          <a:lstStyle/>
+          <a:p>
+            <a:r>
+              <a:rPr lang="en-CA" dirty="0"/>
+              <a:t>CHANGES</a:t>
             </a:r>
           </a:p>
         </p:txBody>
@@ -3565,7 +6699,7 @@
           <p:cNvPr id="3" name="Content Placeholder 2">
             <a:extLst>
               <a:ext uri="{FF2B5EF4-FFF2-40B4-BE49-F238E27FC236}">
-                <a16:creationId xmlns:a16="http://schemas.microsoft.com/office/drawing/2014/main" id="{C1DE5518-8707-4298-992C-23F044F17AE6}"/>
+                <a16:creationId xmlns:a16="http://schemas.microsoft.com/office/drawing/2014/main" id="{34212EEC-385F-4086-A2E5-008B90FAD0A6}"/>
               </a:ext>
             </a:extLst>
           </p:cNvPr>
@@ -3578,47 +6712,45 @@
         </p:nvSpPr>
         <p:spPr/>
         <p:txBody>
-          <a:bodyPr>
-            <a:normAutofit/>
-          </a:bodyPr>
-          <a:lstStyle/>
-          <a:p>
-            <a:r>
-              <a:rPr lang="en-US" sz="2400" dirty="0"/>
+          <a:bodyPr/>
+          <a:lstStyle/>
+          <a:p>
+            <a:r>
+              <a:rPr lang="en-US" sz="2000" dirty="0"/>
               <a:t>During the progress presentation we were unsure whether to keep </a:t>
             </a:r>
             <a:r>
-              <a:rPr lang="en-US" sz="2400" dirty="0" err="1"/>
+              <a:rPr lang="en-US" sz="2000" dirty="0" err="1"/>
               <a:t>Koloss</a:t>
             </a:r>
             <a:r>
-              <a:rPr lang="en-US" sz="2400" dirty="0"/>
+              <a:rPr lang="en-US" sz="2000" dirty="0"/>
               <a:t> in the game, mainly because such an enemy didn’t go well with the setting of our levels and also due to time constraint.</a:t>
             </a:r>
           </a:p>
           <a:p>
-            <a:endParaRPr lang="en-US" sz="2400" dirty="0"/>
-          </a:p>
-          <a:p>
-            <a:r>
-              <a:rPr lang="en-US" sz="2400" dirty="0"/>
+            <a:endParaRPr lang="en-US" sz="2000" dirty="0"/>
+          </a:p>
+          <a:p>
+            <a:r>
+              <a:rPr lang="en-US" sz="2000" dirty="0"/>
               <a:t>We dropped </a:t>
             </a:r>
             <a:r>
-              <a:rPr lang="en-US" sz="2400" dirty="0" err="1"/>
+              <a:rPr lang="en-US" sz="2000" dirty="0" err="1"/>
               <a:t>Koloss</a:t>
             </a:r>
             <a:r>
-              <a:rPr lang="en-US" sz="2400" dirty="0"/>
+              <a:rPr lang="en-US" sz="2000" dirty="0"/>
               <a:t> idea as an enemy.</a:t>
             </a:r>
           </a:p>
           <a:p>
-            <a:endParaRPr lang="en-US" sz="2400" dirty="0"/>
-          </a:p>
-          <a:p>
-            <a:r>
-              <a:rPr lang="en-US" sz="2400" dirty="0"/>
+            <a:endParaRPr lang="en-US" sz="2000" dirty="0"/>
+          </a:p>
+          <a:p>
+            <a:r>
+              <a:rPr lang="en-US" sz="2000" dirty="0"/>
               <a:t>Apart from that, we have implemented all other ideas that were proposed during the previous two presentations.</a:t>
             </a:r>
           </a:p>
@@ -3627,7 +6759,7 @@
     </p:spTree>
     <p:extLst>
       <p:ext uri="{BB962C8B-B14F-4D97-AF65-F5344CB8AC3E}">
-        <p14:creationId xmlns:p14="http://schemas.microsoft.com/office/powerpoint/2010/main" val="233513872"/>
+        <p14:creationId xmlns:p14="http://schemas.microsoft.com/office/powerpoint/2010/main" val="3008959168"/>
       </p:ext>
     </p:extLst>
   </p:cSld>
@@ -3640,6 +6772,14 @@
 <file path=ppt/slides/slide3.xml><?xml version="1.0" encoding="utf-8"?>
 <p:sld xmlns:a="http://schemas.openxmlformats.org/drawingml/2006/main" xmlns:r="http://schemas.openxmlformats.org/officeDocument/2006/relationships" xmlns:p="http://schemas.openxmlformats.org/presentationml/2006/main">
   <p:cSld>
+    <p:bg>
+      <p:bgPr>
+        <a:solidFill>
+          <a:schemeClr val="bg1"/>
+        </a:solidFill>
+        <a:effectLst/>
+      </p:bgPr>
+    </p:bg>
     <p:spTree>
       <p:nvGrpSpPr>
         <p:cNvPr id="1" name=""/>
@@ -3659,7 +6799,7 @@
           <p:cNvPr id="2" name="Title 1">
             <a:extLst>
               <a:ext uri="{FF2B5EF4-FFF2-40B4-BE49-F238E27FC236}">
-                <a16:creationId xmlns:a16="http://schemas.microsoft.com/office/drawing/2014/main" id="{B6A28E07-B366-4628-AE0A-FCD6D774C7A8}"/>
+                <a16:creationId xmlns:a16="http://schemas.microsoft.com/office/drawing/2014/main" id="{5F7EFE1E-6837-46DF-9B49-63C508F4CF92}"/>
               </a:ext>
             </a:extLst>
           </p:cNvPr>
@@ -3670,37 +6810,51 @@
             <p:ph type="title"/>
           </p:nvPr>
         </p:nvSpPr>
-        <p:spPr/>
-        <p:txBody>
-          <a:bodyPr/>
+        <p:spPr>
+          <a:xfrm>
+            <a:off x="2895600" y="764373"/>
+            <a:ext cx="8610600" cy="1293028"/>
+          </a:xfrm>
+        </p:spPr>
+        <p:txBody>
+          <a:bodyPr>
+            <a:normAutofit/>
+          </a:bodyPr>
           <a:lstStyle/>
           <a:p>
             <a:r>
               <a:rPr lang="en-US" dirty="0"/>
               <a:t>Game Structure</a:t>
             </a:r>
-          </a:p>
-        </p:txBody>
-      </p:sp>
-      <p:sp>
-        <p:nvSpPr>
-          <p:cNvPr id="3" name="Content Placeholder 2">
+            <a:endParaRPr lang="en-CA" sz="4000" dirty="0"/>
+          </a:p>
+        </p:txBody>
+      </p:sp>
+      <p:sp>
+        <p:nvSpPr>
+          <p:cNvPr id="6" name="Rectangle 5">
             <a:extLst>
               <a:ext uri="{FF2B5EF4-FFF2-40B4-BE49-F238E27FC236}">
-                <a16:creationId xmlns:a16="http://schemas.microsoft.com/office/drawing/2014/main" id="{9A9DF15C-165A-45E9-A389-53A20DCB71E2}"/>
+                <a16:creationId xmlns:a16="http://schemas.microsoft.com/office/drawing/2014/main" id="{D80D0E1A-7002-4EBA-A116-8A84B7161081}"/>
               </a:ext>
             </a:extLst>
           </p:cNvPr>
-          <p:cNvSpPr>
-            <a:spLocks noGrp="1"/>
-          </p:cNvSpPr>
-          <p:nvPr>
-            <p:ph idx="1"/>
-          </p:nvPr>
-        </p:nvSpPr>
-        <p:spPr/>
-        <p:txBody>
-          <a:bodyPr/>
+          <p:cNvSpPr/>
+          <p:nvPr/>
+        </p:nvSpPr>
+        <p:spPr>
+          <a:xfrm>
+            <a:off x="439640" y="2057401"/>
+            <a:ext cx="11193117" cy="2862322"/>
+          </a:xfrm>
+          <a:prstGeom prst="rect">
+            <a:avLst/>
+          </a:prstGeom>
+        </p:spPr>
+        <p:txBody>
+          <a:bodyPr wrap="square">
+            <a:spAutoFit/>
+          </a:bodyPr>
           <a:lstStyle/>
           <a:p>
             <a:r>
@@ -3720,6 +6874,16 @@
             </a:endParaRPr>
           </a:p>
           <a:p>
+            <a:endParaRPr lang="en-US" dirty="0">
+              <a:sym typeface="Wingdings" panose="05000000000000000000" pitchFamily="2" charset="2"/>
+            </a:endParaRPr>
+          </a:p>
+          <a:p>
+            <a:endParaRPr lang="en-US" dirty="0">
+              <a:sym typeface="Wingdings" panose="05000000000000000000" pitchFamily="2" charset="2"/>
+            </a:endParaRPr>
+          </a:p>
+          <a:p>
             <a:r>
               <a:rPr lang="en-US" dirty="0">
                 <a:sym typeface="Wingdings" panose="05000000000000000000" pitchFamily="2" charset="2"/>
@@ -3733,6 +6897,16 @@
             </a:endParaRPr>
           </a:p>
           <a:p>
+            <a:endParaRPr lang="en-US" dirty="0">
+              <a:sym typeface="Wingdings" panose="05000000000000000000" pitchFamily="2" charset="2"/>
+            </a:endParaRPr>
+          </a:p>
+          <a:p>
+            <a:endParaRPr lang="en-US" dirty="0">
+              <a:sym typeface="Wingdings" panose="05000000000000000000" pitchFamily="2" charset="2"/>
+            </a:endParaRPr>
+          </a:p>
+          <a:p>
             <a:r>
               <a:rPr lang="en-US" dirty="0">
                 <a:sym typeface="Wingdings" panose="05000000000000000000" pitchFamily="2" charset="2"/>
@@ -3746,7 +6920,7 @@
     </p:spTree>
     <p:extLst>
       <p:ext uri="{BB962C8B-B14F-4D97-AF65-F5344CB8AC3E}">
-        <p14:creationId xmlns:p14="http://schemas.microsoft.com/office/powerpoint/2010/main" val="2602633326"/>
+        <p14:creationId xmlns:p14="http://schemas.microsoft.com/office/powerpoint/2010/main" val="3640257781"/>
       </p:ext>
     </p:extLst>
   </p:cSld>
@@ -3759,6 +6933,14 @@
 <file path=ppt/slides/slide4.xml><?xml version="1.0" encoding="utf-8"?>
 <p:sld xmlns:a="http://schemas.openxmlformats.org/drawingml/2006/main" xmlns:r="http://schemas.openxmlformats.org/officeDocument/2006/relationships" xmlns:p="http://schemas.openxmlformats.org/presentationml/2006/main">
   <p:cSld>
+    <p:bg>
+      <p:bgPr>
+        <a:solidFill>
+          <a:schemeClr val="bg1"/>
+        </a:solidFill>
+        <a:effectLst/>
+      </p:bgPr>
+    </p:bg>
     <p:spTree>
       <p:nvGrpSpPr>
         <p:cNvPr id="1" name=""/>
@@ -3778,7 +6960,7 @@
           <p:cNvPr id="2" name="Title 1">
             <a:extLst>
               <a:ext uri="{FF2B5EF4-FFF2-40B4-BE49-F238E27FC236}">
-                <a16:creationId xmlns:a16="http://schemas.microsoft.com/office/drawing/2014/main" id="{FA5C457B-90BD-403B-BFBA-AF0E95B6F224}"/>
+                <a16:creationId xmlns:a16="http://schemas.microsoft.com/office/drawing/2014/main" id="{5F7EFE1E-6837-46DF-9B49-63C508F4CF92}"/>
               </a:ext>
             </a:extLst>
           </p:cNvPr>
@@ -3789,15 +6971,30 @@
             <p:ph type="title"/>
           </p:nvPr>
         </p:nvSpPr>
-        <p:spPr/>
-        <p:txBody>
-          <a:bodyPr/>
+        <p:spPr>
+          <a:xfrm>
+            <a:off x="2967161" y="366808"/>
+            <a:ext cx="8610600" cy="1293028"/>
+          </a:xfrm>
+        </p:spPr>
+        <p:txBody>
+          <a:bodyPr>
+            <a:normAutofit/>
+          </a:bodyPr>
           <a:lstStyle/>
           <a:p>
             <a:r>
               <a:rPr lang="en-US" dirty="0"/>
-              <a:t>New features added (Major features)</a:t>
-            </a:r>
+              <a:t>New features added </a:t>
+            </a:r>
+            <a:br>
+              <a:rPr lang="en-US" dirty="0"/>
+            </a:br>
+            <a:r>
+              <a:rPr lang="en-US" dirty="0"/>
+              <a:t>(Major features)</a:t>
+            </a:r>
+            <a:endParaRPr lang="en-CA" dirty="0"/>
           </a:p>
         </p:txBody>
       </p:sp>
@@ -3806,7 +7003,7 @@
           <p:cNvPr id="3" name="Content Placeholder 2">
             <a:extLst>
               <a:ext uri="{FF2B5EF4-FFF2-40B4-BE49-F238E27FC236}">
-                <a16:creationId xmlns:a16="http://schemas.microsoft.com/office/drawing/2014/main" id="{A66542C4-10A6-4438-9BB0-886628BBDA02}"/>
+                <a16:creationId xmlns:a16="http://schemas.microsoft.com/office/drawing/2014/main" id="{34212EEC-385F-4086-A2E5-008B90FAD0A6}"/>
               </a:ext>
             </a:extLst>
           </p:cNvPr>
@@ -3819,112 +7016,152 @@
         </p:nvSpPr>
         <p:spPr>
           <a:xfrm>
-            <a:off x="838200" y="1544715"/>
-            <a:ext cx="10515600" cy="4632248"/>
+            <a:off x="566861" y="1659836"/>
+            <a:ext cx="11320339" cy="5066967"/>
           </a:xfrm>
         </p:spPr>
         <p:txBody>
           <a:bodyPr>
-            <a:normAutofit/>
+            <a:normAutofit lnSpcReduction="10000"/>
           </a:bodyPr>
           <a:lstStyle/>
           <a:p>
-            <a:r>
-              <a:rPr lang="en-US" sz="2000" u="sng" dirty="0"/>
+            <a:pPr>
+              <a:lnSpc>
+                <a:spcPct val="170000"/>
+              </a:lnSpc>
+            </a:pPr>
+            <a:r>
+              <a:rPr lang="en-US" sz="1600" u="sng" dirty="0"/>
               <a:t>Pewter Functionality</a:t>
             </a:r>
             <a:r>
-              <a:rPr lang="en-US" sz="2000" dirty="0"/>
+              <a:rPr lang="en-US" sz="1600" dirty="0"/>
               <a:t> </a:t>
             </a:r>
             <a:r>
-              <a:rPr lang="en-US" sz="2000" dirty="0">
+              <a:rPr lang="en-US" sz="1600" dirty="0">
                 <a:sym typeface="Wingdings" panose="05000000000000000000" pitchFamily="2" charset="2"/>
               </a:rPr>
               <a:t> Allows players to be strong and agile, allows them to punch enemies. This gives the players a reliable way to fight enemies</a:t>
             </a:r>
           </a:p>
           <a:p>
-            <a:r>
-              <a:rPr lang="en-US" sz="2000" u="sng" dirty="0">
+            <a:pPr>
+              <a:lnSpc>
+                <a:spcPct val="170000"/>
+              </a:lnSpc>
+            </a:pPr>
+            <a:r>
+              <a:rPr lang="en-US" sz="1600" u="sng" dirty="0">
                 <a:sym typeface="Wingdings" panose="05000000000000000000" pitchFamily="2" charset="2"/>
               </a:rPr>
               <a:t>Second level</a:t>
             </a:r>
             <a:r>
-              <a:rPr lang="en-US" sz="2000" dirty="0">
+              <a:rPr lang="en-US" sz="1600" dirty="0">
                 <a:sym typeface="Wingdings" panose="05000000000000000000" pitchFamily="2" charset="2"/>
               </a:rPr>
               <a:t>  happens right after the first level, has two major puzzles and also platforming sections.</a:t>
             </a:r>
           </a:p>
           <a:p>
-            <a:r>
-              <a:rPr lang="en-US" sz="2000" dirty="0">
+            <a:pPr>
+              <a:lnSpc>
+                <a:spcPct val="170000"/>
+              </a:lnSpc>
+            </a:pPr>
+            <a:r>
+              <a:rPr lang="en-US" sz="1600" dirty="0">
                 <a:sym typeface="Wingdings" panose="05000000000000000000" pitchFamily="2" charset="2"/>
               </a:rPr>
               <a:t>Level also has a dark, unsettling feel to it as part of the level design to make players feel uneasy while going through it.</a:t>
             </a:r>
           </a:p>
           <a:p>
-            <a:r>
-              <a:rPr lang="en-US" sz="2000" u="sng" dirty="0" err="1">
+            <a:pPr>
+              <a:lnSpc>
+                <a:spcPct val="170000"/>
+              </a:lnSpc>
+            </a:pPr>
+            <a:r>
+              <a:rPr lang="en-US" sz="1600" u="sng" dirty="0" err="1">
                 <a:sym typeface="Wingdings" panose="05000000000000000000" pitchFamily="2" charset="2"/>
               </a:rPr>
               <a:t>Coinshot</a:t>
             </a:r>
             <a:r>
-              <a:rPr lang="en-US" sz="2000" u="sng" dirty="0">
+              <a:rPr lang="en-US" sz="1600" u="sng" dirty="0">
                 <a:sym typeface="Wingdings" panose="05000000000000000000" pitchFamily="2" charset="2"/>
               </a:rPr>
               <a:t> enemy</a:t>
             </a:r>
             <a:r>
-              <a:rPr lang="en-US" sz="2000" dirty="0">
+              <a:rPr lang="en-US" sz="1600" dirty="0">
                 <a:sym typeface="Wingdings" panose="05000000000000000000" pitchFamily="2" charset="2"/>
               </a:rPr>
               <a:t>  Ranged enemy added to the game</a:t>
             </a:r>
           </a:p>
           <a:p>
-            <a:r>
-              <a:rPr lang="en-US" sz="2000" dirty="0">
+            <a:pPr>
+              <a:lnSpc>
+                <a:spcPct val="170000"/>
+              </a:lnSpc>
+            </a:pPr>
+            <a:r>
+              <a:rPr lang="en-US" sz="1600" dirty="0">
                 <a:sym typeface="Wingdings" panose="05000000000000000000" pitchFamily="2" charset="2"/>
               </a:rPr>
               <a:t>Implemented boss level and boss fight.</a:t>
             </a:r>
           </a:p>
           <a:p>
-            <a:r>
-              <a:rPr lang="en-US" sz="2000" dirty="0">
+            <a:pPr>
+              <a:lnSpc>
+                <a:spcPct val="170000"/>
+              </a:lnSpc>
+            </a:pPr>
+            <a:r>
+              <a:rPr lang="en-US" sz="1600" dirty="0">
                 <a:sym typeface="Wingdings" panose="05000000000000000000" pitchFamily="2" charset="2"/>
               </a:rPr>
               <a:t>Added Lore notes in levels that help explain the story.</a:t>
             </a:r>
           </a:p>
           <a:p>
-            <a:r>
-              <a:rPr lang="en-US" sz="2000" dirty="0">
+            <a:pPr>
+              <a:lnSpc>
+                <a:spcPct val="170000"/>
+              </a:lnSpc>
+            </a:pPr>
+            <a:r>
+              <a:rPr lang="en-US" sz="1600" dirty="0">
                 <a:sym typeface="Wingdings" panose="05000000000000000000" pitchFamily="2" charset="2"/>
               </a:rPr>
               <a:t>Notes also have instructions on how to use newly acquired powers.</a:t>
             </a:r>
           </a:p>
           <a:p>
-            <a:r>
-              <a:rPr lang="en-US" sz="2000" dirty="0">
+            <a:pPr>
+              <a:lnSpc>
+                <a:spcPct val="170000"/>
+              </a:lnSpc>
+            </a:pPr>
+            <a:r>
+              <a:rPr lang="en-US" sz="1600" dirty="0">
                 <a:sym typeface="Wingdings" panose="05000000000000000000" pitchFamily="2" charset="2"/>
               </a:rPr>
               <a:t>Cutscenes added to boss level to explain story and also the aftermath conclusion of the game.</a:t>
             </a:r>
-            <a:endParaRPr lang="en-US" sz="2000" dirty="0"/>
+            <a:endParaRPr lang="en-US" sz="1600" dirty="0"/>
           </a:p>
         </p:txBody>
       </p:sp>
     </p:spTree>
     <p:extLst>
       <p:ext uri="{BB962C8B-B14F-4D97-AF65-F5344CB8AC3E}">
-        <p14:creationId xmlns:p14="http://schemas.microsoft.com/office/powerpoint/2010/main" val="2132673424"/>
+        <p14:creationId xmlns:p14="http://schemas.microsoft.com/office/powerpoint/2010/main" val="731753263"/>
       </p:ext>
     </p:extLst>
   </p:cSld>
@@ -3937,6 +7174,14 @@
 <file path=ppt/slides/slide5.xml><?xml version="1.0" encoding="utf-8"?>
 <p:sld xmlns:a="http://schemas.openxmlformats.org/drawingml/2006/main" xmlns:r="http://schemas.openxmlformats.org/officeDocument/2006/relationships" xmlns:p="http://schemas.openxmlformats.org/presentationml/2006/main">
   <p:cSld>
+    <p:bg>
+      <p:bgPr>
+        <a:solidFill>
+          <a:schemeClr val="bg1"/>
+        </a:solidFill>
+        <a:effectLst/>
+      </p:bgPr>
+    </p:bg>
     <p:spTree>
       <p:nvGrpSpPr>
         <p:cNvPr id="1" name=""/>
@@ -3956,7 +7201,7 @@
           <p:cNvPr id="2" name="Title 1">
             <a:extLst>
               <a:ext uri="{FF2B5EF4-FFF2-40B4-BE49-F238E27FC236}">
-                <a16:creationId xmlns:a16="http://schemas.microsoft.com/office/drawing/2014/main" id="{C8A03FA6-BD6B-40CD-87E0-293CB20A7446}"/>
+                <a16:creationId xmlns:a16="http://schemas.microsoft.com/office/drawing/2014/main" id="{5F7EFE1E-6837-46DF-9B49-63C508F4CF92}"/>
               </a:ext>
             </a:extLst>
           </p:cNvPr>
@@ -3967,15 +7212,30 @@
             <p:ph type="title"/>
           </p:nvPr>
         </p:nvSpPr>
-        <p:spPr/>
-        <p:txBody>
-          <a:bodyPr/>
+        <p:spPr>
+          <a:xfrm>
+            <a:off x="2895600" y="342953"/>
+            <a:ext cx="8610600" cy="1293028"/>
+          </a:xfrm>
+        </p:spPr>
+        <p:txBody>
+          <a:bodyPr>
+            <a:normAutofit/>
+          </a:bodyPr>
           <a:lstStyle/>
           <a:p>
             <a:r>
               <a:rPr lang="en-US" dirty="0"/>
-              <a:t>New features added (Other features)</a:t>
-            </a:r>
+              <a:t>New features added </a:t>
+            </a:r>
+            <a:br>
+              <a:rPr lang="en-US" dirty="0"/>
+            </a:br>
+            <a:r>
+              <a:rPr lang="en-US" dirty="0"/>
+              <a:t>(Other features)</a:t>
+            </a:r>
+            <a:endParaRPr lang="en-CA" dirty="0"/>
           </a:p>
         </p:txBody>
       </p:sp>
@@ -3984,7 +7244,7 @@
           <p:cNvPr id="3" name="Content Placeholder 2">
             <a:extLst>
               <a:ext uri="{FF2B5EF4-FFF2-40B4-BE49-F238E27FC236}">
-                <a16:creationId xmlns:a16="http://schemas.microsoft.com/office/drawing/2014/main" id="{9E87B967-E6B8-435B-A4DB-9991C5FCAFC1}"/>
+                <a16:creationId xmlns:a16="http://schemas.microsoft.com/office/drawing/2014/main" id="{34212EEC-385F-4086-A2E5-008B90FAD0A6}"/>
               </a:ext>
             </a:extLst>
           </p:cNvPr>
@@ -3998,34 +7258,59 @@
         <p:spPr/>
         <p:txBody>
           <a:bodyPr>
-            <a:normAutofit/>
+            <a:normAutofit fontScale="92500"/>
           </a:bodyPr>
           <a:lstStyle/>
           <a:p>
+            <a:pPr>
+              <a:lnSpc>
+                <a:spcPct val="150000"/>
+              </a:lnSpc>
+            </a:pPr>
             <a:r>
               <a:rPr lang="en-US" sz="2400" dirty="0"/>
               <a:t>Added a Pause Menu, as it was suggested during the progress presentation.</a:t>
             </a:r>
           </a:p>
           <a:p>
+            <a:pPr>
+              <a:lnSpc>
+                <a:spcPct val="150000"/>
+              </a:lnSpc>
+            </a:pPr>
             <a:r>
               <a:rPr lang="en-US" sz="2400" dirty="0"/>
               <a:t>Added a main menu.</a:t>
             </a:r>
           </a:p>
           <a:p>
+            <a:pPr>
+              <a:lnSpc>
+                <a:spcPct val="150000"/>
+              </a:lnSpc>
+            </a:pPr>
             <a:r>
               <a:rPr lang="en-US" sz="2400" dirty="0"/>
               <a:t>Added sounds for ambience and most player actions.</a:t>
             </a:r>
           </a:p>
           <a:p>
+            <a:pPr>
+              <a:lnSpc>
+                <a:spcPct val="150000"/>
+              </a:lnSpc>
+            </a:pPr>
             <a:r>
               <a:rPr lang="en-US" sz="2400" dirty="0"/>
               <a:t>On screen prompts when near an interactable objects.</a:t>
             </a:r>
           </a:p>
           <a:p>
+            <a:pPr>
+              <a:lnSpc>
+                <a:spcPct val="150000"/>
+              </a:lnSpc>
+            </a:pPr>
             <a:r>
               <a:rPr lang="en-US" sz="2400" dirty="0"/>
               <a:t>Shader highlighting objects that can be pulled or pushed when powers are active.</a:t>
@@ -4036,7 +7321,7 @@
     </p:spTree>
     <p:extLst>
       <p:ext uri="{BB962C8B-B14F-4D97-AF65-F5344CB8AC3E}">
-        <p14:creationId xmlns:p14="http://schemas.microsoft.com/office/powerpoint/2010/main" val="2453952331"/>
+        <p14:creationId xmlns:p14="http://schemas.microsoft.com/office/powerpoint/2010/main" val="848111417"/>
       </p:ext>
     </p:extLst>
   </p:cSld>
@@ -4068,7 +7353,7 @@
           <p:cNvPr id="2" name="Title 1">
             <a:extLst>
               <a:ext uri="{FF2B5EF4-FFF2-40B4-BE49-F238E27FC236}">
-                <a16:creationId xmlns:a16="http://schemas.microsoft.com/office/drawing/2014/main" id="{6CC84824-FF6B-4A6D-9B5E-EE1F2479D175}"/>
+                <a16:creationId xmlns:a16="http://schemas.microsoft.com/office/drawing/2014/main" id="{DC17E210-FF7D-48B7-BDA3-CD47D6A09F21}"/>
               </a:ext>
             </a:extLst>
           </p:cNvPr>
@@ -4081,35 +7366,36 @@
         </p:nvSpPr>
         <p:spPr>
           <a:xfrm>
-            <a:off x="838200" y="365125"/>
-            <a:ext cx="10515600" cy="3221454"/>
-          </a:xfrm>
-        </p:spPr>
-        <p:txBody>
-          <a:bodyPr/>
-          <a:lstStyle/>
-          <a:p>
+            <a:off x="1790700" y="2288373"/>
+            <a:ext cx="8610600" cy="1293028"/>
+          </a:xfrm>
+        </p:spPr>
+        <p:txBody>
+          <a:bodyPr>
+            <a:normAutofit fontScale="90000"/>
+          </a:bodyPr>
+          <a:lstStyle/>
+          <a:p>
+            <a:pPr algn="ctr"/>
+            <a:r>
+              <a:rPr lang="en-CA" dirty="0"/>
+              <a:t>Thank YOU</a:t>
+            </a:r>
+            <a:br>
+              <a:rPr lang="en-CA" dirty="0"/>
+            </a:br>
             <a:r>
               <a:rPr lang="en-US" dirty="0"/>
-              <a:t>Thank you	</a:t>
-            </a:r>
-            <a:br>
-              <a:rPr lang="en-US" dirty="0"/>
-            </a:br>
-            <a:br>
-              <a:rPr lang="en-US" dirty="0"/>
-            </a:br>
-            <a:r>
-              <a:rPr lang="en-US" dirty="0"/>
-              <a:t>We will now present our game.</a:t>
-            </a:r>
+              <a:t>We will now present our game!</a:t>
+            </a:r>
+            <a:endParaRPr lang="en-CA" dirty="0"/>
           </a:p>
         </p:txBody>
       </p:sp>
     </p:spTree>
     <p:extLst>
       <p:ext uri="{BB962C8B-B14F-4D97-AF65-F5344CB8AC3E}">
-        <p14:creationId xmlns:p14="http://schemas.microsoft.com/office/powerpoint/2010/main" val="3126778662"/>
+        <p14:creationId xmlns:p14="http://schemas.microsoft.com/office/powerpoint/2010/main" val="3934181575"/>
       </p:ext>
     </p:extLst>
   </p:cSld>
@@ -4120,6 +7406,276 @@
 </file>
 
 <file path=ppt/theme/theme1.xml><?xml version="1.0" encoding="utf-8"?>
+<a:theme xmlns:a="http://schemas.openxmlformats.org/drawingml/2006/main" name="Vapor Trail">
+  <a:themeElements>
+    <a:clrScheme name="Vapor Trail">
+      <a:dk1>
+        <a:sysClr val="windowText" lastClr="000000"/>
+      </a:dk1>
+      <a:lt1>
+        <a:sysClr val="window" lastClr="FFFFFF"/>
+      </a:lt1>
+      <a:dk2>
+        <a:srgbClr val="454545"/>
+      </a:dk2>
+      <a:lt2>
+        <a:srgbClr val="DADADA"/>
+      </a:lt2>
+      <a:accent1>
+        <a:srgbClr val="DF2E28"/>
+      </a:accent1>
+      <a:accent2>
+        <a:srgbClr val="FE801A"/>
+      </a:accent2>
+      <a:accent3>
+        <a:srgbClr val="E9BF35"/>
+      </a:accent3>
+      <a:accent4>
+        <a:srgbClr val="81BB42"/>
+      </a:accent4>
+      <a:accent5>
+        <a:srgbClr val="32C7A9"/>
+      </a:accent5>
+      <a:accent6>
+        <a:srgbClr val="4A9BDC"/>
+      </a:accent6>
+      <a:hlink>
+        <a:srgbClr val="F0532B"/>
+      </a:hlink>
+      <a:folHlink>
+        <a:srgbClr val="F38B53"/>
+      </a:folHlink>
+    </a:clrScheme>
+    <a:fontScheme name="Vapor Trail">
+      <a:majorFont>
+        <a:latin typeface="Century Gothic" panose="020B0502020202020204"/>
+        <a:ea typeface=""/>
+        <a:cs typeface=""/>
+        <a:font script="Jpan" typeface="ＭＳ Ｐゴシック"/>
+        <a:font script="Hang" typeface="맑은 고딕"/>
+        <a:font script="Hans" typeface="宋体"/>
+        <a:font script="Hant" typeface="新細明體"/>
+        <a:font script="Arab" typeface="Times New Roman"/>
+        <a:font script="Hebr" typeface="Times New Roman"/>
+        <a:font script="Thai" typeface="Angsana New"/>
+        <a:font script="Ethi" typeface="Nyala"/>
+        <a:font script="Beng" typeface="Vrinda"/>
+        <a:font script="Gujr" typeface="Shruti"/>
+        <a:font script="Khmr" typeface="MoolBoran"/>
+        <a:font script="Knda" typeface="Tunga"/>
+        <a:font script="Guru" typeface="Raavi"/>
+        <a:font script="Cans" typeface="Euphemia"/>
+        <a:font script="Cher" typeface="Plantagenet Cherokee"/>
+        <a:font script="Yiii" typeface="Microsoft Yi Baiti"/>
+        <a:font script="Tibt" typeface="Microsoft Himalaya"/>
+        <a:font script="Thaa" typeface="MV Boli"/>
+        <a:font script="Deva" typeface="Mangal"/>
+        <a:font script="Telu" typeface="Gautami"/>
+        <a:font script="Taml" typeface="Latha"/>
+        <a:font script="Syrc" typeface="Estrangelo Edessa"/>
+        <a:font script="Orya" typeface="Kalinga"/>
+        <a:font script="Mlym" typeface="Kartika"/>
+        <a:font script="Laoo" typeface="DokChampa"/>
+        <a:font script="Sinh" typeface="Iskoola Pota"/>
+        <a:font script="Mong" typeface="Mongolian Baiti"/>
+        <a:font script="Viet" typeface="Times New Roman"/>
+        <a:font script="Uigh" typeface="Microsoft Uighur"/>
+        <a:font script="Geor" typeface="Sylfaen"/>
+      </a:majorFont>
+      <a:minorFont>
+        <a:latin typeface="Century Gothic" panose="020B0502020202020204"/>
+        <a:ea typeface=""/>
+        <a:cs typeface=""/>
+        <a:font script="Jpan" typeface="ＭＳ Ｐゴシック"/>
+        <a:font script="Hang" typeface="맑은 고딕"/>
+        <a:font script="Hans" typeface="宋体"/>
+        <a:font script="Hant" typeface="新細明體"/>
+        <a:font script="Arab" typeface="Arial"/>
+        <a:font script="Hebr" typeface="Arial"/>
+        <a:font script="Thai" typeface="Cordia New"/>
+        <a:font script="Ethi" typeface="Nyala"/>
+        <a:font script="Beng" typeface="Vrinda"/>
+        <a:font script="Gujr" typeface="Shruti"/>
+        <a:font script="Khmr" typeface="DaunPenh"/>
+        <a:font script="Knda" typeface="Tunga"/>
+        <a:font script="Guru" typeface="Raavi"/>
+        <a:font script="Cans" typeface="Euphemia"/>
+        <a:font script="Cher" typeface="Plantagenet Cherokee"/>
+        <a:font script="Yiii" typeface="Microsoft Yi Baiti"/>
+        <a:font script="Tibt" typeface="Microsoft Himalaya"/>
+        <a:font script="Thaa" typeface="MV Boli"/>
+        <a:font script="Deva" typeface="Mangal"/>
+        <a:font script="Telu" typeface="Gautami"/>
+        <a:font script="Taml" typeface="Latha"/>
+        <a:font script="Syrc" typeface="Estrangelo Edessa"/>
+        <a:font script="Orya" typeface="Kalinga"/>
+        <a:font script="Mlym" typeface="Kartika"/>
+        <a:font script="Laoo" typeface="DokChampa"/>
+        <a:font script="Sinh" typeface="Iskoola Pota"/>
+        <a:font script="Mong" typeface="Mongolian Baiti"/>
+        <a:font script="Viet" typeface="Arial"/>
+        <a:font script="Uigh" typeface="Microsoft Uighur"/>
+        <a:font script="Geor" typeface="Sylfaen"/>
+      </a:minorFont>
+    </a:fontScheme>
+    <a:fmtScheme name="Vapor Trail">
+      <a:fillStyleLst>
+        <a:solidFill>
+          <a:schemeClr val="phClr"/>
+        </a:solidFill>
+        <a:gradFill rotWithShape="1">
+          <a:gsLst>
+            <a:gs pos="0">
+              <a:schemeClr val="phClr">
+                <a:tint val="69000"/>
+                <a:alpha val="100000"/>
+                <a:satMod val="109000"/>
+                <a:lumMod val="110000"/>
+              </a:schemeClr>
+            </a:gs>
+            <a:gs pos="52000">
+              <a:schemeClr val="phClr">
+                <a:tint val="74000"/>
+                <a:satMod val="100000"/>
+                <a:lumMod val="104000"/>
+              </a:schemeClr>
+            </a:gs>
+            <a:gs pos="100000">
+              <a:schemeClr val="phClr">
+                <a:tint val="78000"/>
+                <a:satMod val="100000"/>
+                <a:lumMod val="100000"/>
+              </a:schemeClr>
+            </a:gs>
+          </a:gsLst>
+          <a:lin ang="5400000" scaled="0"/>
+        </a:gradFill>
+        <a:gradFill rotWithShape="1">
+          <a:gsLst>
+            <a:gs pos="0">
+              <a:schemeClr val="phClr">
+                <a:tint val="96000"/>
+                <a:satMod val="100000"/>
+                <a:lumMod val="104000"/>
+              </a:schemeClr>
+            </a:gs>
+            <a:gs pos="78000">
+              <a:schemeClr val="phClr">
+                <a:shade val="100000"/>
+                <a:satMod val="110000"/>
+                <a:lumMod val="100000"/>
+              </a:schemeClr>
+            </a:gs>
+          </a:gsLst>
+          <a:lin ang="5400000" scaled="0"/>
+        </a:gradFill>
+      </a:fillStyleLst>
+      <a:lnStyleLst>
+        <a:ln w="9525" cap="flat" cmpd="sng" algn="ctr">
+          <a:solidFill>
+            <a:schemeClr val="phClr"/>
+          </a:solidFill>
+          <a:prstDash val="solid"/>
+        </a:ln>
+        <a:ln w="12700" cap="flat" cmpd="sng" algn="ctr">
+          <a:solidFill>
+            <a:schemeClr val="phClr"/>
+          </a:solidFill>
+          <a:prstDash val="solid"/>
+        </a:ln>
+        <a:ln w="19050" cap="flat" cmpd="sng" algn="ctr">
+          <a:solidFill>
+            <a:schemeClr val="phClr"/>
+          </a:solidFill>
+          <a:prstDash val="solid"/>
+        </a:ln>
+      </a:lnStyleLst>
+      <a:effectStyleLst>
+        <a:effectStyle>
+          <a:effectLst/>
+        </a:effectStyle>
+        <a:effectStyle>
+          <a:effectLst/>
+          <a:scene3d>
+            <a:camera prst="orthographicFront">
+              <a:rot lat="0" lon="0" rev="0"/>
+            </a:camera>
+            <a:lightRig rig="threePt" dir="t"/>
+          </a:scene3d>
+          <a:sp3d>
+            <a:bevelT w="25400" h="12700"/>
+          </a:sp3d>
+        </a:effectStyle>
+        <a:effectStyle>
+          <a:effectLst>
+            <a:outerShdw blurRad="57150" dist="19050" dir="5400000" algn="ctr" rotWithShape="0">
+              <a:srgbClr val="000000">
+                <a:alpha val="48000"/>
+              </a:srgbClr>
+            </a:outerShdw>
+          </a:effectLst>
+          <a:scene3d>
+            <a:camera prst="orthographicFront">
+              <a:rot lat="0" lon="0" rev="0"/>
+            </a:camera>
+            <a:lightRig rig="threePt" dir="t"/>
+          </a:scene3d>
+          <a:sp3d>
+            <a:bevelT w="50800" h="25400"/>
+          </a:sp3d>
+        </a:effectStyle>
+      </a:effectStyleLst>
+      <a:bgFillStyleLst>
+        <a:solidFill>
+          <a:schemeClr val="phClr"/>
+        </a:solidFill>
+        <a:solidFill>
+          <a:schemeClr val="phClr">
+            <a:tint val="95000"/>
+            <a:satMod val="170000"/>
+          </a:schemeClr>
+        </a:solidFill>
+        <a:gradFill rotWithShape="1">
+          <a:gsLst>
+            <a:gs pos="0">
+              <a:schemeClr val="phClr">
+                <a:tint val="93000"/>
+                <a:shade val="98000"/>
+                <a:satMod val="150000"/>
+                <a:lumMod val="102000"/>
+              </a:schemeClr>
+            </a:gs>
+            <a:gs pos="50000">
+              <a:schemeClr val="phClr">
+                <a:tint val="98000"/>
+                <a:shade val="90000"/>
+                <a:satMod val="130000"/>
+                <a:lumMod val="103000"/>
+              </a:schemeClr>
+            </a:gs>
+            <a:gs pos="100000">
+              <a:schemeClr val="phClr">
+                <a:shade val="63000"/>
+                <a:satMod val="120000"/>
+              </a:schemeClr>
+            </a:gs>
+          </a:gsLst>
+          <a:lin ang="5400000" scaled="0"/>
+        </a:gradFill>
+      </a:bgFillStyleLst>
+    </a:fmtScheme>
+  </a:themeElements>
+  <a:objectDefaults/>
+  <a:extraClrSchemeLst/>
+  <a:extLst>
+    <a:ext uri="{05A4C25C-085E-4340-85A3-A5531E510DB2}">
+      <thm15:themeFamily xmlns:thm15="http://schemas.microsoft.com/office/thememl/2012/main" name="Vapor Trail" id="{4FDF2955-7D9C-493C-B9F9-C205151B46CD}" vid="{8F31A783-2159-4870-BC29-2BA7D038EA44}"/>
+    </a:ext>
+  </a:extLst>
+</a:theme>
+</file>
+
+<file path=ppt/theme/theme2.xml><?xml version="1.0" encoding="utf-8"?>
 <a:theme xmlns:a="http://schemas.openxmlformats.org/drawingml/2006/main" name="Office Theme">
   <a:themeElements>
     <a:clrScheme name="Office">
